--- a/ppt/สอบความก้าวหน้ครั้งที่1.pptx
+++ b/ppt/สอบความก้าวหน้ครั้งที่1.pptx
@@ -7,17 +7,19 @@
   <p:sldIdLst>
     <p:sldId id="256" r:id="rId2"/>
     <p:sldId id="257" r:id="rId3"/>
-    <p:sldId id="258" r:id="rId4"/>
-    <p:sldId id="259" r:id="rId5"/>
-    <p:sldId id="261" r:id="rId6"/>
+    <p:sldId id="277" r:id="rId4"/>
+    <p:sldId id="264" r:id="rId5"/>
+    <p:sldId id="276" r:id="rId6"/>
     <p:sldId id="262" r:id="rId7"/>
-    <p:sldId id="264" r:id="rId8"/>
-    <p:sldId id="276" r:id="rId9"/>
-    <p:sldId id="269" r:id="rId10"/>
-    <p:sldId id="270" r:id="rId11"/>
-    <p:sldId id="271" r:id="rId12"/>
-    <p:sldId id="272" r:id="rId13"/>
-    <p:sldId id="275" r:id="rId14"/>
+    <p:sldId id="278" r:id="rId8"/>
+    <p:sldId id="280" r:id="rId9"/>
+    <p:sldId id="279" r:id="rId10"/>
+    <p:sldId id="281" r:id="rId11"/>
+    <p:sldId id="269" r:id="rId12"/>
+    <p:sldId id="270" r:id="rId13"/>
+    <p:sldId id="271" r:id="rId14"/>
+    <p:sldId id="272" r:id="rId15"/>
+    <p:sldId id="275" r:id="rId16"/>
   </p:sldIdLst>
   <p:sldSz cx="12192000" cy="6858000"/>
   <p:notesSz cx="6858000" cy="9144000"/>
@@ -846,7 +848,7 @@
           <a:p>
             <a:fld id="{A16629F6-7702-4C0B-8812-7CDEBCF6D9C9}" type="datetimeFigureOut">
               <a:rPr lang="th-TH" smtClean="0"/>
-              <a:t>02/02/59</a:t>
+              <a:t>03/02/59</a:t>
             </a:fld>
             <a:endParaRPr lang="th-TH"/>
           </a:p>
@@ -1097,7 +1099,7 @@
           <a:p>
             <a:fld id="{A16629F6-7702-4C0B-8812-7CDEBCF6D9C9}" type="datetimeFigureOut">
               <a:rPr lang="th-TH" smtClean="0"/>
-              <a:t>02/02/59</a:t>
+              <a:t>03/02/59</a:t>
             </a:fld>
             <a:endParaRPr lang="th-TH"/>
           </a:p>
@@ -1411,7 +1413,7 @@
           <a:p>
             <a:fld id="{A16629F6-7702-4C0B-8812-7CDEBCF6D9C9}" type="datetimeFigureOut">
               <a:rPr lang="th-TH" smtClean="0"/>
-              <a:t>02/02/59</a:t>
+              <a:t>03/02/59</a:t>
             </a:fld>
             <a:endParaRPr lang="th-TH"/>
           </a:p>
@@ -1752,7 +1754,7 @@
           <a:p>
             <a:fld id="{A16629F6-7702-4C0B-8812-7CDEBCF6D9C9}" type="datetimeFigureOut">
               <a:rPr lang="th-TH" smtClean="0"/>
-              <a:t>02/02/59</a:t>
+              <a:t>03/02/59</a:t>
             </a:fld>
             <a:endParaRPr lang="th-TH"/>
           </a:p>
@@ -2066,7 +2068,7 @@
           <a:p>
             <a:fld id="{A16629F6-7702-4C0B-8812-7CDEBCF6D9C9}" type="datetimeFigureOut">
               <a:rPr lang="th-TH" smtClean="0"/>
-              <a:t>02/02/59</a:t>
+              <a:t>03/02/59</a:t>
             </a:fld>
             <a:endParaRPr lang="th-TH"/>
           </a:p>
@@ -2459,7 +2461,7 @@
           <a:p>
             <a:fld id="{A16629F6-7702-4C0B-8812-7CDEBCF6D9C9}" type="datetimeFigureOut">
               <a:rPr lang="th-TH" smtClean="0"/>
-              <a:t>02/02/59</a:t>
+              <a:t>03/02/59</a:t>
             </a:fld>
             <a:endParaRPr lang="th-TH"/>
           </a:p>
@@ -2629,7 +2631,7 @@
           <a:p>
             <a:fld id="{A16629F6-7702-4C0B-8812-7CDEBCF6D9C9}" type="datetimeFigureOut">
               <a:rPr lang="th-TH" smtClean="0"/>
-              <a:t>02/02/59</a:t>
+              <a:t>03/02/59</a:t>
             </a:fld>
             <a:endParaRPr lang="th-TH"/>
           </a:p>
@@ -2809,7 +2811,7 @@
           <a:p>
             <a:fld id="{A16629F6-7702-4C0B-8812-7CDEBCF6D9C9}" type="datetimeFigureOut">
               <a:rPr lang="th-TH" smtClean="0"/>
-              <a:t>02/02/59</a:t>
+              <a:t>03/02/59</a:t>
             </a:fld>
             <a:endParaRPr lang="th-TH"/>
           </a:p>
@@ -2985,7 +2987,7 @@
           <a:p>
             <a:fld id="{A16629F6-7702-4C0B-8812-7CDEBCF6D9C9}" type="datetimeFigureOut">
               <a:rPr lang="th-TH" smtClean="0"/>
-              <a:t>02/02/59</a:t>
+              <a:t>03/02/59</a:t>
             </a:fld>
             <a:endParaRPr lang="th-TH"/>
           </a:p>
@@ -3232,7 +3234,7 @@
           <a:p>
             <a:fld id="{A16629F6-7702-4C0B-8812-7CDEBCF6D9C9}" type="datetimeFigureOut">
               <a:rPr lang="th-TH" smtClean="0"/>
-              <a:t>02/02/59</a:t>
+              <a:t>03/02/59</a:t>
             </a:fld>
             <a:endParaRPr lang="th-TH"/>
           </a:p>
@@ -3464,7 +3466,7 @@
           <a:p>
             <a:fld id="{A16629F6-7702-4C0B-8812-7CDEBCF6D9C9}" type="datetimeFigureOut">
               <a:rPr lang="th-TH" smtClean="0"/>
-              <a:t>02/02/59</a:t>
+              <a:t>03/02/59</a:t>
             </a:fld>
             <a:endParaRPr lang="th-TH"/>
           </a:p>
@@ -3838,7 +3840,7 @@
           <a:p>
             <a:fld id="{A16629F6-7702-4C0B-8812-7CDEBCF6D9C9}" type="datetimeFigureOut">
               <a:rPr lang="th-TH" smtClean="0"/>
-              <a:t>02/02/59</a:t>
+              <a:t>03/02/59</a:t>
             </a:fld>
             <a:endParaRPr lang="th-TH"/>
           </a:p>
@@ -3961,7 +3963,7 @@
           <a:p>
             <a:fld id="{A16629F6-7702-4C0B-8812-7CDEBCF6D9C9}" type="datetimeFigureOut">
               <a:rPr lang="th-TH" smtClean="0"/>
-              <a:t>02/02/59</a:t>
+              <a:t>03/02/59</a:t>
             </a:fld>
             <a:endParaRPr lang="th-TH"/>
           </a:p>
@@ -4056,7 +4058,7 @@
           <a:p>
             <a:fld id="{A16629F6-7702-4C0B-8812-7CDEBCF6D9C9}" type="datetimeFigureOut">
               <a:rPr lang="th-TH" smtClean="0"/>
-              <a:t>02/02/59</a:t>
+              <a:t>03/02/59</a:t>
             </a:fld>
             <a:endParaRPr lang="th-TH"/>
           </a:p>
@@ -4311,7 +4313,7 @@
           <a:p>
             <a:fld id="{A16629F6-7702-4C0B-8812-7CDEBCF6D9C9}" type="datetimeFigureOut">
               <a:rPr lang="th-TH" smtClean="0"/>
-              <a:t>02/02/59</a:t>
+              <a:t>03/02/59</a:t>
             </a:fld>
             <a:endParaRPr lang="th-TH"/>
           </a:p>
@@ -4574,7 +4576,7 @@
           <a:p>
             <a:fld id="{A16629F6-7702-4C0B-8812-7CDEBCF6D9C9}" type="datetimeFigureOut">
               <a:rPr lang="th-TH" smtClean="0"/>
-              <a:t>02/02/59</a:t>
+              <a:t>03/02/59</a:t>
             </a:fld>
             <a:endParaRPr lang="th-TH"/>
           </a:p>
@@ -5317,7 +5319,7 @@
           <a:p>
             <a:fld id="{A16629F6-7702-4C0B-8812-7CDEBCF6D9C9}" type="datetimeFigureOut">
               <a:rPr lang="th-TH" smtClean="0"/>
-              <a:t>02/02/59</a:t>
+              <a:t>03/02/59</a:t>
             </a:fld>
             <a:endParaRPr lang="th-TH"/>
           </a:p>
@@ -6218,6 +6220,988 @@
       </p:grpSpPr>
       <p:sp>
         <p:nvSpPr>
+          <p:cNvPr id="2" name="ชื่อเรื่อง 1"/>
+          <p:cNvSpPr>
+            <a:spLocks noGrp="1"/>
+          </p:cNvSpPr>
+          <p:nvPr>
+            <p:ph type="title"/>
+          </p:nvPr>
+        </p:nvSpPr>
+        <p:spPr/>
+        <p:txBody>
+          <a:bodyPr/>
+          <a:lstStyle/>
+          <a:p>
+            <a:pPr algn="ctr"/>
+            <a:r>
+              <a:rPr lang="th-TH" b="1" dirty="0" smtClean="0">
+                <a:solidFill>
+                  <a:srgbClr val="000000"/>
+                </a:solidFill>
+                <a:latin typeface="Angsana New" pitchFamily="18" charset="-34"/>
+                <a:cs typeface="Angsana New" pitchFamily="18" charset="-34"/>
+              </a:rPr>
+              <a:t>สิ่งที่จะทำในอนาคต</a:t>
+            </a:r>
+            <a:endParaRPr lang="en-US" b="1" dirty="0">
+              <a:solidFill>
+                <a:srgbClr val="000000"/>
+              </a:solidFill>
+              <a:latin typeface="Angsana New" pitchFamily="18" charset="-34"/>
+              <a:cs typeface="Angsana New" pitchFamily="18" charset="-34"/>
+            </a:endParaRPr>
+          </a:p>
+        </p:txBody>
+      </p:sp>
+      <p:sp>
+        <p:nvSpPr>
+          <p:cNvPr id="3" name="ตัวแทนเนื้อหา 2"/>
+          <p:cNvSpPr>
+            <a:spLocks noGrp="1"/>
+          </p:cNvSpPr>
+          <p:nvPr>
+            <p:ph idx="1"/>
+          </p:nvPr>
+        </p:nvSpPr>
+        <p:spPr/>
+        <p:txBody>
+          <a:bodyPr/>
+          <a:lstStyle/>
+          <a:p>
+            <a:r>
+              <a:rPr lang="th-TH" sz="2800" dirty="0">
+                <a:solidFill>
+                  <a:srgbClr val="000000"/>
+                </a:solidFill>
+                <a:latin typeface="Angsana New" panose="02020603050405020304" pitchFamily="18" charset="-34"/>
+                <a:cs typeface="Angsana New" panose="02020603050405020304" pitchFamily="18" charset="-34"/>
+              </a:rPr>
+              <a:t>ทำวิดีโอสำหรับเกริ่นนำเนื้อหาในแต่ละด่าน</a:t>
+            </a:r>
+          </a:p>
+          <a:p>
+            <a:r>
+              <a:rPr lang="th-TH" sz="2800" dirty="0" smtClean="0">
+                <a:solidFill>
+                  <a:srgbClr val="000000"/>
+                </a:solidFill>
+                <a:latin typeface="Angsana New" panose="02020603050405020304" pitchFamily="18" charset="-34"/>
+                <a:cs typeface="Angsana New" panose="02020603050405020304" pitchFamily="18" charset="-34"/>
+              </a:rPr>
+              <a:t>เชื่อมโยง</a:t>
+            </a:r>
+            <a:r>
+              <a:rPr lang="th-TH" sz="2800" dirty="0">
+                <a:solidFill>
+                  <a:srgbClr val="000000"/>
+                </a:solidFill>
+                <a:latin typeface="Angsana New" panose="02020603050405020304" pitchFamily="18" charset="-34"/>
+                <a:cs typeface="Angsana New" panose="02020603050405020304" pitchFamily="18" charset="-34"/>
+              </a:rPr>
+              <a:t>เกมแต่ละด่านเข้า</a:t>
+            </a:r>
+            <a:r>
+              <a:rPr lang="th-TH" sz="2800" dirty="0" smtClean="0">
+                <a:solidFill>
+                  <a:srgbClr val="000000"/>
+                </a:solidFill>
+                <a:latin typeface="Angsana New" panose="02020603050405020304" pitchFamily="18" charset="-34"/>
+                <a:cs typeface="Angsana New" panose="02020603050405020304" pitchFamily="18" charset="-34"/>
+              </a:rPr>
+              <a:t>ด้วยกัน</a:t>
+            </a:r>
+          </a:p>
+          <a:p>
+            <a:r>
+              <a:rPr lang="th-TH" sz="2800" dirty="0">
+                <a:solidFill>
+                  <a:srgbClr val="000000"/>
+                </a:solidFill>
+                <a:latin typeface="Angsana New" panose="02020603050405020304" pitchFamily="18" charset="-34"/>
+                <a:cs typeface="Angsana New" panose="02020603050405020304" pitchFamily="18" charset="-34"/>
+              </a:rPr>
+              <a:t>ทดสอบระบบเกม </a:t>
+            </a:r>
+          </a:p>
+          <a:p>
+            <a:r>
+              <a:rPr lang="th-TH" sz="2800" dirty="0">
+                <a:solidFill>
+                  <a:srgbClr val="000000"/>
+                </a:solidFill>
+                <a:latin typeface="Angsana New" panose="02020603050405020304" pitchFamily="18" charset="-34"/>
+                <a:cs typeface="Angsana New" panose="02020603050405020304" pitchFamily="18" charset="-34"/>
+              </a:rPr>
+              <a:t>ปรับปรุงระบบหลังจากทดสอบแล้วนำไป</a:t>
+            </a:r>
+            <a:r>
+              <a:rPr lang="th-TH" sz="2800" dirty="0" smtClean="0">
+                <a:solidFill>
+                  <a:srgbClr val="000000"/>
+                </a:solidFill>
+                <a:latin typeface="Angsana New" panose="02020603050405020304" pitchFamily="18" charset="-34"/>
+                <a:cs typeface="Angsana New" panose="02020603050405020304" pitchFamily="18" charset="-34"/>
+              </a:rPr>
+              <a:t>เผยแพร่</a:t>
+            </a:r>
+          </a:p>
+          <a:p>
+            <a:r>
+              <a:rPr lang="th-TH" sz="2800" dirty="0">
+                <a:solidFill>
+                  <a:srgbClr val="000000"/>
+                </a:solidFill>
+                <a:latin typeface="Angsana New" panose="02020603050405020304" pitchFamily="18" charset="-34"/>
+                <a:cs typeface="Angsana New" panose="02020603050405020304" pitchFamily="18" charset="-34"/>
+              </a:rPr>
+              <a:t>สรุปผลการดำเนินงานและจัดทำเอกสาร</a:t>
+            </a:r>
+          </a:p>
+          <a:p>
+            <a:endParaRPr lang="th-TH" dirty="0">
+              <a:solidFill>
+                <a:srgbClr val="000000"/>
+              </a:solidFill>
+              <a:latin typeface="Angsana New" panose="02020603050405020304" pitchFamily="18" charset="-34"/>
+              <a:cs typeface="Angsana New" panose="02020603050405020304" pitchFamily="18" charset="-34"/>
+            </a:endParaRPr>
+          </a:p>
+          <a:p>
+            <a:endParaRPr lang="th-TH" dirty="0">
+              <a:solidFill>
+                <a:srgbClr val="000000"/>
+              </a:solidFill>
+              <a:latin typeface="Angsana New" panose="02020603050405020304" pitchFamily="18" charset="-34"/>
+              <a:cs typeface="Angsana New" panose="02020603050405020304" pitchFamily="18" charset="-34"/>
+            </a:endParaRPr>
+          </a:p>
+          <a:p>
+            <a:endParaRPr lang="en-US" dirty="0"/>
+          </a:p>
+        </p:txBody>
+      </p:sp>
+      <p:sp>
+        <p:nvSpPr>
+          <p:cNvPr id="4" name="สี่เหลี่ยมผืนผ้า 3"/>
+          <p:cNvSpPr/>
+          <p:nvPr/>
+        </p:nvSpPr>
+        <p:spPr>
+          <a:xfrm>
+            <a:off x="4645681" y="6338411"/>
+            <a:ext cx="2989921" cy="369332"/>
+          </a:xfrm>
+          <a:prstGeom prst="rect">
+            <a:avLst/>
+          </a:prstGeom>
+          <a:noFill/>
+        </p:spPr>
+        <p:txBody>
+          <a:bodyPr wrap="none" lIns="91440" tIns="45720" rIns="91440" bIns="45720">
+            <a:spAutoFit/>
+          </a:bodyPr>
+          <a:lstStyle/>
+          <a:p>
+            <a:pPr algn="ctr"/>
+            <a:r>
+              <a:rPr lang="th-TH" sz="1800" cap="none" spc="0" dirty="0" smtClean="0">
+                <a:ln w="0">
+                  <a:noFill/>
+                </a:ln>
+                <a:solidFill>
+                  <a:srgbClr val="000000"/>
+                </a:solidFill>
+                <a:latin typeface="CordiaUPC" panose="020B0304020202020204" pitchFamily="34" charset="-34"/>
+                <a:cs typeface="CordiaUPC" panose="020B0304020202020204" pitchFamily="34" charset="-34"/>
+              </a:rPr>
+              <a:t>คณะวิทยาศาสตร์ สาขาเทคโนโลยีสารสนเทศ</a:t>
+            </a:r>
+            <a:endParaRPr lang="th-TH" sz="1800" cap="none" spc="0" dirty="0">
+              <a:ln w="0">
+                <a:noFill/>
+              </a:ln>
+              <a:solidFill>
+                <a:srgbClr val="000000"/>
+              </a:solidFill>
+              <a:latin typeface="CordiaUPC" panose="020B0304020202020204" pitchFamily="34" charset="-34"/>
+              <a:cs typeface="CordiaUPC" panose="020B0304020202020204" pitchFamily="34" charset="-34"/>
+            </a:endParaRPr>
+          </a:p>
+        </p:txBody>
+      </p:sp>
+      <p:pic>
+        <p:nvPicPr>
+          <p:cNvPr id="5" name="รูปภาพ 4"/>
+          <p:cNvPicPr>
+            <a:picLocks noChangeAspect="1"/>
+          </p:cNvPicPr>
+          <p:nvPr/>
+        </p:nvPicPr>
+        <p:blipFill>
+          <a:blip r:embed="rId2"/>
+          <a:stretch>
+            <a:fillRect/>
+          </a:stretch>
+        </p:blipFill>
+        <p:spPr>
+          <a:xfrm flipH="1">
+            <a:off x="4329468" y="6269593"/>
+            <a:ext cx="369914" cy="438150"/>
+          </a:xfrm>
+          <a:prstGeom prst="rect">
+            <a:avLst/>
+          </a:prstGeom>
+        </p:spPr>
+      </p:pic>
+    </p:spTree>
+    <p:extLst>
+      <p:ext uri="{BB962C8B-B14F-4D97-AF65-F5344CB8AC3E}">
+        <p14:creationId xmlns:p14="http://schemas.microsoft.com/office/powerpoint/2010/main" val="2197028704"/>
+      </p:ext>
+    </p:extLst>
+  </p:cSld>
+  <p:clrMapOvr>
+    <a:masterClrMapping/>
+  </p:clrMapOvr>
+  <p:transition spd="slow">
+    <p:push dir="r"/>
+  </p:transition>
+  <p:timing>
+    <p:tnLst>
+      <p:par>
+        <p:cTn id="1" dur="indefinite" restart="never" nodeType="tmRoot"/>
+      </p:par>
+    </p:tnLst>
+  </p:timing>
+</p:sld>
+</file>
+
+<file path=ppt/slides/slide11.xml><?xml version="1.0" encoding="utf-8"?>
+<p:sld xmlns:a="http://schemas.openxmlformats.org/drawingml/2006/main" xmlns:r="http://schemas.openxmlformats.org/officeDocument/2006/relationships" xmlns:p="http://schemas.openxmlformats.org/presentationml/2006/main">
+  <p:cSld>
+    <p:spTree>
+      <p:nvGrpSpPr>
+        <p:cNvPr id="1" name=""/>
+        <p:cNvGrpSpPr/>
+        <p:nvPr/>
+      </p:nvGrpSpPr>
+      <p:grpSpPr>
+        <a:xfrm>
+          <a:off x="0" y="0"/>
+          <a:ext cx="0" cy="0"/>
+          <a:chOff x="0" y="0"/>
+          <a:chExt cx="0" cy="0"/>
+        </a:xfrm>
+      </p:grpSpPr>
+      <p:sp>
+        <p:nvSpPr>
+          <p:cNvPr id="2" name="ชื่อเรื่อง 1"/>
+          <p:cNvSpPr>
+            <a:spLocks noGrp="1"/>
+          </p:cNvSpPr>
+          <p:nvPr>
+            <p:ph type="title"/>
+          </p:nvPr>
+        </p:nvSpPr>
+        <p:spPr/>
+        <p:txBody>
+          <a:bodyPr>
+            <a:normAutofit/>
+          </a:bodyPr>
+          <a:lstStyle/>
+          <a:p>
+            <a:pPr lvl="0" algn="ctr"/>
+            <a:r>
+              <a:rPr lang="th-TH" b="1" dirty="0">
+                <a:solidFill>
+                  <a:srgbClr val="000000"/>
+                </a:solidFill>
+                <a:latin typeface="Angsana New" panose="02020603050405020304" pitchFamily="18" charset="-34"/>
+                <a:cs typeface="Angsana New" panose="02020603050405020304" pitchFamily="18" charset="-34"/>
+              </a:rPr>
+              <a:t>วิธีการดำเนินการ </a:t>
+            </a:r>
+            <a:endParaRPr lang="en-US" dirty="0">
+              <a:solidFill>
+                <a:srgbClr val="000000"/>
+              </a:solidFill>
+              <a:latin typeface="Angsana New" panose="02020603050405020304" pitchFamily="18" charset="-34"/>
+              <a:cs typeface="Angsana New" panose="02020603050405020304" pitchFamily="18" charset="-34"/>
+            </a:endParaRPr>
+          </a:p>
+        </p:txBody>
+      </p:sp>
+      <p:sp>
+        <p:nvSpPr>
+          <p:cNvPr id="3" name="ตัวแทนเนื้อหา 2"/>
+          <p:cNvSpPr>
+            <a:spLocks noGrp="1"/>
+          </p:cNvSpPr>
+          <p:nvPr>
+            <p:ph idx="1"/>
+          </p:nvPr>
+        </p:nvSpPr>
+        <p:spPr>
+          <a:xfrm>
+            <a:off x="677334" y="1611087"/>
+            <a:ext cx="8596668" cy="4110962"/>
+          </a:xfrm>
+        </p:spPr>
+        <p:txBody>
+          <a:bodyPr>
+            <a:normAutofit/>
+          </a:bodyPr>
+          <a:lstStyle/>
+          <a:p>
+            <a:pPr marL="0" indent="0">
+              <a:buNone/>
+            </a:pPr>
+            <a:r>
+              <a:rPr lang="th-TH" sz="2800" b="1" dirty="0" smtClean="0">
+                <a:solidFill>
+                  <a:srgbClr val="000000"/>
+                </a:solidFill>
+                <a:latin typeface="Angsana New" panose="02020603050405020304" pitchFamily="18" charset="-34"/>
+                <a:cs typeface="Angsana New" panose="02020603050405020304" pitchFamily="18" charset="-34"/>
+              </a:rPr>
+              <a:t>9.1   ศึกษารวบรวมข้อมูลที่จำเป็นในการจัดทำเกม</a:t>
+            </a:r>
+          </a:p>
+          <a:p>
+            <a:r>
+              <a:rPr lang="th-TH" sz="2800" dirty="0" smtClean="0">
+                <a:solidFill>
+                  <a:srgbClr val="000000"/>
+                </a:solidFill>
+                <a:latin typeface="Angsana New" panose="02020603050405020304" pitchFamily="18" charset="-34"/>
+                <a:cs typeface="Angsana New" panose="02020603050405020304" pitchFamily="18" charset="-34"/>
+              </a:rPr>
+              <a:t>	ศึกษาการเขียนโปรแกรมภาษา </a:t>
+            </a:r>
+            <a:r>
+              <a:rPr lang="en-US" sz="2800" dirty="0" smtClean="0">
+                <a:solidFill>
+                  <a:srgbClr val="000000"/>
+                </a:solidFill>
+                <a:latin typeface="Angsana New" panose="02020603050405020304" pitchFamily="18" charset="-34"/>
+                <a:cs typeface="Angsana New" panose="02020603050405020304" pitchFamily="18" charset="-34"/>
+              </a:rPr>
+              <a:t>C#</a:t>
+            </a:r>
+          </a:p>
+          <a:p>
+            <a:r>
+              <a:rPr lang="en-US" sz="2800" dirty="0" smtClean="0">
+                <a:solidFill>
+                  <a:srgbClr val="000000"/>
+                </a:solidFill>
+                <a:latin typeface="Angsana New" panose="02020603050405020304" pitchFamily="18" charset="-34"/>
+                <a:cs typeface="Angsana New" panose="02020603050405020304" pitchFamily="18" charset="-34"/>
+              </a:rPr>
+              <a:t>	</a:t>
+            </a:r>
+            <a:r>
+              <a:rPr lang="th-TH" sz="2800" dirty="0" smtClean="0">
+                <a:solidFill>
+                  <a:srgbClr val="000000"/>
+                </a:solidFill>
+                <a:latin typeface="Angsana New" panose="02020603050405020304" pitchFamily="18" charset="-34"/>
+                <a:cs typeface="Angsana New" panose="02020603050405020304" pitchFamily="18" charset="-34"/>
+              </a:rPr>
+              <a:t>ศึกษาการทำเกมสองมิติด้วยโปรแกรมยู</a:t>
+            </a:r>
+            <a:r>
+              <a:rPr lang="th-TH" sz="2800" dirty="0" err="1" smtClean="0">
+                <a:solidFill>
+                  <a:srgbClr val="000000"/>
+                </a:solidFill>
+                <a:latin typeface="Angsana New" panose="02020603050405020304" pitchFamily="18" charset="-34"/>
+                <a:cs typeface="Angsana New" panose="02020603050405020304" pitchFamily="18" charset="-34"/>
+              </a:rPr>
+              <a:t>นิตี้</a:t>
+            </a:r>
+            <a:endParaRPr lang="th-TH" sz="2800" dirty="0" smtClean="0">
+              <a:solidFill>
+                <a:srgbClr val="000000"/>
+              </a:solidFill>
+              <a:latin typeface="Angsana New" panose="02020603050405020304" pitchFamily="18" charset="-34"/>
+              <a:cs typeface="Angsana New" panose="02020603050405020304" pitchFamily="18" charset="-34"/>
+            </a:endParaRPr>
+          </a:p>
+          <a:p>
+            <a:r>
+              <a:rPr lang="th-TH" sz="2800" dirty="0" smtClean="0">
+                <a:solidFill>
+                  <a:srgbClr val="000000"/>
+                </a:solidFill>
+                <a:latin typeface="Angsana New" panose="02020603050405020304" pitchFamily="18" charset="-34"/>
+                <a:cs typeface="Angsana New" panose="02020603050405020304" pitchFamily="18" charset="-34"/>
+              </a:rPr>
+              <a:t>	ศึกษาขั้นตอนการพัฒนาเกมบนระบบปฏิบัติการแอน</a:t>
+            </a:r>
+            <a:r>
+              <a:rPr lang="th-TH" sz="2800" dirty="0" err="1" smtClean="0">
+                <a:solidFill>
+                  <a:srgbClr val="000000"/>
+                </a:solidFill>
+                <a:latin typeface="Angsana New" panose="02020603050405020304" pitchFamily="18" charset="-34"/>
+                <a:cs typeface="Angsana New" panose="02020603050405020304" pitchFamily="18" charset="-34"/>
+              </a:rPr>
+              <a:t>ดรอยด์</a:t>
+            </a:r>
+            <a:endParaRPr lang="th-TH" sz="2800" dirty="0" smtClean="0">
+              <a:solidFill>
+                <a:srgbClr val="000000"/>
+              </a:solidFill>
+              <a:latin typeface="Angsana New" panose="02020603050405020304" pitchFamily="18" charset="-34"/>
+              <a:cs typeface="Angsana New" panose="02020603050405020304" pitchFamily="18" charset="-34"/>
+            </a:endParaRPr>
+          </a:p>
+          <a:p>
+            <a:r>
+              <a:rPr lang="th-TH" sz="2800" dirty="0" smtClean="0">
+                <a:solidFill>
+                  <a:srgbClr val="000000"/>
+                </a:solidFill>
+                <a:latin typeface="Angsana New" panose="02020603050405020304" pitchFamily="18" charset="-34"/>
+                <a:cs typeface="Angsana New" panose="02020603050405020304" pitchFamily="18" charset="-34"/>
+              </a:rPr>
+              <a:t>	ศึกษาประเภทของสัตว์ป่าไปใช้ในการออกแบบฉากและตัวละครในเกม</a:t>
+            </a:r>
+          </a:p>
+          <a:p>
+            <a:endParaRPr lang="th-TH" sz="2800" dirty="0">
+              <a:solidFill>
+                <a:srgbClr val="000000"/>
+              </a:solidFill>
+              <a:latin typeface="Angsana New" panose="02020603050405020304" pitchFamily="18" charset="-34"/>
+              <a:cs typeface="Angsana New" panose="02020603050405020304" pitchFamily="18" charset="-34"/>
+            </a:endParaRPr>
+          </a:p>
+        </p:txBody>
+      </p:sp>
+      <p:sp>
+        <p:nvSpPr>
+          <p:cNvPr id="4" name="สี่เหลี่ยมผืนผ้า 3"/>
+          <p:cNvSpPr/>
+          <p:nvPr/>
+        </p:nvSpPr>
+        <p:spPr>
+          <a:xfrm>
+            <a:off x="4645681" y="6338411"/>
+            <a:ext cx="2989921" cy="369332"/>
+          </a:xfrm>
+          <a:prstGeom prst="rect">
+            <a:avLst/>
+          </a:prstGeom>
+          <a:noFill/>
+        </p:spPr>
+        <p:txBody>
+          <a:bodyPr wrap="none" lIns="91440" tIns="45720" rIns="91440" bIns="45720">
+            <a:spAutoFit/>
+          </a:bodyPr>
+          <a:lstStyle/>
+          <a:p>
+            <a:pPr algn="ctr"/>
+            <a:r>
+              <a:rPr lang="th-TH" sz="1800" cap="none" spc="0" dirty="0" smtClean="0">
+                <a:ln w="0">
+                  <a:noFill/>
+                </a:ln>
+                <a:solidFill>
+                  <a:srgbClr val="000000"/>
+                </a:solidFill>
+                <a:latin typeface="CordiaUPC" panose="020B0304020202020204" pitchFamily="34" charset="-34"/>
+                <a:cs typeface="CordiaUPC" panose="020B0304020202020204" pitchFamily="34" charset="-34"/>
+              </a:rPr>
+              <a:t>คณะวิทยาศาสตร์ สาขาเทคโนโลยีสารสนเทศ</a:t>
+            </a:r>
+            <a:endParaRPr lang="th-TH" sz="1800" cap="none" spc="0" dirty="0">
+              <a:ln w="0">
+                <a:noFill/>
+              </a:ln>
+              <a:solidFill>
+                <a:srgbClr val="000000"/>
+              </a:solidFill>
+              <a:latin typeface="CordiaUPC" panose="020B0304020202020204" pitchFamily="34" charset="-34"/>
+              <a:cs typeface="CordiaUPC" panose="020B0304020202020204" pitchFamily="34" charset="-34"/>
+            </a:endParaRPr>
+          </a:p>
+        </p:txBody>
+      </p:sp>
+      <p:pic>
+        <p:nvPicPr>
+          <p:cNvPr id="5" name="รูปภาพ 4"/>
+          <p:cNvPicPr>
+            <a:picLocks noChangeAspect="1"/>
+          </p:cNvPicPr>
+          <p:nvPr/>
+        </p:nvPicPr>
+        <p:blipFill>
+          <a:blip r:embed="rId2"/>
+          <a:stretch>
+            <a:fillRect/>
+          </a:stretch>
+        </p:blipFill>
+        <p:spPr>
+          <a:xfrm flipH="1">
+            <a:off x="4329468" y="6269593"/>
+            <a:ext cx="369914" cy="438150"/>
+          </a:xfrm>
+          <a:prstGeom prst="rect">
+            <a:avLst/>
+          </a:prstGeom>
+        </p:spPr>
+      </p:pic>
+    </p:spTree>
+    <p:extLst>
+      <p:ext uri="{BB962C8B-B14F-4D97-AF65-F5344CB8AC3E}">
+        <p14:creationId xmlns:p14="http://schemas.microsoft.com/office/powerpoint/2010/main" val="2800657684"/>
+      </p:ext>
+    </p:extLst>
+  </p:cSld>
+  <p:clrMapOvr>
+    <a:masterClrMapping/>
+  </p:clrMapOvr>
+  <mc:AlternateContent xmlns:mc="http://schemas.openxmlformats.org/markup-compatibility/2006">
+    <mc:Choice xmlns:p14="http://schemas.microsoft.com/office/powerpoint/2010/main" Requires="p14">
+      <p:transition spd="slow" p14:dur="1200">
+        <p14:prism dir="d"/>
+      </p:transition>
+    </mc:Choice>
+    <mc:Fallback>
+      <p:transition spd="slow">
+        <p:fade/>
+      </p:transition>
+    </mc:Fallback>
+  </mc:AlternateContent>
+  <p:timing>
+    <p:tnLst>
+      <p:par>
+        <p:cTn id="1" dur="indefinite" restart="never" nodeType="tmRoot">
+          <p:childTnLst>
+            <p:seq concurrent="1" nextAc="seek">
+              <p:cTn id="2" dur="indefinite" nodeType="mainSeq">
+                <p:childTnLst>
+                  <p:par>
+                    <p:cTn id="3" fill="hold">
+                      <p:stCondLst>
+                        <p:cond delay="indefinite"/>
+                        <p:cond evt="onBegin" delay="0">
+                          <p:tn val="2"/>
+                        </p:cond>
+                      </p:stCondLst>
+                      <p:childTnLst>
+                        <p:par>
+                          <p:cTn id="4" fill="hold">
+                            <p:stCondLst>
+                              <p:cond delay="0"/>
+                            </p:stCondLst>
+                            <p:childTnLst>
+                              <p:par>
+                                <p:cTn id="5" presetID="16" presetClass="emph" presetSubtype="0" fill="hold" grpId="0" nodeType="withEffect">
+                                  <p:stCondLst>
+                                    <p:cond delay="0"/>
+                                  </p:stCondLst>
+                                  <p:iterate type="lt">
+                                    <p:tmPct val="4000"/>
+                                  </p:iterate>
+                                  <p:childTnLst>
+                                    <p:set>
+                                      <p:cBhvr override="childStyle">
+                                        <p:cTn id="6" dur="500" fill="hold"/>
+                                        <p:tgtEl>
+                                          <p:spTgt spid="3">
+                                            <p:txEl>
+                                              <p:pRg st="0" end="0"/>
+                                            </p:txEl>
+                                          </p:spTgt>
+                                        </p:tgtEl>
+                                        <p:attrNameLst>
+                                          <p:attrName>style.color</p:attrName>
+                                        </p:attrNameLst>
+                                      </p:cBhvr>
+                                      <p:to>
+                                        <p:clrVal>
+                                          <a:srgbClr val="004EEA"/>
+                                        </p:clrVal>
+                                      </p:to>
+                                    </p:set>
+                                    <p:set>
+                                      <p:cBhvr>
+                                        <p:cTn id="7" dur="500" fill="hold"/>
+                                        <p:tgtEl>
+                                          <p:spTgt spid="3">
+                                            <p:txEl>
+                                              <p:pRg st="0" end="0"/>
+                                            </p:txEl>
+                                          </p:spTgt>
+                                        </p:tgtEl>
+                                        <p:attrNameLst>
+                                          <p:attrName>fillcolor</p:attrName>
+                                        </p:attrNameLst>
+                                      </p:cBhvr>
+                                      <p:to>
+                                        <p:clrVal>
+                                          <a:srgbClr val="004EEA"/>
+                                        </p:clrVal>
+                                      </p:to>
+                                    </p:set>
+                                    <p:set>
+                                      <p:cBhvr>
+                                        <p:cTn id="8" dur="500" fill="hold"/>
+                                        <p:tgtEl>
+                                          <p:spTgt spid="3">
+                                            <p:txEl>
+                                              <p:pRg st="0" end="0"/>
+                                            </p:txEl>
+                                          </p:spTgt>
+                                        </p:tgtEl>
+                                        <p:attrNameLst>
+                                          <p:attrName>fill.type</p:attrName>
+                                        </p:attrNameLst>
+                                      </p:cBhvr>
+                                      <p:to>
+                                        <p:strVal val="solid"/>
+                                      </p:to>
+                                    </p:set>
+                                  </p:childTnLst>
+                                </p:cTn>
+                              </p:par>
+                              <p:par>
+                                <p:cTn id="9" presetID="16" presetClass="emph" presetSubtype="0" fill="hold" grpId="0" nodeType="withEffect">
+                                  <p:stCondLst>
+                                    <p:cond delay="0"/>
+                                  </p:stCondLst>
+                                  <p:iterate type="lt">
+                                    <p:tmPct val="4000"/>
+                                  </p:iterate>
+                                  <p:childTnLst>
+                                    <p:set>
+                                      <p:cBhvr override="childStyle">
+                                        <p:cTn id="10" dur="500" fill="hold"/>
+                                        <p:tgtEl>
+                                          <p:spTgt spid="3">
+                                            <p:txEl>
+                                              <p:pRg st="1" end="1"/>
+                                            </p:txEl>
+                                          </p:spTgt>
+                                        </p:tgtEl>
+                                        <p:attrNameLst>
+                                          <p:attrName>style.color</p:attrName>
+                                        </p:attrNameLst>
+                                      </p:cBhvr>
+                                      <p:to>
+                                        <p:clrVal>
+                                          <a:srgbClr val="004EEA"/>
+                                        </p:clrVal>
+                                      </p:to>
+                                    </p:set>
+                                    <p:set>
+                                      <p:cBhvr>
+                                        <p:cTn id="11" dur="500" fill="hold"/>
+                                        <p:tgtEl>
+                                          <p:spTgt spid="3">
+                                            <p:txEl>
+                                              <p:pRg st="1" end="1"/>
+                                            </p:txEl>
+                                          </p:spTgt>
+                                        </p:tgtEl>
+                                        <p:attrNameLst>
+                                          <p:attrName>fillcolor</p:attrName>
+                                        </p:attrNameLst>
+                                      </p:cBhvr>
+                                      <p:to>
+                                        <p:clrVal>
+                                          <a:srgbClr val="004EEA"/>
+                                        </p:clrVal>
+                                      </p:to>
+                                    </p:set>
+                                    <p:set>
+                                      <p:cBhvr>
+                                        <p:cTn id="12" dur="500" fill="hold"/>
+                                        <p:tgtEl>
+                                          <p:spTgt spid="3">
+                                            <p:txEl>
+                                              <p:pRg st="1" end="1"/>
+                                            </p:txEl>
+                                          </p:spTgt>
+                                        </p:tgtEl>
+                                        <p:attrNameLst>
+                                          <p:attrName>fill.type</p:attrName>
+                                        </p:attrNameLst>
+                                      </p:cBhvr>
+                                      <p:to>
+                                        <p:strVal val="solid"/>
+                                      </p:to>
+                                    </p:set>
+                                  </p:childTnLst>
+                                </p:cTn>
+                              </p:par>
+                              <p:par>
+                                <p:cTn id="13" presetID="16" presetClass="emph" presetSubtype="0" fill="hold" grpId="0" nodeType="withEffect">
+                                  <p:stCondLst>
+                                    <p:cond delay="0"/>
+                                  </p:stCondLst>
+                                  <p:iterate type="lt">
+                                    <p:tmPct val="4000"/>
+                                  </p:iterate>
+                                  <p:childTnLst>
+                                    <p:set>
+                                      <p:cBhvr override="childStyle">
+                                        <p:cTn id="14" dur="500" fill="hold"/>
+                                        <p:tgtEl>
+                                          <p:spTgt spid="3">
+                                            <p:txEl>
+                                              <p:pRg st="2" end="2"/>
+                                            </p:txEl>
+                                          </p:spTgt>
+                                        </p:tgtEl>
+                                        <p:attrNameLst>
+                                          <p:attrName>style.color</p:attrName>
+                                        </p:attrNameLst>
+                                      </p:cBhvr>
+                                      <p:to>
+                                        <p:clrVal>
+                                          <a:srgbClr val="004EEA"/>
+                                        </p:clrVal>
+                                      </p:to>
+                                    </p:set>
+                                    <p:set>
+                                      <p:cBhvr>
+                                        <p:cTn id="15" dur="500" fill="hold"/>
+                                        <p:tgtEl>
+                                          <p:spTgt spid="3">
+                                            <p:txEl>
+                                              <p:pRg st="2" end="2"/>
+                                            </p:txEl>
+                                          </p:spTgt>
+                                        </p:tgtEl>
+                                        <p:attrNameLst>
+                                          <p:attrName>fillcolor</p:attrName>
+                                        </p:attrNameLst>
+                                      </p:cBhvr>
+                                      <p:to>
+                                        <p:clrVal>
+                                          <a:srgbClr val="004EEA"/>
+                                        </p:clrVal>
+                                      </p:to>
+                                    </p:set>
+                                    <p:set>
+                                      <p:cBhvr>
+                                        <p:cTn id="16" dur="500" fill="hold"/>
+                                        <p:tgtEl>
+                                          <p:spTgt spid="3">
+                                            <p:txEl>
+                                              <p:pRg st="2" end="2"/>
+                                            </p:txEl>
+                                          </p:spTgt>
+                                        </p:tgtEl>
+                                        <p:attrNameLst>
+                                          <p:attrName>fill.type</p:attrName>
+                                        </p:attrNameLst>
+                                      </p:cBhvr>
+                                      <p:to>
+                                        <p:strVal val="solid"/>
+                                      </p:to>
+                                    </p:set>
+                                  </p:childTnLst>
+                                </p:cTn>
+                              </p:par>
+                              <p:par>
+                                <p:cTn id="17" presetID="16" presetClass="emph" presetSubtype="0" fill="hold" grpId="0" nodeType="withEffect">
+                                  <p:stCondLst>
+                                    <p:cond delay="0"/>
+                                  </p:stCondLst>
+                                  <p:iterate type="lt">
+                                    <p:tmPct val="4000"/>
+                                  </p:iterate>
+                                  <p:childTnLst>
+                                    <p:set>
+                                      <p:cBhvr override="childStyle">
+                                        <p:cTn id="18" dur="500" fill="hold"/>
+                                        <p:tgtEl>
+                                          <p:spTgt spid="3">
+                                            <p:txEl>
+                                              <p:pRg st="3" end="3"/>
+                                            </p:txEl>
+                                          </p:spTgt>
+                                        </p:tgtEl>
+                                        <p:attrNameLst>
+                                          <p:attrName>style.color</p:attrName>
+                                        </p:attrNameLst>
+                                      </p:cBhvr>
+                                      <p:to>
+                                        <p:clrVal>
+                                          <a:srgbClr val="004EEA"/>
+                                        </p:clrVal>
+                                      </p:to>
+                                    </p:set>
+                                    <p:set>
+                                      <p:cBhvr>
+                                        <p:cTn id="19" dur="500" fill="hold"/>
+                                        <p:tgtEl>
+                                          <p:spTgt spid="3">
+                                            <p:txEl>
+                                              <p:pRg st="3" end="3"/>
+                                            </p:txEl>
+                                          </p:spTgt>
+                                        </p:tgtEl>
+                                        <p:attrNameLst>
+                                          <p:attrName>fillcolor</p:attrName>
+                                        </p:attrNameLst>
+                                      </p:cBhvr>
+                                      <p:to>
+                                        <p:clrVal>
+                                          <a:srgbClr val="004EEA"/>
+                                        </p:clrVal>
+                                      </p:to>
+                                    </p:set>
+                                    <p:set>
+                                      <p:cBhvr>
+                                        <p:cTn id="20" dur="500" fill="hold"/>
+                                        <p:tgtEl>
+                                          <p:spTgt spid="3">
+                                            <p:txEl>
+                                              <p:pRg st="3" end="3"/>
+                                            </p:txEl>
+                                          </p:spTgt>
+                                        </p:tgtEl>
+                                        <p:attrNameLst>
+                                          <p:attrName>fill.type</p:attrName>
+                                        </p:attrNameLst>
+                                      </p:cBhvr>
+                                      <p:to>
+                                        <p:strVal val="solid"/>
+                                      </p:to>
+                                    </p:set>
+                                  </p:childTnLst>
+                                </p:cTn>
+                              </p:par>
+                              <p:par>
+                                <p:cTn id="21" presetID="16" presetClass="emph" presetSubtype="0" fill="hold" grpId="0" nodeType="withEffect">
+                                  <p:stCondLst>
+                                    <p:cond delay="0"/>
+                                  </p:stCondLst>
+                                  <p:iterate type="lt">
+                                    <p:tmPct val="4000"/>
+                                  </p:iterate>
+                                  <p:childTnLst>
+                                    <p:set>
+                                      <p:cBhvr override="childStyle">
+                                        <p:cTn id="22" dur="500" fill="hold"/>
+                                        <p:tgtEl>
+                                          <p:spTgt spid="3">
+                                            <p:txEl>
+                                              <p:pRg st="4" end="4"/>
+                                            </p:txEl>
+                                          </p:spTgt>
+                                        </p:tgtEl>
+                                        <p:attrNameLst>
+                                          <p:attrName>style.color</p:attrName>
+                                        </p:attrNameLst>
+                                      </p:cBhvr>
+                                      <p:to>
+                                        <p:clrVal>
+                                          <a:srgbClr val="004EEA"/>
+                                        </p:clrVal>
+                                      </p:to>
+                                    </p:set>
+                                    <p:set>
+                                      <p:cBhvr>
+                                        <p:cTn id="23" dur="500" fill="hold"/>
+                                        <p:tgtEl>
+                                          <p:spTgt spid="3">
+                                            <p:txEl>
+                                              <p:pRg st="4" end="4"/>
+                                            </p:txEl>
+                                          </p:spTgt>
+                                        </p:tgtEl>
+                                        <p:attrNameLst>
+                                          <p:attrName>fillcolor</p:attrName>
+                                        </p:attrNameLst>
+                                      </p:cBhvr>
+                                      <p:to>
+                                        <p:clrVal>
+                                          <a:srgbClr val="004EEA"/>
+                                        </p:clrVal>
+                                      </p:to>
+                                    </p:set>
+                                    <p:set>
+                                      <p:cBhvr>
+                                        <p:cTn id="24" dur="500" fill="hold"/>
+                                        <p:tgtEl>
+                                          <p:spTgt spid="3">
+                                            <p:txEl>
+                                              <p:pRg st="4" end="4"/>
+                                            </p:txEl>
+                                          </p:spTgt>
+                                        </p:tgtEl>
+                                        <p:attrNameLst>
+                                          <p:attrName>fill.type</p:attrName>
+                                        </p:attrNameLst>
+                                      </p:cBhvr>
+                                      <p:to>
+                                        <p:strVal val="solid"/>
+                                      </p:to>
+                                    </p:set>
+                                  </p:childTnLst>
+                                </p:cTn>
+                              </p:par>
+                            </p:childTnLst>
+                          </p:cTn>
+                        </p:par>
+                      </p:childTnLst>
+                    </p:cTn>
+                  </p:par>
+                </p:childTnLst>
+              </p:cTn>
+              <p:prevCondLst>
+                <p:cond evt="onPrev" delay="0">
+                  <p:tgtEl>
+                    <p:sldTgt/>
+                  </p:tgtEl>
+                </p:cond>
+              </p:prevCondLst>
+              <p:nextCondLst>
+                <p:cond evt="onNext" delay="0">
+                  <p:tgtEl>
+                    <p:sldTgt/>
+                  </p:tgtEl>
+                </p:cond>
+              </p:nextCondLst>
+            </p:seq>
+          </p:childTnLst>
+        </p:cTn>
+      </p:par>
+    </p:tnLst>
+    <p:bldLst>
+      <p:bldP spid="3" grpId="0" build="p"/>
+    </p:bldLst>
+  </p:timing>
+</p:sld>
+</file>
+
+<file path=ppt/slides/slide12.xml><?xml version="1.0" encoding="utf-8"?>
+<p:sld xmlns:a="http://schemas.openxmlformats.org/drawingml/2006/main" xmlns:r="http://schemas.openxmlformats.org/officeDocument/2006/relationships" xmlns:p="http://schemas.openxmlformats.org/presentationml/2006/main">
+  <p:cSld>
+    <p:spTree>
+      <p:nvGrpSpPr>
+        <p:cNvPr id="1" name=""/>
+        <p:cNvGrpSpPr/>
+        <p:nvPr/>
+      </p:nvGrpSpPr>
+      <p:grpSpPr>
+        <a:xfrm>
+          <a:off x="0" y="0"/>
+          <a:ext cx="0" cy="0"/>
+          <a:chOff x="0" y="0"/>
+          <a:chExt cx="0" cy="0"/>
+        </a:xfrm>
+      </p:grpSpPr>
+      <p:sp>
+        <p:nvSpPr>
           <p:cNvPr id="3" name="ตัวแทนเนื้อหา 2"/>
           <p:cNvSpPr>
             <a:spLocks noGrp="1"/>
@@ -6443,9 +7427,18 @@
   <p:clrMapOvr>
     <a:masterClrMapping/>
   </p:clrMapOvr>
-  <p:transition spd="slow">
-    <p:fade/>
-  </p:transition>
+  <mc:AlternateContent xmlns:mc="http://schemas.openxmlformats.org/markup-compatibility/2006">
+    <mc:Choice xmlns:p14="http://schemas.microsoft.com/office/powerpoint/2010/main" Requires="p14">
+      <p:transition spd="slow" p14:dur="800">
+        <p:circle/>
+      </p:transition>
+    </mc:Choice>
+    <mc:Fallback>
+      <p:transition spd="slow">
+        <p:circle/>
+      </p:transition>
+    </mc:Fallback>
+  </mc:AlternateContent>
   <p:timing>
     <p:tnLst>
       <p:par>
@@ -6467,31 +7460,58 @@
                             </p:stCondLst>
                             <p:childTnLst>
                               <p:par>
-                                <p:cTn id="5" presetID="1" presetClass="entr" presetSubtype="0" fill="hold" grpId="0" nodeType="clickEffect">
+                                <p:cTn id="5" presetID="16" presetClass="emph" presetSubtype="0" fill="hold" nodeType="clickEffect">
                                   <p:stCondLst>
                                     <p:cond delay="0"/>
                                   </p:stCondLst>
+                                  <p:iterate type="lt">
+                                    <p:tmPct val="4000"/>
+                                  </p:iterate>
                                   <p:childTnLst>
                                     <p:set>
-                                      <p:cBhvr>
-                                        <p:cTn id="6" dur="1" fill="hold">
-                                          <p:stCondLst>
-                                            <p:cond delay="0"/>
-                                          </p:stCondLst>
-                                        </p:cTn>
+                                      <p:cBhvr override="childStyle">
+                                        <p:cTn id="6" dur="500" fill="hold"/>
                                         <p:tgtEl>
-                                          <p:spTgt spid="3">
-                                            <p:txEl>
-                                              <p:pRg st="0" end="0"/>
-                                            </p:txEl>
-                                          </p:spTgt>
+                                          <p:spTgt spid="3"/>
                                         </p:tgtEl>
                                         <p:attrNameLst>
-                                          <p:attrName>style.visibility</p:attrName>
+                                          <p:attrName>style.color</p:attrName>
                                         </p:attrNameLst>
                                       </p:cBhvr>
                                       <p:to>
-                                        <p:strVal val="visible"/>
+                                        <p:clrVal>
+                                          <a:srgbClr val="004EEA"/>
+                                        </p:clrVal>
+                                      </p:to>
+                                    </p:set>
+                                    <p:set>
+                                      <p:cBhvr>
+                                        <p:cTn id="7" dur="500" fill="hold"/>
+                                        <p:tgtEl>
+                                          <p:spTgt spid="3"/>
+                                        </p:tgtEl>
+                                        <p:attrNameLst>
+                                          <p:attrName>fillcolor</p:attrName>
+                                        </p:attrNameLst>
+                                      </p:cBhvr>
+                                      <p:to>
+                                        <p:clrVal>
+                                          <a:srgbClr val="004EEA"/>
+                                        </p:clrVal>
+                                      </p:to>
+                                    </p:set>
+                                    <p:set>
+                                      <p:cBhvr>
+                                        <p:cTn id="8" dur="500" fill="hold"/>
+                                        <p:tgtEl>
+                                          <p:spTgt spid="3"/>
+                                        </p:tgtEl>
+                                        <p:attrNameLst>
+                                          <p:attrName>fill.type</p:attrName>
+                                        </p:attrNameLst>
+                                      </p:cBhvr>
+                                      <p:to>
+                                        <p:strVal val="solid"/>
                                       </p:to>
                                     </p:set>
                                   </p:childTnLst>
@@ -6504,275 +7524,29 @@
                     </p:cTn>
                   </p:par>
                   <p:par>
-                    <p:cTn id="7" fill="hold">
+                    <p:cTn id="9" fill="hold">
                       <p:stCondLst>
                         <p:cond delay="indefinite"/>
                       </p:stCondLst>
                       <p:childTnLst>
                         <p:par>
-                          <p:cTn id="8" fill="hold">
+                          <p:cTn id="10" fill="hold">
                             <p:stCondLst>
                               <p:cond delay="0"/>
                             </p:stCondLst>
                             <p:childTnLst>
                               <p:par>
-                                <p:cTn id="9" presetID="1" presetClass="entr" presetSubtype="0" fill="hold" grpId="0" nodeType="clickEffect">
+                                <p:cTn id="11" presetID="16" presetClass="emph" presetSubtype="0" fill="hold" nodeType="clickEffect">
                                   <p:stCondLst>
                                     <p:cond delay="0"/>
                                   </p:stCondLst>
+                                  <p:iterate type="lt">
+                                    <p:tmPct val="4000"/>
+                                  </p:iterate>
                                   <p:childTnLst>
                                     <p:set>
-                                      <p:cBhvr>
-                                        <p:cTn id="10" dur="1" fill="hold">
-                                          <p:stCondLst>
-                                            <p:cond delay="0"/>
-                                          </p:stCondLst>
-                                        </p:cTn>
-                                        <p:tgtEl>
-                                          <p:spTgt spid="3">
-                                            <p:txEl>
-                                              <p:pRg st="1" end="1"/>
-                                            </p:txEl>
-                                          </p:spTgt>
-                                        </p:tgtEl>
-                                        <p:attrNameLst>
-                                          <p:attrName>style.visibility</p:attrName>
-                                        </p:attrNameLst>
-                                      </p:cBhvr>
-                                      <p:to>
-                                        <p:strVal val="visible"/>
-                                      </p:to>
-                                    </p:set>
-                                  </p:childTnLst>
-                                </p:cTn>
-                              </p:par>
-                            </p:childTnLst>
-                          </p:cTn>
-                        </p:par>
-                      </p:childTnLst>
-                    </p:cTn>
-                  </p:par>
-                  <p:par>
-                    <p:cTn id="11" fill="hold">
-                      <p:stCondLst>
-                        <p:cond delay="indefinite"/>
-                      </p:stCondLst>
-                      <p:childTnLst>
-                        <p:par>
-                          <p:cTn id="12" fill="hold">
-                            <p:stCondLst>
-                              <p:cond delay="0"/>
-                            </p:stCondLst>
-                            <p:childTnLst>
-                              <p:par>
-                                <p:cTn id="13" presetID="1" presetClass="entr" presetSubtype="0" fill="hold" grpId="0" nodeType="clickEffect">
-                                  <p:stCondLst>
-                                    <p:cond delay="0"/>
-                                  </p:stCondLst>
-                                  <p:childTnLst>
-                                    <p:set>
-                                      <p:cBhvr>
-                                        <p:cTn id="14" dur="1" fill="hold">
-                                          <p:stCondLst>
-                                            <p:cond delay="0"/>
-                                          </p:stCondLst>
-                                        </p:cTn>
-                                        <p:tgtEl>
-                                          <p:spTgt spid="3">
-                                            <p:txEl>
-                                              <p:pRg st="2" end="2"/>
-                                            </p:txEl>
-                                          </p:spTgt>
-                                        </p:tgtEl>
-                                        <p:attrNameLst>
-                                          <p:attrName>style.visibility</p:attrName>
-                                        </p:attrNameLst>
-                                      </p:cBhvr>
-                                      <p:to>
-                                        <p:strVal val="visible"/>
-                                      </p:to>
-                                    </p:set>
-                                  </p:childTnLst>
-                                </p:cTn>
-                              </p:par>
-                            </p:childTnLst>
-                          </p:cTn>
-                        </p:par>
-                      </p:childTnLst>
-                    </p:cTn>
-                  </p:par>
-                  <p:par>
-                    <p:cTn id="15" fill="hold">
-                      <p:stCondLst>
-                        <p:cond delay="indefinite"/>
-                      </p:stCondLst>
-                      <p:childTnLst>
-                        <p:par>
-                          <p:cTn id="16" fill="hold">
-                            <p:stCondLst>
-                              <p:cond delay="0"/>
-                            </p:stCondLst>
-                            <p:childTnLst>
-                              <p:par>
-                                <p:cTn id="17" presetID="1" presetClass="entr" presetSubtype="0" fill="hold" grpId="0" nodeType="clickEffect">
-                                  <p:stCondLst>
-                                    <p:cond delay="0"/>
-                                  </p:stCondLst>
-                                  <p:childTnLst>
-                                    <p:set>
-                                      <p:cBhvr>
-                                        <p:cTn id="18" dur="1" fill="hold">
-                                          <p:stCondLst>
-                                            <p:cond delay="0"/>
-                                          </p:stCondLst>
-                                        </p:cTn>
-                                        <p:tgtEl>
-                                          <p:spTgt spid="3">
-                                            <p:txEl>
-                                              <p:pRg st="4" end="4"/>
-                                            </p:txEl>
-                                          </p:spTgt>
-                                        </p:tgtEl>
-                                        <p:attrNameLst>
-                                          <p:attrName>style.visibility</p:attrName>
-                                        </p:attrNameLst>
-                                      </p:cBhvr>
-                                      <p:to>
-                                        <p:strVal val="visible"/>
-                                      </p:to>
-                                    </p:set>
-                                  </p:childTnLst>
-                                </p:cTn>
-                              </p:par>
-                            </p:childTnLst>
-                          </p:cTn>
-                        </p:par>
-                      </p:childTnLst>
-                    </p:cTn>
-                  </p:par>
-                  <p:par>
-                    <p:cTn id="19" fill="hold">
-                      <p:stCondLst>
-                        <p:cond delay="indefinite"/>
-                      </p:stCondLst>
-                      <p:childTnLst>
-                        <p:par>
-                          <p:cTn id="20" fill="hold">
-                            <p:stCondLst>
-                              <p:cond delay="0"/>
-                            </p:stCondLst>
-                            <p:childTnLst>
-                              <p:par>
-                                <p:cTn id="21" presetID="1" presetClass="entr" presetSubtype="0" fill="hold" grpId="0" nodeType="clickEffect">
-                                  <p:stCondLst>
-                                    <p:cond delay="0"/>
-                                  </p:stCondLst>
-                                  <p:childTnLst>
-                                    <p:set>
-                                      <p:cBhvr>
-                                        <p:cTn id="22" dur="1" fill="hold">
-                                          <p:stCondLst>
-                                            <p:cond delay="0"/>
-                                          </p:stCondLst>
-                                        </p:cTn>
-                                        <p:tgtEl>
-                                          <p:spTgt spid="3">
-                                            <p:txEl>
-                                              <p:pRg st="5" end="5"/>
-                                            </p:txEl>
-                                          </p:spTgt>
-                                        </p:tgtEl>
-                                        <p:attrNameLst>
-                                          <p:attrName>style.visibility</p:attrName>
-                                        </p:attrNameLst>
-                                      </p:cBhvr>
-                                      <p:to>
-                                        <p:strVal val="visible"/>
-                                      </p:to>
-                                    </p:set>
-                                  </p:childTnLst>
-                                </p:cTn>
-                              </p:par>
-                            </p:childTnLst>
-                          </p:cTn>
-                        </p:par>
-                      </p:childTnLst>
-                    </p:cTn>
-                  </p:par>
-                  <p:par>
-                    <p:cTn id="23" fill="hold">
-                      <p:stCondLst>
-                        <p:cond delay="indefinite"/>
-                      </p:stCondLst>
-                      <p:childTnLst>
-                        <p:par>
-                          <p:cTn id="24" fill="hold">
-                            <p:stCondLst>
-                              <p:cond delay="0"/>
-                            </p:stCondLst>
-                            <p:childTnLst>
-                              <p:par>
-                                <p:cTn id="25" presetID="1" presetClass="entr" presetSubtype="0" fill="hold" grpId="0" nodeType="clickEffect">
-                                  <p:stCondLst>
-                                    <p:cond delay="0"/>
-                                  </p:stCondLst>
-                                  <p:childTnLst>
-                                    <p:set>
-                                      <p:cBhvr>
-                                        <p:cTn id="26" dur="1" fill="hold">
-                                          <p:stCondLst>
-                                            <p:cond delay="0"/>
-                                          </p:stCondLst>
-                                        </p:cTn>
-                                        <p:tgtEl>
-                                          <p:spTgt spid="3">
-                                            <p:txEl>
-                                              <p:pRg st="6" end="6"/>
-                                            </p:txEl>
-                                          </p:spTgt>
-                                        </p:tgtEl>
-                                        <p:attrNameLst>
-                                          <p:attrName>style.visibility</p:attrName>
-                                        </p:attrNameLst>
-                                      </p:cBhvr>
-                                      <p:to>
-                                        <p:strVal val="visible"/>
-                                      </p:to>
-                                    </p:set>
-                                  </p:childTnLst>
-                                </p:cTn>
-                              </p:par>
-                            </p:childTnLst>
-                          </p:cTn>
-                        </p:par>
-                      </p:childTnLst>
-                    </p:cTn>
-                  </p:par>
-                  <p:par>
-                    <p:cTn id="27" fill="hold">
-                      <p:stCondLst>
-                        <p:cond delay="indefinite"/>
-                      </p:stCondLst>
-                      <p:childTnLst>
-                        <p:par>
-                          <p:cTn id="28" fill="hold">
-                            <p:stCondLst>
-                              <p:cond delay="0"/>
-                            </p:stCondLst>
-                            <p:childTnLst>
-                              <p:par>
-                                <p:cTn id="29" presetID="1" presetClass="entr" presetSubtype="0" fill="hold" grpId="0" nodeType="clickEffect">
-                                  <p:stCondLst>
-                                    <p:cond delay="0"/>
-                                  </p:stCondLst>
-                                  <p:childTnLst>
-                                    <p:set>
-                                      <p:cBhvr>
-                                        <p:cTn id="30" dur="1" fill="hold">
-                                          <p:stCondLst>
-                                            <p:cond delay="0"/>
-                                          </p:stCondLst>
-                                        </p:cTn>
+                                      <p:cBhvr override="childStyle">
+                                        <p:cTn id="12" dur="1000" fill="hold"/>
                                         <p:tgtEl>
                                           <p:spTgt spid="3">
                                             <p:txEl>
@@ -6781,47 +7555,68 @@
                                           </p:spTgt>
                                         </p:tgtEl>
                                         <p:attrNameLst>
-                                          <p:attrName>style.visibility</p:attrName>
+                                          <p:attrName>style.color</p:attrName>
                                         </p:attrNameLst>
                                       </p:cBhvr>
                                       <p:to>
-                                        <p:strVal val="visible"/>
+                                        <p:clrVal>
+                                          <a:srgbClr val="FF0000"/>
+                                        </p:clrVal>
+                                      </p:to>
+                                    </p:set>
+                                    <p:set>
+                                      <p:cBhvr>
+                                        <p:cTn id="13" dur="1000" fill="hold"/>
+                                        <p:tgtEl>
+                                          <p:spTgt spid="3">
+                                            <p:txEl>
+                                              <p:pRg st="7" end="7"/>
+                                            </p:txEl>
+                                          </p:spTgt>
+                                        </p:tgtEl>
+                                        <p:attrNameLst>
+                                          <p:attrName>fillcolor</p:attrName>
+                                        </p:attrNameLst>
+                                      </p:cBhvr>
+                                      <p:to>
+                                        <p:clrVal>
+                                          <a:srgbClr val="FF0000"/>
+                                        </p:clrVal>
+                                      </p:to>
+                                    </p:set>
+                                    <p:set>
+                                      <p:cBhvr>
+                                        <p:cTn id="14" dur="1000" fill="hold"/>
+                                        <p:tgtEl>
+                                          <p:spTgt spid="3">
+                                            <p:txEl>
+                                              <p:pRg st="7" end="7"/>
+                                            </p:txEl>
+                                          </p:spTgt>
+                                        </p:tgtEl>
+                                        <p:attrNameLst>
+                                          <p:attrName>fill.type</p:attrName>
+                                        </p:attrNameLst>
+                                      </p:cBhvr>
+                                      <p:to>
+                                        <p:strVal val="solid"/>
                                       </p:to>
                                     </p:set>
                                   </p:childTnLst>
                                 </p:cTn>
                               </p:par>
-                            </p:childTnLst>
-                          </p:cTn>
-                        </p:par>
-                      </p:childTnLst>
-                    </p:cTn>
-                  </p:par>
-                  <p:par>
-                    <p:cTn id="31" fill="hold">
-                      <p:stCondLst>
-                        <p:cond delay="indefinite"/>
-                      </p:stCondLst>
-                      <p:childTnLst>
-                        <p:par>
-                          <p:cTn id="32" fill="hold">
-                            <p:stCondLst>
-                              <p:cond delay="0"/>
-                            </p:stCondLst>
-                            <p:childTnLst>
                               <p:par>
-                                <p:cTn id="33" presetID="1" presetClass="entr" presetSubtype="0" fill="hold" grpId="0" nodeType="clickEffect">
+                                <p:cTn id="15" presetID="16" presetClass="emph" presetSubtype="0" fill="hold" nodeType="withEffect">
                                   <p:stCondLst>
                                     <p:cond delay="0"/>
                                   </p:stCondLst>
+                                  <p:iterate type="lt">
+                                    <p:tmPct val="4000"/>
+                                  </p:iterate>
                                   <p:childTnLst>
                                     <p:set>
-                                      <p:cBhvr>
-                                        <p:cTn id="34" dur="1" fill="hold">
-                                          <p:stCondLst>
-                                            <p:cond delay="0"/>
-                                          </p:stCondLst>
-                                        </p:cTn>
+                                      <p:cBhvr override="childStyle">
+                                        <p:cTn id="16" dur="1000" fill="hold"/>
                                         <p:tgtEl>
                                           <p:spTgt spid="3">
                                             <p:txEl>
@@ -6830,11 +7625,51 @@
                                           </p:spTgt>
                                         </p:tgtEl>
                                         <p:attrNameLst>
-                                          <p:attrName>style.visibility</p:attrName>
+                                          <p:attrName>style.color</p:attrName>
                                         </p:attrNameLst>
                                       </p:cBhvr>
                                       <p:to>
-                                        <p:strVal val="visible"/>
+                                        <p:clrVal>
+                                          <a:srgbClr val="FF0000"/>
+                                        </p:clrVal>
+                                      </p:to>
+                                    </p:set>
+                                    <p:set>
+                                      <p:cBhvr>
+                                        <p:cTn id="17" dur="1000" fill="hold"/>
+                                        <p:tgtEl>
+                                          <p:spTgt spid="3">
+                                            <p:txEl>
+                                              <p:pRg st="8" end="8"/>
+                                            </p:txEl>
+                                          </p:spTgt>
+                                        </p:tgtEl>
+                                        <p:attrNameLst>
+                                          <p:attrName>fillcolor</p:attrName>
+                                        </p:attrNameLst>
+                                      </p:cBhvr>
+                                      <p:to>
+                                        <p:clrVal>
+                                          <a:srgbClr val="FF0000"/>
+                                        </p:clrVal>
+                                      </p:to>
+                                    </p:set>
+                                    <p:set>
+                                      <p:cBhvr>
+                                        <p:cTn id="18" dur="1000" fill="hold"/>
+                                        <p:tgtEl>
+                                          <p:spTgt spid="3">
+                                            <p:txEl>
+                                              <p:pRg st="8" end="8"/>
+                                            </p:txEl>
+                                          </p:spTgt>
+                                        </p:tgtEl>
+                                        <p:attrNameLst>
+                                          <p:attrName>fill.type</p:attrName>
+                                        </p:attrNameLst>
+                                      </p:cBhvr>
+                                      <p:to>
+                                        <p:strVal val="solid"/>
                                       </p:to>
                                     </p:set>
                                   </p:childTnLst>
@@ -6867,14 +7702,11 @@
         </p:cTn>
       </p:par>
     </p:tnLst>
-    <p:bldLst>
-      <p:bldP spid="3" grpId="0" build="p"/>
-    </p:bldLst>
   </p:timing>
 </p:sld>
 </file>
 
-<file path=ppt/slides/slide11.xml><?xml version="1.0" encoding="utf-8"?>
+<file path=ppt/slides/slide13.xml><?xml version="1.0" encoding="utf-8"?>
 <p:sld xmlns:a="http://schemas.openxmlformats.org/drawingml/2006/main" xmlns:r="http://schemas.openxmlformats.org/officeDocument/2006/relationships" xmlns:p="http://schemas.openxmlformats.org/presentationml/2006/main">
   <p:cSld>
     <p:spTree>
@@ -7070,9 +7902,18 @@
   <p:clrMapOvr>
     <a:masterClrMapping/>
   </p:clrMapOvr>
-  <p:transition spd="slow">
-    <p:fade/>
-  </p:transition>
+  <mc:AlternateContent xmlns:mc="http://schemas.openxmlformats.org/markup-compatibility/2006">
+    <mc:Choice xmlns:p14="http://schemas.microsoft.com/office/powerpoint/2010/main" Requires="p14">
+      <p:transition spd="slow" p14:dur="1200">
+        <p:zoom dir="in"/>
+      </p:transition>
+    </mc:Choice>
+    <mc:Fallback>
+      <p:transition spd="slow">
+        <p:zoom dir="in"/>
+      </p:transition>
+    </mc:Fallback>
+  </mc:AlternateContent>
   <p:timing>
     <p:tnLst>
       <p:par>
@@ -7085,6 +7926,9 @@
                     <p:cTn id="3" fill="hold">
                       <p:stCondLst>
                         <p:cond delay="indefinite"/>
+                        <p:cond evt="onBegin" delay="0">
+                          <p:tn val="2"/>
+                        </p:cond>
                       </p:stCondLst>
                       <p:childTnLst>
                         <p:par>
@@ -7094,18 +7938,17 @@
                             </p:stCondLst>
                             <p:childTnLst>
                               <p:par>
-                                <p:cTn id="5" presetID="10" presetClass="entr" presetSubtype="0" fill="hold" grpId="0" nodeType="clickEffect">
+                                <p:cTn id="5" presetID="16" presetClass="emph" presetSubtype="0" fill="hold" grpId="0" nodeType="withEffect">
                                   <p:stCondLst>
                                     <p:cond delay="0"/>
                                   </p:stCondLst>
+                                  <p:iterate type="lt">
+                                    <p:tmPct val="4000"/>
+                                  </p:iterate>
                                   <p:childTnLst>
                                     <p:set>
-                                      <p:cBhvr>
-                                        <p:cTn id="6" dur="1" fill="hold">
-                                          <p:stCondLst>
-                                            <p:cond delay="0"/>
-                                          </p:stCondLst>
-                                        </p:cTn>
+                                      <p:cBhvr override="childStyle">
+                                        <p:cTn id="6" dur="500" fill="hold"/>
                                         <p:tgtEl>
                                           <p:spTgt spid="3">
                                             <p:txEl>
@@ -7114,16 +7957,18 @@
                                           </p:spTgt>
                                         </p:tgtEl>
                                         <p:attrNameLst>
-                                          <p:attrName>style.visibility</p:attrName>
+                                          <p:attrName>style.color</p:attrName>
                                         </p:attrNameLst>
                                       </p:cBhvr>
                                       <p:to>
-                                        <p:strVal val="visible"/>
+                                        <p:clrVal>
+                                          <a:srgbClr val="FF0000"/>
+                                        </p:clrVal>
                                       </p:to>
                                     </p:set>
-                                    <p:animEffect transition="in" filter="fade">
+                                    <p:set>
                                       <p:cBhvr>
-                                        <p:cTn id="7" dur="500"/>
+                                        <p:cTn id="7" dur="500" fill="hold"/>
                                         <p:tgtEl>
                                           <p:spTgt spid="3">
                                             <p:txEl>
@@ -7131,42 +7976,49 @@
                                             </p:txEl>
                                           </p:spTgt>
                                         </p:tgtEl>
+                                        <p:attrNameLst>
+                                          <p:attrName>fillcolor</p:attrName>
+                                        </p:attrNameLst>
                                       </p:cBhvr>
-                                    </p:animEffect>
+                                      <p:to>
+                                        <p:clrVal>
+                                          <a:srgbClr val="FF0000"/>
+                                        </p:clrVal>
+                                      </p:to>
+                                    </p:set>
+                                    <p:set>
+                                      <p:cBhvr>
+                                        <p:cTn id="8" dur="500" fill="hold"/>
+                                        <p:tgtEl>
+                                          <p:spTgt spid="3">
+                                            <p:txEl>
+                                              <p:pRg st="0" end="0"/>
+                                            </p:txEl>
+                                          </p:spTgt>
+                                        </p:tgtEl>
+                                        <p:attrNameLst>
+                                          <p:attrName>fill.type</p:attrName>
+                                        </p:attrNameLst>
+                                      </p:cBhvr>
+                                      <p:to>
+                                        <p:strVal val="solid"/>
+                                      </p:to>
+                                    </p:set>
                                   </p:childTnLst>
                                 </p:cTn>
                               </p:par>
-                            </p:childTnLst>
-                          </p:cTn>
-                        </p:par>
-                      </p:childTnLst>
-                    </p:cTn>
-                  </p:par>
-                  <p:par>
-                    <p:cTn id="8" fill="hold">
-                      <p:stCondLst>
-                        <p:cond delay="indefinite"/>
-                      </p:stCondLst>
-                      <p:childTnLst>
-                        <p:par>
-                          <p:cTn id="9" fill="hold">
-                            <p:stCondLst>
-                              <p:cond delay="0"/>
-                            </p:stCondLst>
-                            <p:childTnLst>
                               <p:par>
-                                <p:cTn id="10" presetID="10" presetClass="entr" presetSubtype="0" fill="hold" grpId="0" nodeType="clickEffect">
+                                <p:cTn id="9" presetID="16" presetClass="emph" presetSubtype="0" fill="hold" grpId="0" nodeType="withEffect">
                                   <p:stCondLst>
                                     <p:cond delay="0"/>
                                   </p:stCondLst>
+                                  <p:iterate type="lt">
+                                    <p:tmPct val="4000"/>
+                                  </p:iterate>
                                   <p:childTnLst>
                                     <p:set>
-                                      <p:cBhvr>
-                                        <p:cTn id="11" dur="1" fill="hold">
-                                          <p:stCondLst>
-                                            <p:cond delay="0"/>
-                                          </p:stCondLst>
-                                        </p:cTn>
+                                      <p:cBhvr override="childStyle">
+                                        <p:cTn id="10" dur="500" fill="hold"/>
                                         <p:tgtEl>
                                           <p:spTgt spid="3">
                                             <p:txEl>
@@ -7175,16 +8027,18 @@
                                           </p:spTgt>
                                         </p:tgtEl>
                                         <p:attrNameLst>
-                                          <p:attrName>style.visibility</p:attrName>
+                                          <p:attrName>style.color</p:attrName>
                                         </p:attrNameLst>
                                       </p:cBhvr>
                                       <p:to>
-                                        <p:strVal val="visible"/>
+                                        <p:clrVal>
+                                          <a:srgbClr val="FF0000"/>
+                                        </p:clrVal>
                                       </p:to>
                                     </p:set>
-                                    <p:animEffect transition="in" filter="fade">
+                                    <p:set>
                                       <p:cBhvr>
-                                        <p:cTn id="12" dur="500"/>
+                                        <p:cTn id="11" dur="500" fill="hold"/>
                                         <p:tgtEl>
                                           <p:spTgt spid="3">
                                             <p:txEl>
@@ -7192,42 +8046,49 @@
                                             </p:txEl>
                                           </p:spTgt>
                                         </p:tgtEl>
+                                        <p:attrNameLst>
+                                          <p:attrName>fillcolor</p:attrName>
+                                        </p:attrNameLst>
                                       </p:cBhvr>
-                                    </p:animEffect>
+                                      <p:to>
+                                        <p:clrVal>
+                                          <a:srgbClr val="FF0000"/>
+                                        </p:clrVal>
+                                      </p:to>
+                                    </p:set>
+                                    <p:set>
+                                      <p:cBhvr>
+                                        <p:cTn id="12" dur="500" fill="hold"/>
+                                        <p:tgtEl>
+                                          <p:spTgt spid="3">
+                                            <p:txEl>
+                                              <p:pRg st="1" end="1"/>
+                                            </p:txEl>
+                                          </p:spTgt>
+                                        </p:tgtEl>
+                                        <p:attrNameLst>
+                                          <p:attrName>fill.type</p:attrName>
+                                        </p:attrNameLst>
+                                      </p:cBhvr>
+                                      <p:to>
+                                        <p:strVal val="solid"/>
+                                      </p:to>
+                                    </p:set>
                                   </p:childTnLst>
                                 </p:cTn>
                               </p:par>
-                            </p:childTnLst>
-                          </p:cTn>
-                        </p:par>
-                      </p:childTnLst>
-                    </p:cTn>
-                  </p:par>
-                  <p:par>
-                    <p:cTn id="13" fill="hold">
-                      <p:stCondLst>
-                        <p:cond delay="indefinite"/>
-                      </p:stCondLst>
-                      <p:childTnLst>
-                        <p:par>
-                          <p:cTn id="14" fill="hold">
-                            <p:stCondLst>
-                              <p:cond delay="0"/>
-                            </p:stCondLst>
-                            <p:childTnLst>
                               <p:par>
-                                <p:cTn id="15" presetID="10" presetClass="entr" presetSubtype="0" fill="hold" grpId="0" nodeType="clickEffect">
+                                <p:cTn id="13" presetID="16" presetClass="emph" presetSubtype="0" fill="hold" grpId="0" nodeType="withEffect">
                                   <p:stCondLst>
                                     <p:cond delay="0"/>
                                   </p:stCondLst>
+                                  <p:iterate type="lt">
+                                    <p:tmPct val="4000"/>
+                                  </p:iterate>
                                   <p:childTnLst>
                                     <p:set>
-                                      <p:cBhvr>
-                                        <p:cTn id="16" dur="1" fill="hold">
-                                          <p:stCondLst>
-                                            <p:cond delay="0"/>
-                                          </p:stCondLst>
-                                        </p:cTn>
+                                      <p:cBhvr override="childStyle">
+                                        <p:cTn id="14" dur="500" fill="hold"/>
                                         <p:tgtEl>
                                           <p:spTgt spid="3">
                                             <p:txEl>
@@ -7236,16 +8097,18 @@
                                           </p:spTgt>
                                         </p:tgtEl>
                                         <p:attrNameLst>
-                                          <p:attrName>style.visibility</p:attrName>
+                                          <p:attrName>style.color</p:attrName>
                                         </p:attrNameLst>
                                       </p:cBhvr>
                                       <p:to>
-                                        <p:strVal val="visible"/>
+                                        <p:clrVal>
+                                          <a:srgbClr val="FF0000"/>
+                                        </p:clrVal>
                                       </p:to>
                                     </p:set>
-                                    <p:animEffect transition="in" filter="fade">
+                                    <p:set>
                                       <p:cBhvr>
-                                        <p:cTn id="17" dur="500"/>
+                                        <p:cTn id="15" dur="500" fill="hold"/>
                                         <p:tgtEl>
                                           <p:spTgt spid="3">
                                             <p:txEl>
@@ -7253,42 +8116,49 @@
                                             </p:txEl>
                                           </p:spTgt>
                                         </p:tgtEl>
+                                        <p:attrNameLst>
+                                          <p:attrName>fillcolor</p:attrName>
+                                        </p:attrNameLst>
                                       </p:cBhvr>
-                                    </p:animEffect>
+                                      <p:to>
+                                        <p:clrVal>
+                                          <a:srgbClr val="FF0000"/>
+                                        </p:clrVal>
+                                      </p:to>
+                                    </p:set>
+                                    <p:set>
+                                      <p:cBhvr>
+                                        <p:cTn id="16" dur="500" fill="hold"/>
+                                        <p:tgtEl>
+                                          <p:spTgt spid="3">
+                                            <p:txEl>
+                                              <p:pRg st="2" end="2"/>
+                                            </p:txEl>
+                                          </p:spTgt>
+                                        </p:tgtEl>
+                                        <p:attrNameLst>
+                                          <p:attrName>fill.type</p:attrName>
+                                        </p:attrNameLst>
+                                      </p:cBhvr>
+                                      <p:to>
+                                        <p:strVal val="solid"/>
+                                      </p:to>
+                                    </p:set>
                                   </p:childTnLst>
                                 </p:cTn>
                               </p:par>
-                            </p:childTnLst>
-                          </p:cTn>
-                        </p:par>
-                      </p:childTnLst>
-                    </p:cTn>
-                  </p:par>
-                  <p:par>
-                    <p:cTn id="18" fill="hold">
-                      <p:stCondLst>
-                        <p:cond delay="indefinite"/>
-                      </p:stCondLst>
-                      <p:childTnLst>
-                        <p:par>
-                          <p:cTn id="19" fill="hold">
-                            <p:stCondLst>
-                              <p:cond delay="0"/>
-                            </p:stCondLst>
-                            <p:childTnLst>
                               <p:par>
-                                <p:cTn id="20" presetID="10" presetClass="entr" presetSubtype="0" fill="hold" grpId="0" nodeType="clickEffect">
+                                <p:cTn id="17" presetID="16" presetClass="emph" presetSubtype="0" fill="hold" grpId="0" nodeType="withEffect">
                                   <p:stCondLst>
                                     <p:cond delay="0"/>
                                   </p:stCondLst>
+                                  <p:iterate type="lt">
+                                    <p:tmPct val="4000"/>
+                                  </p:iterate>
                                   <p:childTnLst>
                                     <p:set>
-                                      <p:cBhvr>
-                                        <p:cTn id="21" dur="1" fill="hold">
-                                          <p:stCondLst>
-                                            <p:cond delay="0"/>
-                                          </p:stCondLst>
-                                        </p:cTn>
+                                      <p:cBhvr override="childStyle">
+                                        <p:cTn id="18" dur="500" fill="hold"/>
                                         <p:tgtEl>
                                           <p:spTgt spid="3">
                                             <p:txEl>
@@ -7297,16 +8167,18 @@
                                           </p:spTgt>
                                         </p:tgtEl>
                                         <p:attrNameLst>
-                                          <p:attrName>style.visibility</p:attrName>
+                                          <p:attrName>style.color</p:attrName>
                                         </p:attrNameLst>
                                       </p:cBhvr>
                                       <p:to>
-                                        <p:strVal val="visible"/>
+                                        <p:clrVal>
+                                          <a:srgbClr val="FF0000"/>
+                                        </p:clrVal>
                                       </p:to>
                                     </p:set>
-                                    <p:animEffect transition="in" filter="fade">
+                                    <p:set>
                                       <p:cBhvr>
-                                        <p:cTn id="22" dur="500"/>
+                                        <p:cTn id="19" dur="500" fill="hold"/>
                                         <p:tgtEl>
                                           <p:spTgt spid="3">
                                             <p:txEl>
@@ -7314,8 +8186,34 @@
                                             </p:txEl>
                                           </p:spTgt>
                                         </p:tgtEl>
+                                        <p:attrNameLst>
+                                          <p:attrName>fillcolor</p:attrName>
+                                        </p:attrNameLst>
                                       </p:cBhvr>
-                                    </p:animEffect>
+                                      <p:to>
+                                        <p:clrVal>
+                                          <a:srgbClr val="FF0000"/>
+                                        </p:clrVal>
+                                      </p:to>
+                                    </p:set>
+                                    <p:set>
+                                      <p:cBhvr>
+                                        <p:cTn id="20" dur="500" fill="hold"/>
+                                        <p:tgtEl>
+                                          <p:spTgt spid="3">
+                                            <p:txEl>
+                                              <p:pRg st="4" end="4"/>
+                                            </p:txEl>
+                                          </p:spTgt>
+                                        </p:tgtEl>
+                                        <p:attrNameLst>
+                                          <p:attrName>fill.type</p:attrName>
+                                        </p:attrNameLst>
+                                      </p:cBhvr>
+                                      <p:to>
+                                        <p:strVal val="solid"/>
+                                      </p:to>
+                                    </p:set>
                                   </p:childTnLst>
                                 </p:cTn>
                               </p:par>
@@ -7353,7 +8251,7 @@
 </p:sld>
 </file>
 
-<file path=ppt/slides/slide12.xml><?xml version="1.0" encoding="utf-8"?>
+<file path=ppt/slides/slide14.xml><?xml version="1.0" encoding="utf-8"?>
 <p:sld xmlns:a="http://schemas.openxmlformats.org/drawingml/2006/main" xmlns:r="http://schemas.openxmlformats.org/officeDocument/2006/relationships" xmlns:p="http://schemas.openxmlformats.org/presentationml/2006/main">
   <p:cSld>
     <p:spTree>
@@ -11986,7 +12884,7 @@
                         </a:spcAft>
                       </a:pPr>
                       <a:r>
-                        <a:rPr lang="en-US" sz="2100" b="1">
+                        <a:rPr lang="en-US" sz="2100" b="1" dirty="0">
                           <a:effectLst/>
                           <a:latin typeface="TH SarabunPSK" panose="020B0500040200020003" pitchFamily="34" charset="-34"/>
                           <a:ea typeface="Times New Roman" panose="02020603050405020304" pitchFamily="18" charset="0"/>
@@ -11994,7 +12892,7 @@
                         </a:rPr>
                         <a:t>19</a:t>
                       </a:r>
-                      <a:endParaRPr lang="en-US" sz="1600">
+                      <a:endParaRPr lang="en-US" sz="1600" dirty="0">
                         <a:effectLst/>
                         <a:latin typeface="Times New Roman" panose="02020603050405020304" pitchFamily="18" charset="0"/>
                         <a:ea typeface="Times New Roman" panose="02020603050405020304" pitchFamily="18" charset="0"/>
@@ -17261,9 +18159,18 @@
   <p:clrMapOvr>
     <a:masterClrMapping/>
   </p:clrMapOvr>
-  <p:transition spd="slow">
-    <p:fade/>
-  </p:transition>
+  <mc:AlternateContent xmlns:mc="http://schemas.openxmlformats.org/markup-compatibility/2006">
+    <mc:Choice xmlns:p14="http://schemas.microsoft.com/office/powerpoint/2010/main" Requires="p14">
+      <p:transition spd="slow" p14:dur="3400">
+        <p14:reveal/>
+      </p:transition>
+    </mc:Choice>
+    <mc:Fallback>
+      <p:transition spd="slow">
+        <p:fade/>
+      </p:transition>
+    </mc:Fallback>
+  </mc:AlternateContent>
   <p:timing>
     <p:tnLst>
       <p:par>
@@ -17285,7 +18192,7 @@
                             </p:stCondLst>
                             <p:childTnLst>
                               <p:par>
-                                <p:cTn id="5" presetID="16" presetClass="entr" presetSubtype="37" fill="hold" nodeType="clickEffect">
+                                <p:cTn id="5" presetID="53" presetClass="entr" presetSubtype="16" fill="hold" grpId="0" nodeType="clickEffect">
                                   <p:stCondLst>
                                     <p:cond delay="0"/>
                                   </p:stCondLst>
@@ -17298,7 +18205,7 @@
                                           </p:stCondLst>
                                         </p:cTn>
                                         <p:tgtEl>
-                                          <p:spTgt spid="5"/>
+                                          <p:spTgt spid="3"/>
                                         </p:tgtEl>
                                         <p:attrNameLst>
                                           <p:attrName>style.visibility</p:attrName>
@@ -17308,11 +18215,57 @@
                                         <p:strVal val="visible"/>
                                       </p:to>
                                     </p:set>
-                                    <p:animEffect transition="in" filter="barn(outVertical)">
+                                    <p:anim calcmode="lin" valueType="num">
                                       <p:cBhvr>
-                                        <p:cTn id="7" dur="500"/>
+                                        <p:cTn id="7" dur="1750" fill="hold"/>
                                         <p:tgtEl>
-                                          <p:spTgt spid="5"/>
+                                          <p:spTgt spid="3"/>
+                                        </p:tgtEl>
+                                        <p:attrNameLst>
+                                          <p:attrName>ppt_w</p:attrName>
+                                        </p:attrNameLst>
+                                      </p:cBhvr>
+                                      <p:tavLst>
+                                        <p:tav tm="0">
+                                          <p:val>
+                                            <p:fltVal val="0"/>
+                                          </p:val>
+                                        </p:tav>
+                                        <p:tav tm="100000">
+                                          <p:val>
+                                            <p:strVal val="#ppt_w"/>
+                                          </p:val>
+                                        </p:tav>
+                                      </p:tavLst>
+                                    </p:anim>
+                                    <p:anim calcmode="lin" valueType="num">
+                                      <p:cBhvr>
+                                        <p:cTn id="8" dur="1750" fill="hold"/>
+                                        <p:tgtEl>
+                                          <p:spTgt spid="3"/>
+                                        </p:tgtEl>
+                                        <p:attrNameLst>
+                                          <p:attrName>ppt_h</p:attrName>
+                                        </p:attrNameLst>
+                                      </p:cBhvr>
+                                      <p:tavLst>
+                                        <p:tav tm="0">
+                                          <p:val>
+                                            <p:fltVal val="0"/>
+                                          </p:val>
+                                        </p:tav>
+                                        <p:tav tm="100000">
+                                          <p:val>
+                                            <p:strVal val="#ppt_h"/>
+                                          </p:val>
+                                        </p:tav>
+                                      </p:tavLst>
+                                    </p:anim>
+                                    <p:animEffect transition="in" filter="fade">
+                                      <p:cBhvr>
+                                        <p:cTn id="9" dur="1750"/>
+                                        <p:tgtEl>
+                                          <p:spTgt spid="3"/>
                                         </p:tgtEl>
                                       </p:cBhvr>
                                     </p:animEffect>
@@ -17346,11 +18299,14 @@
         </p:cTn>
       </p:par>
     </p:tnLst>
+    <p:bldLst>
+      <p:bldP spid="3" grpId="0"/>
+    </p:bldLst>
   </p:timing>
 </p:sld>
 </file>
 
-<file path=ppt/slides/slide13.xml><?xml version="1.0" encoding="utf-8"?>
+<file path=ppt/slides/slide15.xml><?xml version="1.0" encoding="utf-8"?>
 <p:sld xmlns:a="http://schemas.openxmlformats.org/drawingml/2006/main" xmlns:r="http://schemas.openxmlformats.org/officeDocument/2006/relationships" xmlns:p="http://schemas.openxmlformats.org/presentationml/2006/main">
   <p:cSld>
     <p:spTree>
@@ -17524,9 +18480,18 @@
   <p:clrMapOvr>
     <a:masterClrMapping/>
   </p:clrMapOvr>
-  <p:transition spd="slow">
-    <p:fade/>
-  </p:transition>
+  <mc:AlternateContent xmlns:mc="http://schemas.openxmlformats.org/markup-compatibility/2006">
+    <mc:Choice xmlns:p14="http://schemas.microsoft.com/office/powerpoint/2010/main" Requires="p14">
+      <p:transition spd="slow" p14:dur="2500">
+        <p:checker/>
+      </p:transition>
+    </mc:Choice>
+    <mc:Fallback>
+      <p:transition spd="slow">
+        <p:checker/>
+      </p:transition>
+    </mc:Fallback>
+  </mc:AlternateContent>
   <p:timing>
     <p:tnLst>
       <p:par>
@@ -18015,9 +18980,18 @@
   <p:clrMapOvr>
     <a:masterClrMapping/>
   </p:clrMapOvr>
-  <p:transition spd="slow">
-    <p:fade/>
-  </p:transition>
+  <mc:AlternateContent xmlns:mc="http://schemas.openxmlformats.org/markup-compatibility/2006">
+    <mc:Choice xmlns:p14="http://schemas.microsoft.com/office/powerpoint/2010/main" Requires="p14">
+      <p:transition spd="slow" p14:dur="2000">
+        <p14:prism isContent="1"/>
+      </p:transition>
+    </mc:Choice>
+    <mc:Fallback>
+      <p:transition spd="slow">
+        <p:fade/>
+      </p:transition>
+    </mc:Fallback>
+  </mc:AlternateContent>
   <p:timing>
     <p:tnLst>
       <p:par>
@@ -18047,61 +19021,6 @@
       </p:grpSpPr>
       <p:sp>
         <p:nvSpPr>
-          <p:cNvPr id="2" name="ชื่อเรื่อง 1"/>
-          <p:cNvSpPr>
-            <a:spLocks noGrp="1"/>
-          </p:cNvSpPr>
-          <p:nvPr>
-            <p:ph type="title"/>
-          </p:nvPr>
-        </p:nvSpPr>
-        <p:spPr/>
-        <p:txBody>
-          <a:bodyPr/>
-          <a:lstStyle/>
-          <a:p>
-            <a:pPr lvl="0"/>
-            <a:r>
-              <a:rPr lang="th-TH" b="1" dirty="0" smtClean="0">
-                <a:solidFill>
-                  <a:srgbClr val="000000"/>
-                </a:solidFill>
-                <a:latin typeface="Angsana New" panose="02020603050405020304" pitchFamily="18" charset="-34"/>
-                <a:cs typeface="Angsana New" panose="02020603050405020304" pitchFamily="18" charset="-34"/>
-              </a:rPr>
-              <a:t>สิ่งที่ทำแล้ว</a:t>
-            </a:r>
-            <a:r>
-              <a:rPr lang="en-US" dirty="0">
-                <a:solidFill>
-                  <a:srgbClr val="000000"/>
-                </a:solidFill>
-                <a:latin typeface="Angsana New" panose="02020603050405020304" pitchFamily="18" charset="-34"/>
-                <a:cs typeface="Angsana New" panose="02020603050405020304" pitchFamily="18" charset="-34"/>
-              </a:rPr>
-              <a:t/>
-            </a:r>
-            <a:br>
-              <a:rPr lang="en-US" dirty="0">
-                <a:solidFill>
-                  <a:srgbClr val="000000"/>
-                </a:solidFill>
-                <a:latin typeface="Angsana New" panose="02020603050405020304" pitchFamily="18" charset="-34"/>
-                <a:cs typeface="Angsana New" panose="02020603050405020304" pitchFamily="18" charset="-34"/>
-              </a:rPr>
-            </a:br>
-            <a:endParaRPr lang="th-TH" dirty="0">
-              <a:solidFill>
-                <a:srgbClr val="000000"/>
-              </a:solidFill>
-              <a:latin typeface="Angsana New" panose="02020603050405020304" pitchFamily="18" charset="-34"/>
-              <a:cs typeface="Angsana New" panose="02020603050405020304" pitchFamily="18" charset="-34"/>
-            </a:endParaRPr>
-          </a:p>
-        </p:txBody>
-      </p:sp>
-      <p:sp>
-        <p:nvSpPr>
           <p:cNvPr id="3" name="ตัวแทนเนื้อหา 2"/>
           <p:cNvSpPr>
             <a:spLocks noGrp="1"/>
@@ -18112,35 +19031,52 @@
         </p:nvSpPr>
         <p:spPr>
           <a:xfrm>
-            <a:off x="331355" y="1429657"/>
-            <a:ext cx="10515600" cy="4555981"/>
+            <a:off x="677334" y="2160590"/>
+            <a:ext cx="9200762" cy="1419738"/>
           </a:xfrm>
         </p:spPr>
         <p:txBody>
           <a:bodyPr>
-            <a:noAutofit/>
+            <a:normAutofit/>
           </a:bodyPr>
           <a:lstStyle/>
           <a:p>
-            <a:pPr marL="0" indent="0">
-              <a:buNone/>
-            </a:pPr>
             <a:r>
-              <a:rPr lang="th-TH" sz="2800" dirty="0" smtClean="0">
+              <a:rPr lang="th-TH" sz="3200" dirty="0">
                 <a:solidFill>
                   <a:srgbClr val="000000"/>
                 </a:solidFill>
-                <a:latin typeface="Angsana New" panose="02020603050405020304" pitchFamily="18" charset="-34"/>
-                <a:cs typeface="Angsana New" panose="02020603050405020304" pitchFamily="18" charset="-34"/>
+                <a:latin typeface="Angsana New" pitchFamily="18" charset="-34"/>
+                <a:cs typeface="Angsana New" pitchFamily="18" charset="-34"/>
               </a:rPr>
-              <a:t>	</a:t>
+              <a:t>เพื่อพัฒนาเกมสองมิติเรื่องผจญภัยสัตว์ป่าบนระบบปฏิบัติการแอน</a:t>
             </a:r>
-            <a:endParaRPr lang="th-TH" sz="2800" dirty="0">
+            <a:r>
+              <a:rPr lang="th-TH" sz="3200" dirty="0" err="1">
+                <a:solidFill>
+                  <a:srgbClr val="000000"/>
+                </a:solidFill>
+                <a:latin typeface="Angsana New" pitchFamily="18" charset="-34"/>
+                <a:cs typeface="Angsana New" pitchFamily="18" charset="-34"/>
+              </a:rPr>
+              <a:t>ดรอยด์</a:t>
+            </a:r>
+            <a:r>
+              <a:rPr lang="th-TH" sz="3200" dirty="0">
+                <a:solidFill>
+                  <a:srgbClr val="000000"/>
+                </a:solidFill>
+                <a:latin typeface="Angsana New" pitchFamily="18" charset="-34"/>
+                <a:cs typeface="Angsana New" pitchFamily="18" charset="-34"/>
+              </a:rPr>
+              <a:t> </a:t>
+            </a:r>
+            <a:endParaRPr lang="en-US" sz="3200" dirty="0">
               <a:solidFill>
                 <a:srgbClr val="000000"/>
               </a:solidFill>
-              <a:latin typeface="Angsana New" panose="02020603050405020304" pitchFamily="18" charset="-34"/>
-              <a:cs typeface="Angsana New" panose="02020603050405020304" pitchFamily="18" charset="-34"/>
+              <a:latin typeface="Angsana New" pitchFamily="18" charset="-34"/>
+              <a:cs typeface="Angsana New" pitchFamily="18" charset="-34"/>
             </a:endParaRPr>
           </a:p>
         </p:txBody>
@@ -18153,8 +19089,8 @@
         </p:nvSpPr>
         <p:spPr>
           <a:xfrm>
-            <a:off x="4645681" y="6338411"/>
-            <a:ext cx="2989921" cy="369332"/>
+            <a:off x="4430237" y="783121"/>
+            <a:ext cx="1786066" cy="646331"/>
           </a:xfrm>
           <a:prstGeom prst="rect">
             <a:avLst/>
@@ -18169,1461 +19105,70 @@
           <a:p>
             <a:pPr algn="ctr"/>
             <a:r>
-              <a:rPr lang="th-TH" sz="1800" cap="none" spc="0" dirty="0" smtClean="0">
-                <a:ln w="0">
-                  <a:noFill/>
+              <a:rPr lang="th-TH" sz="3600" dirty="0" smtClean="0">
+                <a:ln w="12700">
+                  <a:solidFill>
+                    <a:sysClr val="windowText" lastClr="000000"/>
+                  </a:solidFill>
+                  <a:prstDash val="solid"/>
                 </a:ln>
                 <a:solidFill>
                   <a:srgbClr val="000000"/>
                 </a:solidFill>
-                <a:latin typeface="CordiaUPC" panose="020B0304020202020204" pitchFamily="34" charset="-34"/>
-                <a:cs typeface="CordiaUPC" panose="020B0304020202020204" pitchFamily="34" charset="-34"/>
+                <a:latin typeface="Angsana New" pitchFamily="18" charset="-34"/>
+                <a:cs typeface="Angsana New" pitchFamily="18" charset="-34"/>
               </a:rPr>
-              <a:t>คณะวิทยาศาสตร์ สาขาเทคโนโลยีสารสนเทศ</a:t>
+              <a:t>วัตถุประสงค์</a:t>
             </a:r>
-            <a:endParaRPr lang="th-TH" sz="1800" cap="none" spc="0" dirty="0">
-              <a:ln w="0">
-                <a:noFill/>
+            <a:endParaRPr lang="th-TH" sz="3600" cap="none" spc="0" dirty="0">
+              <a:ln w="12700">
+                <a:solidFill>
+                  <a:sysClr val="windowText" lastClr="000000"/>
+                </a:solidFill>
+                <a:prstDash val="solid"/>
               </a:ln>
               <a:solidFill>
                 <a:srgbClr val="000000"/>
               </a:solidFill>
-              <a:latin typeface="CordiaUPC" panose="020B0304020202020204" pitchFamily="34" charset="-34"/>
-              <a:cs typeface="CordiaUPC" panose="020B0304020202020204" pitchFamily="34" charset="-34"/>
+              <a:latin typeface="Angsana New" pitchFamily="18" charset="-34"/>
+              <a:cs typeface="Angsana New" pitchFamily="18" charset="-34"/>
             </a:endParaRPr>
           </a:p>
         </p:txBody>
       </p:sp>
-      <p:pic>
-        <p:nvPicPr>
-          <p:cNvPr id="5" name="รูปภาพ 4"/>
-          <p:cNvPicPr>
-            <a:picLocks noChangeAspect="1"/>
-          </p:cNvPicPr>
-          <p:nvPr/>
-        </p:nvPicPr>
-        <p:blipFill>
-          <a:blip r:embed="rId2"/>
-          <a:stretch>
-            <a:fillRect/>
-          </a:stretch>
-        </p:blipFill>
-        <p:spPr>
-          <a:xfrm flipH="1">
-            <a:off x="4329468" y="6269593"/>
-            <a:ext cx="369914" cy="438150"/>
-          </a:xfrm>
-          <a:prstGeom prst="rect">
-            <a:avLst/>
-          </a:prstGeom>
-        </p:spPr>
-      </p:pic>
     </p:spTree>
     <p:extLst>
       <p:ext uri="{BB962C8B-B14F-4D97-AF65-F5344CB8AC3E}">
-        <p14:creationId xmlns:p14="http://schemas.microsoft.com/office/powerpoint/2010/main" val="3812307758"/>
+        <p14:creationId xmlns:p14="http://schemas.microsoft.com/office/powerpoint/2010/main" val="1615921707"/>
       </p:ext>
     </p:extLst>
   </p:cSld>
   <p:clrMapOvr>
     <a:masterClrMapping/>
   </p:clrMapOvr>
-  <p:transition spd="slow">
-    <p:fade/>
-  </p:transition>
+  <mc:AlternateContent xmlns:mc="http://schemas.openxmlformats.org/markup-compatibility/2006">
+    <mc:Choice xmlns:p14="http://schemas.microsoft.com/office/powerpoint/2010/main" Requires="p14">
+      <p:transition spd="slow" p14:dur="1600">
+        <p14:prism dir="d" isContent="1"/>
+      </p:transition>
+    </mc:Choice>
+    <mc:Fallback>
+      <p:transition spd="slow">
+        <p:fade/>
+      </p:transition>
+    </mc:Fallback>
+  </mc:AlternateContent>
   <p:timing>
     <p:tnLst>
       <p:par>
-        <p:cTn id="1" dur="indefinite" restart="never" nodeType="tmRoot">
-          <p:childTnLst>
-            <p:seq concurrent="1" nextAc="seek">
-              <p:cTn id="2" dur="indefinite" nodeType="mainSeq">
-                <p:childTnLst>
-                  <p:par>
-                    <p:cTn id="3" fill="hold">
-                      <p:stCondLst>
-                        <p:cond delay="indefinite"/>
-                      </p:stCondLst>
-                      <p:childTnLst>
-                        <p:par>
-                          <p:cTn id="4" fill="hold">
-                            <p:stCondLst>
-                              <p:cond delay="0"/>
-                            </p:stCondLst>
-                            <p:childTnLst>
-                              <p:par>
-                                <p:cTn id="5" presetID="10" presetClass="entr" presetSubtype="0" fill="hold" grpId="0" nodeType="clickEffect">
-                                  <p:stCondLst>
-                                    <p:cond delay="0"/>
-                                  </p:stCondLst>
-                                  <p:childTnLst>
-                                    <p:set>
-                                      <p:cBhvr>
-                                        <p:cTn id="6" dur="1" fill="hold">
-                                          <p:stCondLst>
-                                            <p:cond delay="0"/>
-                                          </p:stCondLst>
-                                        </p:cTn>
-                                        <p:tgtEl>
-                                          <p:spTgt spid="3">
-                                            <p:txEl>
-                                              <p:pRg st="0" end="0"/>
-                                            </p:txEl>
-                                          </p:spTgt>
-                                        </p:tgtEl>
-                                        <p:attrNameLst>
-                                          <p:attrName>style.visibility</p:attrName>
-                                        </p:attrNameLst>
-                                      </p:cBhvr>
-                                      <p:to>
-                                        <p:strVal val="visible"/>
-                                      </p:to>
-                                    </p:set>
-                                    <p:animEffect transition="in" filter="fade">
-                                      <p:cBhvr>
-                                        <p:cTn id="7" dur="500"/>
-                                        <p:tgtEl>
-                                          <p:spTgt spid="3">
-                                            <p:txEl>
-                                              <p:pRg st="0" end="0"/>
-                                            </p:txEl>
-                                          </p:spTgt>
-                                        </p:tgtEl>
-                                      </p:cBhvr>
-                                    </p:animEffect>
-                                  </p:childTnLst>
-                                </p:cTn>
-                              </p:par>
-                            </p:childTnLst>
-                          </p:cTn>
-                        </p:par>
-                      </p:childTnLst>
-                    </p:cTn>
-                  </p:par>
-                </p:childTnLst>
-              </p:cTn>
-              <p:prevCondLst>
-                <p:cond evt="onPrev" delay="0">
-                  <p:tgtEl>
-                    <p:sldTgt/>
-                  </p:tgtEl>
-                </p:cond>
-              </p:prevCondLst>
-              <p:nextCondLst>
-                <p:cond evt="onNext" delay="0">
-                  <p:tgtEl>
-                    <p:sldTgt/>
-                  </p:tgtEl>
-                </p:cond>
-              </p:nextCondLst>
-            </p:seq>
-          </p:childTnLst>
-        </p:cTn>
+        <p:cTn id="1" dur="indefinite" restart="never" nodeType="tmRoot"/>
       </p:par>
     </p:tnLst>
-    <p:bldLst>
-      <p:bldP spid="3" grpId="0" build="p"/>
-    </p:bldLst>
   </p:timing>
 </p:sld>
 </file>
 
 <file path=ppt/slides/slide4.xml><?xml version="1.0" encoding="utf-8"?>
-<p:sld xmlns:a="http://schemas.openxmlformats.org/drawingml/2006/main" xmlns:r="http://schemas.openxmlformats.org/officeDocument/2006/relationships" xmlns:p="http://schemas.openxmlformats.org/presentationml/2006/main">
-  <p:cSld>
-    <p:spTree>
-      <p:nvGrpSpPr>
-        <p:cNvPr id="1" name=""/>
-        <p:cNvGrpSpPr/>
-        <p:nvPr/>
-      </p:nvGrpSpPr>
-      <p:grpSpPr>
-        <a:xfrm>
-          <a:off x="0" y="0"/>
-          <a:ext cx="0" cy="0"/>
-          <a:chOff x="0" y="0"/>
-          <a:chExt cx="0" cy="0"/>
-        </a:xfrm>
-      </p:grpSpPr>
-      <p:sp>
-        <p:nvSpPr>
-          <p:cNvPr id="2" name="ชื่อเรื่อง 1"/>
-          <p:cNvSpPr>
-            <a:spLocks noGrp="1"/>
-          </p:cNvSpPr>
-          <p:nvPr>
-            <p:ph type="title"/>
-          </p:nvPr>
-        </p:nvSpPr>
-        <p:spPr/>
-        <p:txBody>
-          <a:bodyPr>
-            <a:noAutofit/>
-          </a:bodyPr>
-          <a:lstStyle/>
-          <a:p>
-            <a:pPr lvl="0"/>
-            <a:r>
-              <a:rPr lang="th-TH" b="1" dirty="0" smtClean="0">
-                <a:solidFill>
-                  <a:srgbClr val="000000"/>
-                </a:solidFill>
-                <a:latin typeface="Angsana New" panose="02020603050405020304" pitchFamily="18" charset="-34"/>
-                <a:cs typeface="Angsana New" panose="02020603050405020304" pitchFamily="18" charset="-34"/>
-              </a:rPr>
-              <a:t>สิ่งที่กำลังทำ</a:t>
-            </a:r>
-            <a:r>
-              <a:rPr lang="en-US" sz="4800" dirty="0">
-                <a:solidFill>
-                  <a:srgbClr val="000000"/>
-                </a:solidFill>
-                <a:latin typeface="Angsana New" panose="02020603050405020304" pitchFamily="18" charset="-34"/>
-                <a:cs typeface="Angsana New" panose="02020603050405020304" pitchFamily="18" charset="-34"/>
-              </a:rPr>
-              <a:t/>
-            </a:r>
-            <a:br>
-              <a:rPr lang="en-US" sz="4800" dirty="0">
-                <a:solidFill>
-                  <a:srgbClr val="000000"/>
-                </a:solidFill>
-                <a:latin typeface="Angsana New" panose="02020603050405020304" pitchFamily="18" charset="-34"/>
-                <a:cs typeface="Angsana New" panose="02020603050405020304" pitchFamily="18" charset="-34"/>
-              </a:rPr>
-            </a:br>
-            <a:endParaRPr lang="th-TH" sz="4800" dirty="0">
-              <a:solidFill>
-                <a:srgbClr val="000000"/>
-              </a:solidFill>
-              <a:latin typeface="Angsana New" panose="02020603050405020304" pitchFamily="18" charset="-34"/>
-              <a:cs typeface="Angsana New" panose="02020603050405020304" pitchFamily="18" charset="-34"/>
-            </a:endParaRPr>
-          </a:p>
-        </p:txBody>
-      </p:sp>
-      <p:sp>
-        <p:nvSpPr>
-          <p:cNvPr id="3" name="ตัวแทนเนื้อหา 2"/>
-          <p:cNvSpPr>
-            <a:spLocks noGrp="1"/>
-          </p:cNvSpPr>
-          <p:nvPr>
-            <p:ph idx="1"/>
-          </p:nvPr>
-        </p:nvSpPr>
-        <p:spPr>
-          <a:xfrm>
-            <a:off x="427951" y="1703389"/>
-            <a:ext cx="10125749" cy="4863666"/>
-          </a:xfrm>
-        </p:spPr>
-        <p:txBody>
-          <a:bodyPr>
-            <a:normAutofit/>
-          </a:bodyPr>
-          <a:lstStyle/>
-          <a:p>
-            <a:pPr marL="0" indent="0">
-              <a:buNone/>
-            </a:pPr>
-            <a:endParaRPr lang="th-TH" sz="2800" dirty="0">
-              <a:solidFill>
-                <a:srgbClr val="000000"/>
-              </a:solidFill>
-              <a:latin typeface="Angsana New" panose="02020603050405020304" pitchFamily="18" charset="-34"/>
-              <a:cs typeface="Angsana New" panose="02020603050405020304" pitchFamily="18" charset="-34"/>
-            </a:endParaRPr>
-          </a:p>
-        </p:txBody>
-      </p:sp>
-      <p:sp>
-        <p:nvSpPr>
-          <p:cNvPr id="4" name="สี่เหลี่ยมผืนผ้า 3"/>
-          <p:cNvSpPr/>
-          <p:nvPr/>
-        </p:nvSpPr>
-        <p:spPr>
-          <a:xfrm>
-            <a:off x="4645681" y="6338411"/>
-            <a:ext cx="2989921" cy="369332"/>
-          </a:xfrm>
-          <a:prstGeom prst="rect">
-            <a:avLst/>
-          </a:prstGeom>
-          <a:noFill/>
-        </p:spPr>
-        <p:txBody>
-          <a:bodyPr wrap="none" lIns="91440" tIns="45720" rIns="91440" bIns="45720">
-            <a:spAutoFit/>
-          </a:bodyPr>
-          <a:lstStyle/>
-          <a:p>
-            <a:pPr algn="ctr"/>
-            <a:r>
-              <a:rPr lang="th-TH" sz="1800" cap="none" spc="0" dirty="0" smtClean="0">
-                <a:ln w="0">
-                  <a:noFill/>
-                </a:ln>
-                <a:solidFill>
-                  <a:srgbClr val="000000"/>
-                </a:solidFill>
-                <a:latin typeface="CordiaUPC" panose="020B0304020202020204" pitchFamily="34" charset="-34"/>
-                <a:cs typeface="CordiaUPC" panose="020B0304020202020204" pitchFamily="34" charset="-34"/>
-              </a:rPr>
-              <a:t>คณะวิทยาศาสตร์ สาขาเทคโนโลยีสารสนเทศ</a:t>
-            </a:r>
-            <a:endParaRPr lang="th-TH" sz="1800" cap="none" spc="0" dirty="0">
-              <a:ln w="0">
-                <a:noFill/>
-              </a:ln>
-              <a:solidFill>
-                <a:srgbClr val="000000"/>
-              </a:solidFill>
-              <a:latin typeface="CordiaUPC" panose="020B0304020202020204" pitchFamily="34" charset="-34"/>
-              <a:cs typeface="CordiaUPC" panose="020B0304020202020204" pitchFamily="34" charset="-34"/>
-            </a:endParaRPr>
-          </a:p>
-        </p:txBody>
-      </p:sp>
-      <p:pic>
-        <p:nvPicPr>
-          <p:cNvPr id="5" name="รูปภาพ 4"/>
-          <p:cNvPicPr>
-            <a:picLocks noChangeAspect="1"/>
-          </p:cNvPicPr>
-          <p:nvPr/>
-        </p:nvPicPr>
-        <p:blipFill>
-          <a:blip r:embed="rId2"/>
-          <a:stretch>
-            <a:fillRect/>
-          </a:stretch>
-        </p:blipFill>
-        <p:spPr>
-          <a:xfrm flipH="1">
-            <a:off x="4329468" y="6269593"/>
-            <a:ext cx="369914" cy="438150"/>
-          </a:xfrm>
-          <a:prstGeom prst="rect">
-            <a:avLst/>
-          </a:prstGeom>
-        </p:spPr>
-      </p:pic>
-    </p:spTree>
-    <p:extLst>
-      <p:ext uri="{BB962C8B-B14F-4D97-AF65-F5344CB8AC3E}">
-        <p14:creationId xmlns:p14="http://schemas.microsoft.com/office/powerpoint/2010/main" val="2397720494"/>
-      </p:ext>
-    </p:extLst>
-  </p:cSld>
-  <p:clrMapOvr>
-    <a:masterClrMapping/>
-  </p:clrMapOvr>
-  <p:transition spd="slow">
-    <p:fade/>
-  </p:transition>
-  <p:timing>
-    <p:tnLst>
-      <p:par>
-        <p:cTn id="1" dur="indefinite" restart="never" nodeType="tmRoot">
-          <p:childTnLst>
-            <p:seq concurrent="1" nextAc="seek">
-              <p:cTn id="2" dur="indefinite" nodeType="mainSeq">
-                <p:childTnLst>
-                  <p:par>
-                    <p:cTn id="3" fill="hold">
-                      <p:stCondLst>
-                        <p:cond delay="indefinite"/>
-                      </p:stCondLst>
-                      <p:childTnLst>
-                        <p:par>
-                          <p:cTn id="4" fill="hold">
-                            <p:stCondLst>
-                              <p:cond delay="0"/>
-                            </p:stCondLst>
-                            <p:childTnLst>
-                              <p:par>
-                                <p:cTn id="5" presetID="2" presetClass="entr" presetSubtype="4" fill="hold" grpId="0" nodeType="clickEffect" nodePh="1">
-                                  <p:stCondLst>
-                                    <p:cond delay="0"/>
-                                  </p:stCondLst>
-                                  <p:endCondLst>
-                                    <p:cond evt="begin" delay="0">
-                                      <p:tn val="5"/>
-                                    </p:cond>
-                                  </p:endCondLst>
-                                  <p:childTnLst>
-                                    <p:set>
-                                      <p:cBhvr>
-                                        <p:cTn id="6" dur="1" fill="hold">
-                                          <p:stCondLst>
-                                            <p:cond delay="0"/>
-                                          </p:stCondLst>
-                                        </p:cTn>
-                                        <p:tgtEl>
-                                          <p:spTgt spid="3">
-                                            <p:txEl>
-                                              <p:pRg st="0" end="0"/>
-                                            </p:txEl>
-                                          </p:spTgt>
-                                        </p:tgtEl>
-                                        <p:attrNameLst>
-                                          <p:attrName>style.visibility</p:attrName>
-                                        </p:attrNameLst>
-                                      </p:cBhvr>
-                                      <p:to>
-                                        <p:strVal val="visible"/>
-                                      </p:to>
-                                    </p:set>
-                                    <p:anim calcmode="lin" valueType="num">
-                                      <p:cBhvr additive="base">
-                                        <p:cTn id="7" dur="500" fill="hold"/>
-                                        <p:tgtEl>
-                                          <p:spTgt spid="3">
-                                            <p:txEl>
-                                              <p:pRg st="0" end="0"/>
-                                            </p:txEl>
-                                          </p:spTgt>
-                                        </p:tgtEl>
-                                        <p:attrNameLst>
-                                          <p:attrName>ppt_x</p:attrName>
-                                        </p:attrNameLst>
-                                      </p:cBhvr>
-                                      <p:tavLst>
-                                        <p:tav tm="0">
-                                          <p:val>
-                                            <p:strVal val="#ppt_x"/>
-                                          </p:val>
-                                        </p:tav>
-                                        <p:tav tm="100000">
-                                          <p:val>
-                                            <p:strVal val="#ppt_x"/>
-                                          </p:val>
-                                        </p:tav>
-                                      </p:tavLst>
-                                    </p:anim>
-                                    <p:anim calcmode="lin" valueType="num">
-                                      <p:cBhvr additive="base">
-                                        <p:cTn id="8" dur="500" fill="hold"/>
-                                        <p:tgtEl>
-                                          <p:spTgt spid="3">
-                                            <p:txEl>
-                                              <p:pRg st="0" end="0"/>
-                                            </p:txEl>
-                                          </p:spTgt>
-                                        </p:tgtEl>
-                                        <p:attrNameLst>
-                                          <p:attrName>ppt_y</p:attrName>
-                                        </p:attrNameLst>
-                                      </p:cBhvr>
-                                      <p:tavLst>
-                                        <p:tav tm="0">
-                                          <p:val>
-                                            <p:strVal val="1+#ppt_h/2"/>
-                                          </p:val>
-                                        </p:tav>
-                                        <p:tav tm="100000">
-                                          <p:val>
-                                            <p:strVal val="#ppt_y"/>
-                                          </p:val>
-                                        </p:tav>
-                                      </p:tavLst>
-                                    </p:anim>
-                                  </p:childTnLst>
-                                </p:cTn>
-                              </p:par>
-                            </p:childTnLst>
-                          </p:cTn>
-                        </p:par>
-                      </p:childTnLst>
-                    </p:cTn>
-                  </p:par>
-                </p:childTnLst>
-              </p:cTn>
-              <p:prevCondLst>
-                <p:cond evt="onPrev" delay="0">
-                  <p:tgtEl>
-                    <p:sldTgt/>
-                  </p:tgtEl>
-                </p:cond>
-              </p:prevCondLst>
-              <p:nextCondLst>
-                <p:cond evt="onNext" delay="0">
-                  <p:tgtEl>
-                    <p:sldTgt/>
-                  </p:tgtEl>
-                </p:cond>
-              </p:nextCondLst>
-            </p:seq>
-          </p:childTnLst>
-        </p:cTn>
-      </p:par>
-    </p:tnLst>
-    <p:bldLst>
-      <p:bldP spid="3" grpId="0" build="p"/>
-    </p:bldLst>
-  </p:timing>
-</p:sld>
-</file>
-
-<file path=ppt/slides/slide5.xml><?xml version="1.0" encoding="utf-8"?>
-<p:sld xmlns:a="http://schemas.openxmlformats.org/drawingml/2006/main" xmlns:r="http://schemas.openxmlformats.org/officeDocument/2006/relationships" xmlns:p="http://schemas.openxmlformats.org/presentationml/2006/main">
-  <p:cSld>
-    <p:spTree>
-      <p:nvGrpSpPr>
-        <p:cNvPr id="1" name=""/>
-        <p:cNvGrpSpPr/>
-        <p:nvPr/>
-      </p:nvGrpSpPr>
-      <p:grpSpPr>
-        <a:xfrm>
-          <a:off x="0" y="0"/>
-          <a:ext cx="0" cy="0"/>
-          <a:chOff x="0" y="0"/>
-          <a:chExt cx="0" cy="0"/>
-        </a:xfrm>
-      </p:grpSpPr>
-      <p:sp>
-        <p:nvSpPr>
-          <p:cNvPr id="2" name="ชื่อเรื่อง 1"/>
-          <p:cNvSpPr>
-            <a:spLocks noGrp="1"/>
-          </p:cNvSpPr>
-          <p:nvPr>
-            <p:ph type="title"/>
-          </p:nvPr>
-        </p:nvSpPr>
-        <p:spPr/>
-        <p:txBody>
-          <a:bodyPr/>
-          <a:lstStyle/>
-          <a:p>
-            <a:r>
-              <a:rPr lang="th-TH" b="1" dirty="0" smtClean="0">
-                <a:solidFill>
-                  <a:srgbClr val="000000"/>
-                </a:solidFill>
-                <a:latin typeface="Angsana New" panose="02020603050405020304" pitchFamily="18" charset="-34"/>
-                <a:cs typeface="Angsana New" panose="02020603050405020304" pitchFamily="18" charset="-34"/>
-              </a:rPr>
-              <a:t>สิ่งที่จะทำในอนาคต</a:t>
-            </a:r>
-            <a:r>
-              <a:rPr lang="th-TH" dirty="0">
-                <a:solidFill>
-                  <a:srgbClr val="000000"/>
-                </a:solidFill>
-                <a:latin typeface="Angsana New" panose="02020603050405020304" pitchFamily="18" charset="-34"/>
-                <a:cs typeface="Angsana New" panose="02020603050405020304" pitchFamily="18" charset="-34"/>
-              </a:rPr>
-              <a:t/>
-            </a:r>
-            <a:br>
-              <a:rPr lang="th-TH" dirty="0">
-                <a:solidFill>
-                  <a:srgbClr val="000000"/>
-                </a:solidFill>
-                <a:latin typeface="Angsana New" panose="02020603050405020304" pitchFamily="18" charset="-34"/>
-                <a:cs typeface="Angsana New" panose="02020603050405020304" pitchFamily="18" charset="-34"/>
-              </a:rPr>
-            </a:br>
-            <a:endParaRPr lang="th-TH" dirty="0">
-              <a:solidFill>
-                <a:srgbClr val="000000"/>
-              </a:solidFill>
-              <a:latin typeface="Angsana New" panose="02020603050405020304" pitchFamily="18" charset="-34"/>
-              <a:cs typeface="Angsana New" panose="02020603050405020304" pitchFamily="18" charset="-34"/>
-            </a:endParaRPr>
-          </a:p>
-        </p:txBody>
-      </p:sp>
-      <p:sp>
-        <p:nvSpPr>
-          <p:cNvPr id="3" name="ตัวแทนเนื้อหา 2"/>
-          <p:cNvSpPr>
-            <a:spLocks noGrp="1"/>
-          </p:cNvSpPr>
-          <p:nvPr>
-            <p:ph idx="1"/>
-          </p:nvPr>
-        </p:nvSpPr>
-        <p:spPr>
-          <a:xfrm>
-            <a:off x="677334" y="1487489"/>
-            <a:ext cx="9238364" cy="3880773"/>
-          </a:xfrm>
-        </p:spPr>
-        <p:txBody>
-          <a:bodyPr>
-            <a:normAutofit/>
-          </a:bodyPr>
-          <a:lstStyle/>
-          <a:p>
-            <a:pPr marL="0" indent="0">
-              <a:buNone/>
-            </a:pPr>
-            <a:endParaRPr lang="th-TH" sz="2800" dirty="0">
-              <a:solidFill>
-                <a:srgbClr val="000000"/>
-              </a:solidFill>
-              <a:latin typeface="Angsana New" panose="02020603050405020304" pitchFamily="18" charset="-34"/>
-              <a:cs typeface="Angsana New" panose="02020603050405020304" pitchFamily="18" charset="-34"/>
-            </a:endParaRPr>
-          </a:p>
-        </p:txBody>
-      </p:sp>
-      <p:sp>
-        <p:nvSpPr>
-          <p:cNvPr id="4" name="สี่เหลี่ยมผืนผ้า 3"/>
-          <p:cNvSpPr/>
-          <p:nvPr/>
-        </p:nvSpPr>
-        <p:spPr>
-          <a:xfrm>
-            <a:off x="4645681" y="6338411"/>
-            <a:ext cx="2989921" cy="369332"/>
-          </a:xfrm>
-          <a:prstGeom prst="rect">
-            <a:avLst/>
-          </a:prstGeom>
-          <a:noFill/>
-        </p:spPr>
-        <p:txBody>
-          <a:bodyPr wrap="none" lIns="91440" tIns="45720" rIns="91440" bIns="45720">
-            <a:spAutoFit/>
-          </a:bodyPr>
-          <a:lstStyle/>
-          <a:p>
-            <a:pPr algn="ctr"/>
-            <a:r>
-              <a:rPr lang="th-TH" sz="1800" cap="none" spc="0" dirty="0" smtClean="0">
-                <a:ln w="0">
-                  <a:noFill/>
-                </a:ln>
-                <a:solidFill>
-                  <a:srgbClr val="000000"/>
-                </a:solidFill>
-                <a:latin typeface="CordiaUPC" panose="020B0304020202020204" pitchFamily="34" charset="-34"/>
-                <a:cs typeface="CordiaUPC" panose="020B0304020202020204" pitchFamily="34" charset="-34"/>
-              </a:rPr>
-              <a:t>คณะวิทยาศาสตร์ สาขาเทคโนโลยีสารสนเทศ</a:t>
-            </a:r>
-            <a:endParaRPr lang="th-TH" sz="1800" cap="none" spc="0" dirty="0">
-              <a:ln w="0">
-                <a:noFill/>
-              </a:ln>
-              <a:solidFill>
-                <a:srgbClr val="000000"/>
-              </a:solidFill>
-              <a:latin typeface="CordiaUPC" panose="020B0304020202020204" pitchFamily="34" charset="-34"/>
-              <a:cs typeface="CordiaUPC" panose="020B0304020202020204" pitchFamily="34" charset="-34"/>
-            </a:endParaRPr>
-          </a:p>
-        </p:txBody>
-      </p:sp>
-      <p:pic>
-        <p:nvPicPr>
-          <p:cNvPr id="5" name="รูปภาพ 4"/>
-          <p:cNvPicPr>
-            <a:picLocks noChangeAspect="1"/>
-          </p:cNvPicPr>
-          <p:nvPr/>
-        </p:nvPicPr>
-        <p:blipFill>
-          <a:blip r:embed="rId2"/>
-          <a:stretch>
-            <a:fillRect/>
-          </a:stretch>
-        </p:blipFill>
-        <p:spPr>
-          <a:xfrm flipH="1">
-            <a:off x="4329468" y="6269593"/>
-            <a:ext cx="369914" cy="438150"/>
-          </a:xfrm>
-          <a:prstGeom prst="rect">
-            <a:avLst/>
-          </a:prstGeom>
-        </p:spPr>
-      </p:pic>
-    </p:spTree>
-    <p:extLst>
-      <p:ext uri="{BB962C8B-B14F-4D97-AF65-F5344CB8AC3E}">
-        <p14:creationId xmlns:p14="http://schemas.microsoft.com/office/powerpoint/2010/main" val="2806164383"/>
-      </p:ext>
-    </p:extLst>
-  </p:cSld>
-  <p:clrMapOvr>
-    <a:masterClrMapping/>
-  </p:clrMapOvr>
-  <p:transition spd="slow">
-    <p:fade/>
-  </p:transition>
-  <p:timing>
-    <p:tnLst>
-      <p:par>
-        <p:cTn id="1" dur="indefinite" restart="never" nodeType="tmRoot">
-          <p:childTnLst>
-            <p:seq concurrent="1" nextAc="seek">
-              <p:cTn id="2" dur="indefinite" nodeType="mainSeq">
-                <p:childTnLst>
-                  <p:par>
-                    <p:cTn id="3" fill="hold">
-                      <p:stCondLst>
-                        <p:cond delay="indefinite"/>
-                      </p:stCondLst>
-                      <p:childTnLst>
-                        <p:par>
-                          <p:cTn id="4" fill="hold">
-                            <p:stCondLst>
-                              <p:cond delay="0"/>
-                            </p:stCondLst>
-                            <p:childTnLst>
-                              <p:par>
-                                <p:cTn id="5" presetID="42" presetClass="entr" presetSubtype="0" fill="hold" grpId="0" nodeType="clickEffect" nodePh="1">
-                                  <p:stCondLst>
-                                    <p:cond delay="0"/>
-                                  </p:stCondLst>
-                                  <p:endCondLst>
-                                    <p:cond evt="begin" delay="0">
-                                      <p:tn val="5"/>
-                                    </p:cond>
-                                  </p:endCondLst>
-                                  <p:childTnLst>
-                                    <p:set>
-                                      <p:cBhvr>
-                                        <p:cTn id="6" dur="1" fill="hold">
-                                          <p:stCondLst>
-                                            <p:cond delay="0"/>
-                                          </p:stCondLst>
-                                        </p:cTn>
-                                        <p:tgtEl>
-                                          <p:spTgt spid="3">
-                                            <p:txEl>
-                                              <p:pRg st="0" end="0"/>
-                                            </p:txEl>
-                                          </p:spTgt>
-                                        </p:tgtEl>
-                                        <p:attrNameLst>
-                                          <p:attrName>style.visibility</p:attrName>
-                                        </p:attrNameLst>
-                                      </p:cBhvr>
-                                      <p:to>
-                                        <p:strVal val="visible"/>
-                                      </p:to>
-                                    </p:set>
-                                    <p:animEffect transition="in" filter="fade">
-                                      <p:cBhvr>
-                                        <p:cTn id="7" dur="1000"/>
-                                        <p:tgtEl>
-                                          <p:spTgt spid="3">
-                                            <p:txEl>
-                                              <p:pRg st="0" end="0"/>
-                                            </p:txEl>
-                                          </p:spTgt>
-                                        </p:tgtEl>
-                                      </p:cBhvr>
-                                    </p:animEffect>
-                                    <p:anim calcmode="lin" valueType="num">
-                                      <p:cBhvr>
-                                        <p:cTn id="8" dur="1000" fill="hold"/>
-                                        <p:tgtEl>
-                                          <p:spTgt spid="3">
-                                            <p:txEl>
-                                              <p:pRg st="0" end="0"/>
-                                            </p:txEl>
-                                          </p:spTgt>
-                                        </p:tgtEl>
-                                        <p:attrNameLst>
-                                          <p:attrName>ppt_x</p:attrName>
-                                        </p:attrNameLst>
-                                      </p:cBhvr>
-                                      <p:tavLst>
-                                        <p:tav tm="0">
-                                          <p:val>
-                                            <p:strVal val="#ppt_x"/>
-                                          </p:val>
-                                        </p:tav>
-                                        <p:tav tm="100000">
-                                          <p:val>
-                                            <p:strVal val="#ppt_x"/>
-                                          </p:val>
-                                        </p:tav>
-                                      </p:tavLst>
-                                    </p:anim>
-                                    <p:anim calcmode="lin" valueType="num">
-                                      <p:cBhvr>
-                                        <p:cTn id="9" dur="1000" fill="hold"/>
-                                        <p:tgtEl>
-                                          <p:spTgt spid="3">
-                                            <p:txEl>
-                                              <p:pRg st="0" end="0"/>
-                                            </p:txEl>
-                                          </p:spTgt>
-                                        </p:tgtEl>
-                                        <p:attrNameLst>
-                                          <p:attrName>ppt_y</p:attrName>
-                                        </p:attrNameLst>
-                                      </p:cBhvr>
-                                      <p:tavLst>
-                                        <p:tav tm="0">
-                                          <p:val>
-                                            <p:strVal val="#ppt_y+.1"/>
-                                          </p:val>
-                                        </p:tav>
-                                        <p:tav tm="100000">
-                                          <p:val>
-                                            <p:strVal val="#ppt_y"/>
-                                          </p:val>
-                                        </p:tav>
-                                      </p:tavLst>
-                                    </p:anim>
-                                  </p:childTnLst>
-                                </p:cTn>
-                              </p:par>
-                            </p:childTnLst>
-                          </p:cTn>
-                        </p:par>
-                      </p:childTnLst>
-                    </p:cTn>
-                  </p:par>
-                </p:childTnLst>
-              </p:cTn>
-              <p:prevCondLst>
-                <p:cond evt="onPrev" delay="0">
-                  <p:tgtEl>
-                    <p:sldTgt/>
-                  </p:tgtEl>
-                </p:cond>
-              </p:prevCondLst>
-              <p:nextCondLst>
-                <p:cond evt="onNext" delay="0">
-                  <p:tgtEl>
-                    <p:sldTgt/>
-                  </p:tgtEl>
-                </p:cond>
-              </p:nextCondLst>
-            </p:seq>
-          </p:childTnLst>
-        </p:cTn>
-      </p:par>
-    </p:tnLst>
-    <p:bldLst>
-      <p:bldP spid="3" grpId="0" build="p"/>
-    </p:bldLst>
-  </p:timing>
-</p:sld>
-</file>
-
-<file path=ppt/slides/slide6.xml><?xml version="1.0" encoding="utf-8"?>
-<p:sld xmlns:a="http://schemas.openxmlformats.org/drawingml/2006/main" xmlns:r="http://schemas.openxmlformats.org/officeDocument/2006/relationships" xmlns:p="http://schemas.openxmlformats.org/presentationml/2006/main">
-  <p:cSld>
-    <p:spTree>
-      <p:nvGrpSpPr>
-        <p:cNvPr id="1" name=""/>
-        <p:cNvGrpSpPr/>
-        <p:nvPr/>
-      </p:nvGrpSpPr>
-      <p:grpSpPr>
-        <a:xfrm>
-          <a:off x="0" y="0"/>
-          <a:ext cx="0" cy="0"/>
-          <a:chOff x="0" y="0"/>
-          <a:chExt cx="0" cy="0"/>
-        </a:xfrm>
-      </p:grpSpPr>
-      <p:sp>
-        <p:nvSpPr>
-          <p:cNvPr id="2" name="ชื่อเรื่อง 1"/>
-          <p:cNvSpPr>
-            <a:spLocks noGrp="1"/>
-          </p:cNvSpPr>
-          <p:nvPr>
-            <p:ph type="title"/>
-          </p:nvPr>
-        </p:nvSpPr>
-        <p:spPr/>
-        <p:txBody>
-          <a:bodyPr/>
-          <a:lstStyle/>
-          <a:p>
-            <a:pPr marL="0" indent="0"/>
-            <a:r>
-              <a:rPr lang="th-TH" b="1" dirty="0">
-                <a:solidFill>
-                  <a:srgbClr val="000000"/>
-                </a:solidFill>
-                <a:latin typeface="Angsana New" panose="02020603050405020304" pitchFamily="18" charset="-34"/>
-                <a:cs typeface="Angsana New" panose="02020603050405020304" pitchFamily="18" charset="-34"/>
-              </a:rPr>
-              <a:t>5.2   เนื้อหาภายในเกม</a:t>
-            </a:r>
-          </a:p>
-        </p:txBody>
-      </p:sp>
-      <p:sp>
-        <p:nvSpPr>
-          <p:cNvPr id="3" name="ตัวแทนเนื้อหา 2"/>
-          <p:cNvSpPr>
-            <a:spLocks noGrp="1"/>
-          </p:cNvSpPr>
-          <p:nvPr>
-            <p:ph idx="1"/>
-          </p:nvPr>
-        </p:nvSpPr>
-        <p:spPr>
-          <a:xfrm>
-            <a:off x="532191" y="1490683"/>
-            <a:ext cx="9163352" cy="4503507"/>
-          </a:xfrm>
-        </p:spPr>
-        <p:txBody>
-          <a:bodyPr>
-            <a:noAutofit/>
-          </a:bodyPr>
-          <a:lstStyle/>
-          <a:p>
-            <a:r>
-              <a:rPr lang="th-TH" sz="2800" dirty="0" smtClean="0">
-                <a:solidFill>
-                  <a:srgbClr val="000000"/>
-                </a:solidFill>
-                <a:latin typeface="Angsana New" panose="02020603050405020304" pitchFamily="18" charset="-34"/>
-                <a:cs typeface="Angsana New" panose="02020603050405020304" pitchFamily="18" charset="-34"/>
-              </a:rPr>
-              <a:t>ผู้เล่นจะต้องเดินทางไปให้ถึงจุดหมาย เพื่อช่วยชีวิตสัตว์ป่าโดยสัตว์ป่าจะแบ่งตาม</a:t>
-            </a:r>
-          </a:p>
-          <a:p>
-            <a:pPr marL="0" indent="0">
-              <a:buNone/>
-            </a:pPr>
-            <a:r>
-              <a:rPr lang="th-TH" sz="2800" dirty="0" smtClean="0">
-                <a:solidFill>
-                  <a:srgbClr val="000000"/>
-                </a:solidFill>
-                <a:latin typeface="Angsana New" panose="02020603050405020304" pitchFamily="18" charset="-34"/>
-                <a:cs typeface="Angsana New" panose="02020603050405020304" pitchFamily="18" charset="-34"/>
-              </a:rPr>
-              <a:t>       เกณฑ์การกินอาหาร</a:t>
-            </a:r>
-          </a:p>
-          <a:p>
-            <a:r>
-              <a:rPr lang="th-TH" sz="2800" dirty="0" smtClean="0">
-                <a:solidFill>
-                  <a:srgbClr val="000000"/>
-                </a:solidFill>
-                <a:latin typeface="Angsana New" panose="02020603050405020304" pitchFamily="18" charset="-34"/>
-                <a:cs typeface="Angsana New" panose="02020603050405020304" pitchFamily="18" charset="-34"/>
-              </a:rPr>
-              <a:t> เกมแต่ละด่านจะมีระดับความยากง่ายต่างกัน</a:t>
-            </a:r>
-          </a:p>
-          <a:p>
-            <a:r>
-              <a:rPr lang="th-TH" sz="2800" dirty="0">
-                <a:solidFill>
-                  <a:srgbClr val="000000"/>
-                </a:solidFill>
-                <a:latin typeface="Angsana New" panose="02020603050405020304" pitchFamily="18" charset="-34"/>
-                <a:cs typeface="Angsana New" panose="02020603050405020304" pitchFamily="18" charset="-34"/>
-              </a:rPr>
-              <a:t> ฉากภายในเกมจะเป็นป่า ที่สัตว์เหล่านั้นอาศัยอยู่ เช่น สิงโต ชอบอาศัยอยู่ทุ่งหญ้าซาวันนา กวาง ชอบอาศัยตามทุ่งโล่ง ชายป่า  เป็น</a:t>
-            </a:r>
-            <a:r>
-              <a:rPr lang="th-TH" sz="2800" dirty="0" smtClean="0">
-                <a:solidFill>
-                  <a:srgbClr val="000000"/>
-                </a:solidFill>
-                <a:latin typeface="Angsana New" panose="02020603050405020304" pitchFamily="18" charset="-34"/>
-                <a:cs typeface="Angsana New" panose="02020603050405020304" pitchFamily="18" charset="-34"/>
-              </a:rPr>
-              <a:t>ต้น</a:t>
-            </a:r>
-          </a:p>
-          <a:p>
-            <a:pPr marL="0" indent="0">
-              <a:buNone/>
-            </a:pPr>
-            <a:r>
-              <a:rPr lang="th-TH" sz="2800" dirty="0" smtClean="0">
-                <a:solidFill>
-                  <a:srgbClr val="000000"/>
-                </a:solidFill>
-                <a:latin typeface="Angsana New" panose="02020603050405020304" pitchFamily="18" charset="-34"/>
-                <a:cs typeface="Angsana New" panose="02020603050405020304" pitchFamily="18" charset="-34"/>
-              </a:rPr>
-              <a:t> </a:t>
-            </a:r>
-          </a:p>
-          <a:p>
-            <a:pPr marL="0" indent="0">
-              <a:buNone/>
-            </a:pPr>
-            <a:endParaRPr lang="th-TH" sz="2800" dirty="0" smtClean="0">
-              <a:solidFill>
-                <a:srgbClr val="000000"/>
-              </a:solidFill>
-              <a:latin typeface="Angsana New" panose="02020603050405020304" pitchFamily="18" charset="-34"/>
-              <a:cs typeface="Angsana New" panose="02020603050405020304" pitchFamily="18" charset="-34"/>
-            </a:endParaRPr>
-          </a:p>
-          <a:p>
-            <a:pPr marL="0" indent="0">
-              <a:buNone/>
-            </a:pPr>
-            <a:endParaRPr lang="th-TH" sz="2800" dirty="0" smtClean="0">
-              <a:solidFill>
-                <a:srgbClr val="000000"/>
-              </a:solidFill>
-              <a:latin typeface="Angsana New" panose="02020603050405020304" pitchFamily="18" charset="-34"/>
-              <a:cs typeface="Angsana New" panose="02020603050405020304" pitchFamily="18" charset="-34"/>
-            </a:endParaRPr>
-          </a:p>
-          <a:p>
-            <a:pPr marL="0" indent="0">
-              <a:buNone/>
-            </a:pPr>
-            <a:endParaRPr lang="th-TH" sz="2800" dirty="0">
-              <a:solidFill>
-                <a:srgbClr val="000000"/>
-              </a:solidFill>
-              <a:latin typeface="Angsana New" panose="02020603050405020304" pitchFamily="18" charset="-34"/>
-              <a:cs typeface="Angsana New" panose="02020603050405020304" pitchFamily="18" charset="-34"/>
-            </a:endParaRPr>
-          </a:p>
-        </p:txBody>
-      </p:sp>
-      <p:sp>
-        <p:nvSpPr>
-          <p:cNvPr id="4" name="สี่เหลี่ยมผืนผ้า 3"/>
-          <p:cNvSpPr/>
-          <p:nvPr/>
-        </p:nvSpPr>
-        <p:spPr>
-          <a:xfrm>
-            <a:off x="4645681" y="6338411"/>
-            <a:ext cx="2989921" cy="369332"/>
-          </a:xfrm>
-          <a:prstGeom prst="rect">
-            <a:avLst/>
-          </a:prstGeom>
-          <a:noFill/>
-        </p:spPr>
-        <p:txBody>
-          <a:bodyPr wrap="none" lIns="91440" tIns="45720" rIns="91440" bIns="45720">
-            <a:spAutoFit/>
-          </a:bodyPr>
-          <a:lstStyle/>
-          <a:p>
-            <a:pPr algn="ctr"/>
-            <a:r>
-              <a:rPr lang="th-TH" sz="1800" cap="none" spc="0" dirty="0" smtClean="0">
-                <a:ln w="0">
-                  <a:noFill/>
-                </a:ln>
-                <a:solidFill>
-                  <a:srgbClr val="000000"/>
-                </a:solidFill>
-                <a:latin typeface="CordiaUPC" panose="020B0304020202020204" pitchFamily="34" charset="-34"/>
-                <a:cs typeface="CordiaUPC" panose="020B0304020202020204" pitchFamily="34" charset="-34"/>
-              </a:rPr>
-              <a:t>คณะวิทยาศาสตร์ สาขาเทคโนโลยีสารสนเทศ</a:t>
-            </a:r>
-            <a:endParaRPr lang="th-TH" sz="1800" cap="none" spc="0" dirty="0">
-              <a:ln w="0">
-                <a:noFill/>
-              </a:ln>
-              <a:solidFill>
-                <a:srgbClr val="000000"/>
-              </a:solidFill>
-              <a:latin typeface="CordiaUPC" panose="020B0304020202020204" pitchFamily="34" charset="-34"/>
-              <a:cs typeface="CordiaUPC" panose="020B0304020202020204" pitchFamily="34" charset="-34"/>
-            </a:endParaRPr>
-          </a:p>
-        </p:txBody>
-      </p:sp>
-      <p:pic>
-        <p:nvPicPr>
-          <p:cNvPr id="5" name="รูปภาพ 4"/>
-          <p:cNvPicPr>
-            <a:picLocks noChangeAspect="1"/>
-          </p:cNvPicPr>
-          <p:nvPr/>
-        </p:nvPicPr>
-        <p:blipFill>
-          <a:blip r:embed="rId2"/>
-          <a:stretch>
-            <a:fillRect/>
-          </a:stretch>
-        </p:blipFill>
-        <p:spPr>
-          <a:xfrm flipH="1">
-            <a:off x="4329468" y="6269593"/>
-            <a:ext cx="369914" cy="438150"/>
-          </a:xfrm>
-          <a:prstGeom prst="rect">
-            <a:avLst/>
-          </a:prstGeom>
-        </p:spPr>
-      </p:pic>
-    </p:spTree>
-    <p:extLst>
-      <p:ext uri="{BB962C8B-B14F-4D97-AF65-F5344CB8AC3E}">
-        <p14:creationId xmlns:p14="http://schemas.microsoft.com/office/powerpoint/2010/main" val="1061670476"/>
-      </p:ext>
-    </p:extLst>
-  </p:cSld>
-  <p:clrMapOvr>
-    <a:masterClrMapping/>
-  </p:clrMapOvr>
-  <p:transition spd="slow">
-    <p:fade/>
-  </p:transition>
-  <p:timing>
-    <p:tnLst>
-      <p:par>
-        <p:cTn id="1" dur="indefinite" restart="never" nodeType="tmRoot">
-          <p:childTnLst>
-            <p:seq concurrent="1" nextAc="seek">
-              <p:cTn id="2" dur="indefinite" nodeType="mainSeq">
-                <p:childTnLst>
-                  <p:par>
-                    <p:cTn id="3" fill="hold">
-                      <p:stCondLst>
-                        <p:cond delay="indefinite"/>
-                      </p:stCondLst>
-                      <p:childTnLst>
-                        <p:par>
-                          <p:cTn id="4" fill="hold">
-                            <p:stCondLst>
-                              <p:cond delay="0"/>
-                            </p:stCondLst>
-                            <p:childTnLst>
-                              <p:par>
-                                <p:cTn id="5" presetID="10" presetClass="entr" presetSubtype="0" fill="hold" grpId="0" nodeType="clickEffect">
-                                  <p:stCondLst>
-                                    <p:cond delay="0"/>
-                                  </p:stCondLst>
-                                  <p:childTnLst>
-                                    <p:set>
-                                      <p:cBhvr>
-                                        <p:cTn id="6" dur="1" fill="hold">
-                                          <p:stCondLst>
-                                            <p:cond delay="0"/>
-                                          </p:stCondLst>
-                                        </p:cTn>
-                                        <p:tgtEl>
-                                          <p:spTgt spid="3">
-                                            <p:txEl>
-                                              <p:pRg st="0" end="0"/>
-                                            </p:txEl>
-                                          </p:spTgt>
-                                        </p:tgtEl>
-                                        <p:attrNameLst>
-                                          <p:attrName>style.visibility</p:attrName>
-                                        </p:attrNameLst>
-                                      </p:cBhvr>
-                                      <p:to>
-                                        <p:strVal val="visible"/>
-                                      </p:to>
-                                    </p:set>
-                                    <p:animEffect transition="in" filter="fade">
-                                      <p:cBhvr>
-                                        <p:cTn id="7" dur="500"/>
-                                        <p:tgtEl>
-                                          <p:spTgt spid="3">
-                                            <p:txEl>
-                                              <p:pRg st="0" end="0"/>
-                                            </p:txEl>
-                                          </p:spTgt>
-                                        </p:tgtEl>
-                                      </p:cBhvr>
-                                    </p:animEffect>
-                                  </p:childTnLst>
-                                </p:cTn>
-                              </p:par>
-                            </p:childTnLst>
-                          </p:cTn>
-                        </p:par>
-                      </p:childTnLst>
-                    </p:cTn>
-                  </p:par>
-                  <p:par>
-                    <p:cTn id="8" fill="hold">
-                      <p:stCondLst>
-                        <p:cond delay="indefinite"/>
-                      </p:stCondLst>
-                      <p:childTnLst>
-                        <p:par>
-                          <p:cTn id="9" fill="hold">
-                            <p:stCondLst>
-                              <p:cond delay="0"/>
-                            </p:stCondLst>
-                            <p:childTnLst>
-                              <p:par>
-                                <p:cTn id="10" presetID="10" presetClass="entr" presetSubtype="0" fill="hold" grpId="0" nodeType="clickEffect">
-                                  <p:stCondLst>
-                                    <p:cond delay="0"/>
-                                  </p:stCondLst>
-                                  <p:childTnLst>
-                                    <p:set>
-                                      <p:cBhvr>
-                                        <p:cTn id="11" dur="1" fill="hold">
-                                          <p:stCondLst>
-                                            <p:cond delay="0"/>
-                                          </p:stCondLst>
-                                        </p:cTn>
-                                        <p:tgtEl>
-                                          <p:spTgt spid="3">
-                                            <p:txEl>
-                                              <p:pRg st="1" end="1"/>
-                                            </p:txEl>
-                                          </p:spTgt>
-                                        </p:tgtEl>
-                                        <p:attrNameLst>
-                                          <p:attrName>style.visibility</p:attrName>
-                                        </p:attrNameLst>
-                                      </p:cBhvr>
-                                      <p:to>
-                                        <p:strVal val="visible"/>
-                                      </p:to>
-                                    </p:set>
-                                    <p:animEffect transition="in" filter="fade">
-                                      <p:cBhvr>
-                                        <p:cTn id="12" dur="500"/>
-                                        <p:tgtEl>
-                                          <p:spTgt spid="3">
-                                            <p:txEl>
-                                              <p:pRg st="1" end="1"/>
-                                            </p:txEl>
-                                          </p:spTgt>
-                                        </p:tgtEl>
-                                      </p:cBhvr>
-                                    </p:animEffect>
-                                  </p:childTnLst>
-                                </p:cTn>
-                              </p:par>
-                            </p:childTnLst>
-                          </p:cTn>
-                        </p:par>
-                      </p:childTnLst>
-                    </p:cTn>
-                  </p:par>
-                  <p:par>
-                    <p:cTn id="13" fill="hold">
-                      <p:stCondLst>
-                        <p:cond delay="indefinite"/>
-                      </p:stCondLst>
-                      <p:childTnLst>
-                        <p:par>
-                          <p:cTn id="14" fill="hold">
-                            <p:stCondLst>
-                              <p:cond delay="0"/>
-                            </p:stCondLst>
-                            <p:childTnLst>
-                              <p:par>
-                                <p:cTn id="15" presetID="10" presetClass="entr" presetSubtype="0" fill="hold" grpId="0" nodeType="clickEffect">
-                                  <p:stCondLst>
-                                    <p:cond delay="0"/>
-                                  </p:stCondLst>
-                                  <p:childTnLst>
-                                    <p:set>
-                                      <p:cBhvr>
-                                        <p:cTn id="16" dur="1" fill="hold">
-                                          <p:stCondLst>
-                                            <p:cond delay="0"/>
-                                          </p:stCondLst>
-                                        </p:cTn>
-                                        <p:tgtEl>
-                                          <p:spTgt spid="3">
-                                            <p:txEl>
-                                              <p:pRg st="2" end="2"/>
-                                            </p:txEl>
-                                          </p:spTgt>
-                                        </p:tgtEl>
-                                        <p:attrNameLst>
-                                          <p:attrName>style.visibility</p:attrName>
-                                        </p:attrNameLst>
-                                      </p:cBhvr>
-                                      <p:to>
-                                        <p:strVal val="visible"/>
-                                      </p:to>
-                                    </p:set>
-                                    <p:animEffect transition="in" filter="fade">
-                                      <p:cBhvr>
-                                        <p:cTn id="17" dur="500"/>
-                                        <p:tgtEl>
-                                          <p:spTgt spid="3">
-                                            <p:txEl>
-                                              <p:pRg st="2" end="2"/>
-                                            </p:txEl>
-                                          </p:spTgt>
-                                        </p:tgtEl>
-                                      </p:cBhvr>
-                                    </p:animEffect>
-                                  </p:childTnLst>
-                                </p:cTn>
-                              </p:par>
-                            </p:childTnLst>
-                          </p:cTn>
-                        </p:par>
-                      </p:childTnLst>
-                    </p:cTn>
-                  </p:par>
-                  <p:par>
-                    <p:cTn id="18" fill="hold">
-                      <p:stCondLst>
-                        <p:cond delay="indefinite"/>
-                      </p:stCondLst>
-                      <p:childTnLst>
-                        <p:par>
-                          <p:cTn id="19" fill="hold">
-                            <p:stCondLst>
-                              <p:cond delay="0"/>
-                            </p:stCondLst>
-                            <p:childTnLst>
-                              <p:par>
-                                <p:cTn id="20" presetID="10" presetClass="entr" presetSubtype="0" fill="hold" grpId="0" nodeType="clickEffect">
-                                  <p:stCondLst>
-                                    <p:cond delay="0"/>
-                                  </p:stCondLst>
-                                  <p:childTnLst>
-                                    <p:set>
-                                      <p:cBhvr>
-                                        <p:cTn id="21" dur="1" fill="hold">
-                                          <p:stCondLst>
-                                            <p:cond delay="0"/>
-                                          </p:stCondLst>
-                                        </p:cTn>
-                                        <p:tgtEl>
-                                          <p:spTgt spid="3">
-                                            <p:txEl>
-                                              <p:pRg st="3" end="3"/>
-                                            </p:txEl>
-                                          </p:spTgt>
-                                        </p:tgtEl>
-                                        <p:attrNameLst>
-                                          <p:attrName>style.visibility</p:attrName>
-                                        </p:attrNameLst>
-                                      </p:cBhvr>
-                                      <p:to>
-                                        <p:strVal val="visible"/>
-                                      </p:to>
-                                    </p:set>
-                                    <p:animEffect transition="in" filter="fade">
-                                      <p:cBhvr>
-                                        <p:cTn id="22" dur="500"/>
-                                        <p:tgtEl>
-                                          <p:spTgt spid="3">
-                                            <p:txEl>
-                                              <p:pRg st="3" end="3"/>
-                                            </p:txEl>
-                                          </p:spTgt>
-                                        </p:tgtEl>
-                                      </p:cBhvr>
-                                    </p:animEffect>
-                                  </p:childTnLst>
-                                </p:cTn>
-                              </p:par>
-                            </p:childTnLst>
-                          </p:cTn>
-                        </p:par>
-                      </p:childTnLst>
-                    </p:cTn>
-                  </p:par>
-                  <p:par>
-                    <p:cTn id="23" fill="hold">
-                      <p:stCondLst>
-                        <p:cond delay="indefinite"/>
-                      </p:stCondLst>
-                      <p:childTnLst>
-                        <p:par>
-                          <p:cTn id="24" fill="hold">
-                            <p:stCondLst>
-                              <p:cond delay="0"/>
-                            </p:stCondLst>
-                            <p:childTnLst>
-                              <p:par>
-                                <p:cTn id="25" presetID="10" presetClass="entr" presetSubtype="0" fill="hold" grpId="0" nodeType="clickEffect">
-                                  <p:stCondLst>
-                                    <p:cond delay="0"/>
-                                  </p:stCondLst>
-                                  <p:childTnLst>
-                                    <p:set>
-                                      <p:cBhvr>
-                                        <p:cTn id="26" dur="1" fill="hold">
-                                          <p:stCondLst>
-                                            <p:cond delay="0"/>
-                                          </p:stCondLst>
-                                        </p:cTn>
-                                        <p:tgtEl>
-                                          <p:spTgt spid="3">
-                                            <p:txEl>
-                                              <p:pRg st="4" end="4"/>
-                                            </p:txEl>
-                                          </p:spTgt>
-                                        </p:tgtEl>
-                                        <p:attrNameLst>
-                                          <p:attrName>style.visibility</p:attrName>
-                                        </p:attrNameLst>
-                                      </p:cBhvr>
-                                      <p:to>
-                                        <p:strVal val="visible"/>
-                                      </p:to>
-                                    </p:set>
-                                    <p:animEffect transition="in" filter="fade">
-                                      <p:cBhvr>
-                                        <p:cTn id="27" dur="500"/>
-                                        <p:tgtEl>
-                                          <p:spTgt spid="3">
-                                            <p:txEl>
-                                              <p:pRg st="4" end="4"/>
-                                            </p:txEl>
-                                          </p:spTgt>
-                                        </p:tgtEl>
-                                      </p:cBhvr>
-                                    </p:animEffect>
-                                  </p:childTnLst>
-                                </p:cTn>
-                              </p:par>
-                            </p:childTnLst>
-                          </p:cTn>
-                        </p:par>
-                      </p:childTnLst>
-                    </p:cTn>
-                  </p:par>
-                </p:childTnLst>
-              </p:cTn>
-              <p:prevCondLst>
-                <p:cond evt="onPrev" delay="0">
-                  <p:tgtEl>
-                    <p:sldTgt/>
-                  </p:tgtEl>
-                </p:cond>
-              </p:prevCondLst>
-              <p:nextCondLst>
-                <p:cond evt="onNext" delay="0">
-                  <p:tgtEl>
-                    <p:sldTgt/>
-                  </p:tgtEl>
-                </p:cond>
-              </p:nextCondLst>
-            </p:seq>
-          </p:childTnLst>
-        </p:cTn>
-      </p:par>
-    </p:tnLst>
-    <p:bldLst>
-      <p:bldP spid="3" grpId="0" build="p"/>
-    </p:bldLst>
-  </p:timing>
-</p:sld>
-</file>
-
-<file path=ppt/slides/slide7.xml><?xml version="1.0" encoding="utf-8"?>
 <p:sld xmlns:a="http://schemas.openxmlformats.org/drawingml/2006/main" xmlns:r="http://schemas.openxmlformats.org/officeDocument/2006/relationships" xmlns:p="http://schemas.openxmlformats.org/presentationml/2006/main">
   <p:cSld>
     <p:spTree>
@@ -19968,343 +19513,29 @@
   <p:clrMapOvr>
     <a:masterClrMapping/>
   </p:clrMapOvr>
-  <p:transition spd="slow">
-    <p:fade/>
-  </p:transition>
+  <mc:AlternateContent xmlns:mc="http://schemas.openxmlformats.org/markup-compatibility/2006">
+    <mc:Choice xmlns:p14="http://schemas.microsoft.com/office/powerpoint/2010/main" Requires="p14">
+      <p:transition spd="slow" p14:dur="1600">
+        <p14:prism dir="r" isContent="1"/>
+      </p:transition>
+    </mc:Choice>
+    <mc:Fallback>
+      <p:transition spd="slow">
+        <p:fade/>
+      </p:transition>
+    </mc:Fallback>
+  </mc:AlternateContent>
   <p:timing>
     <p:tnLst>
       <p:par>
-        <p:cTn id="1" dur="indefinite" restart="never" nodeType="tmRoot">
-          <p:childTnLst>
-            <p:seq concurrent="1" nextAc="seek">
-              <p:cTn id="2" dur="indefinite" nodeType="mainSeq">
-                <p:childTnLst>
-                  <p:par>
-                    <p:cTn id="3" fill="hold">
-                      <p:stCondLst>
-                        <p:cond delay="indefinite"/>
-                      </p:stCondLst>
-                      <p:childTnLst>
-                        <p:par>
-                          <p:cTn id="4" fill="hold">
-                            <p:stCondLst>
-                              <p:cond delay="0"/>
-                            </p:stCondLst>
-                            <p:childTnLst>
-                              <p:par>
-                                <p:cTn id="5" presetID="30" presetClass="emph" presetSubtype="0" fill="hold" grpId="0" nodeType="clickEffect">
-                                  <p:stCondLst>
-                                    <p:cond delay="0"/>
-                                  </p:stCondLst>
-                                  <p:childTnLst>
-                                    <p:animClr clrSpc="hsl" dir="cw">
-                                      <p:cBhvr override="childStyle">
-                                        <p:cTn id="6" dur="500" fill="hold"/>
-                                        <p:tgtEl>
-                                          <p:spTgt spid="3">
-                                            <p:txEl>
-                                              <p:pRg st="0" end="0"/>
-                                            </p:txEl>
-                                          </p:spTgt>
-                                        </p:tgtEl>
-                                        <p:attrNameLst>
-                                          <p:attrName>style.color</p:attrName>
-                                        </p:attrNameLst>
-                                      </p:cBhvr>
-                                      <p:by>
-                                        <p:hsl h="0" s="12549" l="25098"/>
-                                      </p:by>
-                                    </p:animClr>
-                                    <p:animClr clrSpc="hsl" dir="cw">
-                                      <p:cBhvr>
-                                        <p:cTn id="7" dur="500" fill="hold"/>
-                                        <p:tgtEl>
-                                          <p:spTgt spid="3">
-                                            <p:txEl>
-                                              <p:pRg st="0" end="0"/>
-                                            </p:txEl>
-                                          </p:spTgt>
-                                        </p:tgtEl>
-                                        <p:attrNameLst>
-                                          <p:attrName>fillcolor</p:attrName>
-                                        </p:attrNameLst>
-                                      </p:cBhvr>
-                                      <p:by>
-                                        <p:hsl h="0" s="12549" l="25098"/>
-                                      </p:by>
-                                    </p:animClr>
-                                    <p:animClr clrSpc="hsl" dir="cw">
-                                      <p:cBhvr>
-                                        <p:cTn id="8" dur="500" fill="hold"/>
-                                        <p:tgtEl>
-                                          <p:spTgt spid="3">
-                                            <p:txEl>
-                                              <p:pRg st="0" end="0"/>
-                                            </p:txEl>
-                                          </p:spTgt>
-                                        </p:tgtEl>
-                                        <p:attrNameLst>
-                                          <p:attrName>stroke.color</p:attrName>
-                                        </p:attrNameLst>
-                                      </p:cBhvr>
-                                      <p:by>
-                                        <p:hsl h="0" s="12549" l="25098"/>
-                                      </p:by>
-                                    </p:animClr>
-                                    <p:set>
-                                      <p:cBhvr>
-                                        <p:cTn id="9" dur="500" fill="hold"/>
-                                        <p:tgtEl>
-                                          <p:spTgt spid="3">
-                                            <p:txEl>
-                                              <p:pRg st="0" end="0"/>
-                                            </p:txEl>
-                                          </p:spTgt>
-                                        </p:tgtEl>
-                                        <p:attrNameLst>
-                                          <p:attrName>fill.type</p:attrName>
-                                        </p:attrNameLst>
-                                      </p:cBhvr>
-                                      <p:to>
-                                        <p:strVal val="solid"/>
-                                      </p:to>
-                                    </p:set>
-                                  </p:childTnLst>
-                                </p:cTn>
-                              </p:par>
-                            </p:childTnLst>
-                          </p:cTn>
-                        </p:par>
-                      </p:childTnLst>
-                    </p:cTn>
-                  </p:par>
-                  <p:par>
-                    <p:cTn id="10" fill="hold">
-                      <p:stCondLst>
-                        <p:cond delay="indefinite"/>
-                      </p:stCondLst>
-                      <p:childTnLst>
-                        <p:par>
-                          <p:cTn id="11" fill="hold">
-                            <p:stCondLst>
-                              <p:cond delay="0"/>
-                            </p:stCondLst>
-                            <p:childTnLst>
-                              <p:par>
-                                <p:cTn id="12" presetID="30" presetClass="emph" presetSubtype="0" fill="hold" grpId="0" nodeType="clickEffect">
-                                  <p:stCondLst>
-                                    <p:cond delay="0"/>
-                                  </p:stCondLst>
-                                  <p:childTnLst>
-                                    <p:animClr clrSpc="hsl" dir="cw">
-                                      <p:cBhvr override="childStyle">
-                                        <p:cTn id="13" dur="500" fill="hold"/>
-                                        <p:tgtEl>
-                                          <p:spTgt spid="3">
-                                            <p:txEl>
-                                              <p:pRg st="1" end="1"/>
-                                            </p:txEl>
-                                          </p:spTgt>
-                                        </p:tgtEl>
-                                        <p:attrNameLst>
-                                          <p:attrName>style.color</p:attrName>
-                                        </p:attrNameLst>
-                                      </p:cBhvr>
-                                      <p:by>
-                                        <p:hsl h="0" s="12549" l="25098"/>
-                                      </p:by>
-                                    </p:animClr>
-                                    <p:animClr clrSpc="hsl" dir="cw">
-                                      <p:cBhvr>
-                                        <p:cTn id="14" dur="500" fill="hold"/>
-                                        <p:tgtEl>
-                                          <p:spTgt spid="3">
-                                            <p:txEl>
-                                              <p:pRg st="1" end="1"/>
-                                            </p:txEl>
-                                          </p:spTgt>
-                                        </p:tgtEl>
-                                        <p:attrNameLst>
-                                          <p:attrName>fillcolor</p:attrName>
-                                        </p:attrNameLst>
-                                      </p:cBhvr>
-                                      <p:by>
-                                        <p:hsl h="0" s="12549" l="25098"/>
-                                      </p:by>
-                                    </p:animClr>
-                                    <p:animClr clrSpc="hsl" dir="cw">
-                                      <p:cBhvr>
-                                        <p:cTn id="15" dur="500" fill="hold"/>
-                                        <p:tgtEl>
-                                          <p:spTgt spid="3">
-                                            <p:txEl>
-                                              <p:pRg st="1" end="1"/>
-                                            </p:txEl>
-                                          </p:spTgt>
-                                        </p:tgtEl>
-                                        <p:attrNameLst>
-                                          <p:attrName>stroke.color</p:attrName>
-                                        </p:attrNameLst>
-                                      </p:cBhvr>
-                                      <p:by>
-                                        <p:hsl h="0" s="12549" l="25098"/>
-                                      </p:by>
-                                    </p:animClr>
-                                    <p:set>
-                                      <p:cBhvr>
-                                        <p:cTn id="16" dur="500" fill="hold"/>
-                                        <p:tgtEl>
-                                          <p:spTgt spid="3">
-                                            <p:txEl>
-                                              <p:pRg st="1" end="1"/>
-                                            </p:txEl>
-                                          </p:spTgt>
-                                        </p:tgtEl>
-                                        <p:attrNameLst>
-                                          <p:attrName>fill.type</p:attrName>
-                                        </p:attrNameLst>
-                                      </p:cBhvr>
-                                      <p:to>
-                                        <p:strVal val="solid"/>
-                                      </p:to>
-                                    </p:set>
-                                  </p:childTnLst>
-                                </p:cTn>
-                              </p:par>
-                            </p:childTnLst>
-                          </p:cTn>
-                        </p:par>
-                      </p:childTnLst>
-                    </p:cTn>
-                  </p:par>
-                  <p:par>
-                    <p:cTn id="17" fill="hold">
-                      <p:stCondLst>
-                        <p:cond delay="indefinite"/>
-                      </p:stCondLst>
-                      <p:childTnLst>
-                        <p:par>
-                          <p:cTn id="18" fill="hold">
-                            <p:stCondLst>
-                              <p:cond delay="0"/>
-                            </p:stCondLst>
-                            <p:childTnLst>
-                              <p:par>
-                                <p:cTn id="19" presetID="30" presetClass="emph" presetSubtype="0" fill="hold" grpId="0" nodeType="clickEffect">
-                                  <p:stCondLst>
-                                    <p:cond delay="0"/>
-                                  </p:stCondLst>
-                                  <p:childTnLst>
-                                    <p:animClr clrSpc="hsl" dir="cw">
-                                      <p:cBhvr override="childStyle">
-                                        <p:cTn id="20" dur="500" fill="hold"/>
-                                        <p:tgtEl>
-                                          <p:spTgt spid="3">
-                                            <p:txEl>
-                                              <p:pRg st="3" end="3"/>
-                                            </p:txEl>
-                                          </p:spTgt>
-                                        </p:tgtEl>
-                                        <p:attrNameLst>
-                                          <p:attrName>style.color</p:attrName>
-                                        </p:attrNameLst>
-                                      </p:cBhvr>
-                                      <p:by>
-                                        <p:hsl h="0" s="12549" l="25098"/>
-                                      </p:by>
-                                    </p:animClr>
-                                    <p:animClr clrSpc="hsl" dir="cw">
-                                      <p:cBhvr>
-                                        <p:cTn id="21" dur="500" fill="hold"/>
-                                        <p:tgtEl>
-                                          <p:spTgt spid="3">
-                                            <p:txEl>
-                                              <p:pRg st="3" end="3"/>
-                                            </p:txEl>
-                                          </p:spTgt>
-                                        </p:tgtEl>
-                                        <p:attrNameLst>
-                                          <p:attrName>fillcolor</p:attrName>
-                                        </p:attrNameLst>
-                                      </p:cBhvr>
-                                      <p:by>
-                                        <p:hsl h="0" s="12549" l="25098"/>
-                                      </p:by>
-                                    </p:animClr>
-                                    <p:animClr clrSpc="hsl" dir="cw">
-                                      <p:cBhvr>
-                                        <p:cTn id="22" dur="500" fill="hold"/>
-                                        <p:tgtEl>
-                                          <p:spTgt spid="3">
-                                            <p:txEl>
-                                              <p:pRg st="3" end="3"/>
-                                            </p:txEl>
-                                          </p:spTgt>
-                                        </p:tgtEl>
-                                        <p:attrNameLst>
-                                          <p:attrName>stroke.color</p:attrName>
-                                        </p:attrNameLst>
-                                      </p:cBhvr>
-                                      <p:by>
-                                        <p:hsl h="0" s="12549" l="25098"/>
-                                      </p:by>
-                                    </p:animClr>
-                                    <p:set>
-                                      <p:cBhvr>
-                                        <p:cTn id="23" dur="500" fill="hold"/>
-                                        <p:tgtEl>
-                                          <p:spTgt spid="3">
-                                            <p:txEl>
-                                              <p:pRg st="3" end="3"/>
-                                            </p:txEl>
-                                          </p:spTgt>
-                                        </p:tgtEl>
-                                        <p:attrNameLst>
-                                          <p:attrName>fill.type</p:attrName>
-                                        </p:attrNameLst>
-                                      </p:cBhvr>
-                                      <p:to>
-                                        <p:strVal val="solid"/>
-                                      </p:to>
-                                    </p:set>
-                                  </p:childTnLst>
-                                </p:cTn>
-                              </p:par>
-                            </p:childTnLst>
-                          </p:cTn>
-                        </p:par>
-                      </p:childTnLst>
-                    </p:cTn>
-                  </p:par>
-                </p:childTnLst>
-              </p:cTn>
-              <p:prevCondLst>
-                <p:cond evt="onPrev" delay="0">
-                  <p:tgtEl>
-                    <p:sldTgt/>
-                  </p:tgtEl>
-                </p:cond>
-              </p:prevCondLst>
-              <p:nextCondLst>
-                <p:cond evt="onNext" delay="0">
-                  <p:tgtEl>
-                    <p:sldTgt/>
-                  </p:tgtEl>
-                </p:cond>
-              </p:nextCondLst>
-            </p:seq>
-          </p:childTnLst>
-        </p:cTn>
+        <p:cTn id="1" dur="indefinite" restart="never" nodeType="tmRoot"/>
       </p:par>
     </p:tnLst>
-    <p:bldLst>
-      <p:bldP spid="3" grpId="0" build="p"/>
-    </p:bldLst>
   </p:timing>
 </p:sld>
 </file>
 
-<file path=ppt/slides/slide8.xml><?xml version="1.0" encoding="utf-8"?>
+<file path=ppt/slides/slide5.xml><?xml version="1.0" encoding="utf-8"?>
 <p:sld xmlns:a="http://schemas.openxmlformats.org/drawingml/2006/main" xmlns:r="http://schemas.openxmlformats.org/officeDocument/2006/relationships" xmlns:p="http://schemas.openxmlformats.org/presentationml/2006/main">
   <p:cSld>
     <p:spTree>
@@ -20818,9 +20049,18 @@
   <p:clrMapOvr>
     <a:masterClrMapping/>
   </p:clrMapOvr>
-  <p:transition spd="slow">
-    <p:fade/>
-  </p:transition>
+  <mc:AlternateContent xmlns:mc="http://schemas.openxmlformats.org/markup-compatibility/2006">
+    <mc:Choice xmlns:p14="http://schemas.microsoft.com/office/powerpoint/2010/main" Requires="p14">
+      <p:transition spd="slow" p14:dur="2000">
+        <p14:prism dir="u" isContent="1"/>
+      </p:transition>
+    </mc:Choice>
+    <mc:Fallback>
+      <p:transition spd="slow">
+        <p:fade/>
+      </p:transition>
+    </mc:Fallback>
+  </mc:AlternateContent>
   <p:timing>
     <p:tnLst>
       <p:par>
@@ -20831,7 +20071,7 @@
 </p:sld>
 </file>
 
-<file path=ppt/slides/slide9.xml><?xml version="1.0" encoding="utf-8"?>
+<file path=ppt/slides/slide6.xml><?xml version="1.0" encoding="utf-8"?>
 <p:sld xmlns:a="http://schemas.openxmlformats.org/drawingml/2006/main" xmlns:r="http://schemas.openxmlformats.org/officeDocument/2006/relationships" xmlns:p="http://schemas.openxmlformats.org/presentationml/2006/main">
   <p:cSld>
     <p:spTree>
@@ -20860,23 +20100,21 @@
         </p:nvSpPr>
         <p:spPr/>
         <p:txBody>
-          <a:bodyPr>
-            <a:normAutofit/>
-          </a:bodyPr>
+          <a:bodyPr/>
           <a:lstStyle/>
           <a:p>
-            <a:pPr lvl="0" algn="ctr"/>
+            <a:pPr marL="0" indent="0" algn="ctr"/>
             <a:r>
-              <a:rPr lang="th-TH" b="1" dirty="0">
+              <a:rPr lang="th-TH" b="1" dirty="0" smtClean="0">
                 <a:solidFill>
                   <a:srgbClr val="000000"/>
                 </a:solidFill>
                 <a:latin typeface="Angsana New" panose="02020603050405020304" pitchFamily="18" charset="-34"/>
                 <a:cs typeface="Angsana New" panose="02020603050405020304" pitchFamily="18" charset="-34"/>
               </a:rPr>
-              <a:t>วิธีการดำเนินการ </a:t>
+              <a:t>สิ่งที่ทำแล้ว</a:t>
             </a:r>
-            <a:endParaRPr lang="en-US" dirty="0">
+            <a:endParaRPr lang="th-TH" b="1" dirty="0">
               <a:solidFill>
                 <a:srgbClr val="000000"/>
               </a:solidFill>
@@ -20898,30 +20136,15 @@
         </p:nvSpPr>
         <p:spPr>
           <a:xfrm>
-            <a:off x="677334" y="1611087"/>
-            <a:ext cx="8596668" cy="4110962"/>
+            <a:off x="257362" y="1018736"/>
+            <a:ext cx="9163352" cy="677330"/>
           </a:xfrm>
         </p:spPr>
         <p:txBody>
           <a:bodyPr>
-            <a:normAutofit/>
+            <a:noAutofit/>
           </a:bodyPr>
           <a:lstStyle/>
-          <a:p>
-            <a:pPr marL="0" indent="0">
-              <a:buNone/>
-            </a:pPr>
-            <a:r>
-              <a:rPr lang="th-TH" sz="2800" b="1" dirty="0" smtClean="0">
-                <a:solidFill>
-                  <a:srgbClr val="000000"/>
-                </a:solidFill>
-                <a:latin typeface="Angsana New" panose="02020603050405020304" pitchFamily="18" charset="-34"/>
-                <a:cs typeface="Angsana New" panose="02020603050405020304" pitchFamily="18" charset="-34"/>
-              </a:rPr>
-              <a:t>9.1   ศึกษารวบรวมข้อมูลที่จำเป็นในการจัดทำเกม</a:t>
-            </a:r>
-          </a:p>
           <a:p>
             <a:r>
               <a:rPr lang="th-TH" sz="2800" dirty="0" smtClean="0">
@@ -20931,50 +20154,19 @@
                 <a:latin typeface="Angsana New" panose="02020603050405020304" pitchFamily="18" charset="-34"/>
                 <a:cs typeface="Angsana New" panose="02020603050405020304" pitchFamily="18" charset="-34"/>
               </a:rPr>
-              <a:t>	ศึกษาการเขียนโปรแกรมภาษา </a:t>
-            </a:r>
-            <a:r>
-              <a:rPr lang="en-US" sz="2800" dirty="0" smtClean="0">
-                <a:solidFill>
-                  <a:srgbClr val="000000"/>
-                </a:solidFill>
-                <a:latin typeface="Angsana New" panose="02020603050405020304" pitchFamily="18" charset="-34"/>
-                <a:cs typeface="Angsana New" panose="02020603050405020304" pitchFamily="18" charset="-34"/>
-              </a:rPr>
-              <a:t>C#</a:t>
+              <a:t>ออกแบบหน้าจอเมนู</a:t>
             </a:r>
           </a:p>
           <a:p>
-            <a:r>
-              <a:rPr lang="en-US" sz="2800" dirty="0" smtClean="0">
-                <a:solidFill>
-                  <a:srgbClr val="000000"/>
-                </a:solidFill>
-                <a:latin typeface="Angsana New" panose="02020603050405020304" pitchFamily="18" charset="-34"/>
-                <a:cs typeface="Angsana New" panose="02020603050405020304" pitchFamily="18" charset="-34"/>
-              </a:rPr>
-              <a:t>	</a:t>
-            </a:r>
-            <a:r>
-              <a:rPr lang="th-TH" sz="2800" dirty="0" smtClean="0">
-                <a:solidFill>
-                  <a:srgbClr val="000000"/>
-                </a:solidFill>
-                <a:latin typeface="Angsana New" panose="02020603050405020304" pitchFamily="18" charset="-34"/>
-                <a:cs typeface="Angsana New" panose="02020603050405020304" pitchFamily="18" charset="-34"/>
-              </a:rPr>
-              <a:t>ศึกษาการทำเกมสองมิติด้วยโปรแกรมยู</a:t>
-            </a:r>
-            <a:r>
-              <a:rPr lang="th-TH" sz="2800" dirty="0" err="1" smtClean="0">
-                <a:solidFill>
-                  <a:srgbClr val="000000"/>
-                </a:solidFill>
-                <a:latin typeface="Angsana New" panose="02020603050405020304" pitchFamily="18" charset="-34"/>
-                <a:cs typeface="Angsana New" panose="02020603050405020304" pitchFamily="18" charset="-34"/>
-              </a:rPr>
-              <a:t>นิตี้</a:t>
-            </a:r>
+            <a:endParaRPr lang="th-TH" sz="2800" dirty="0">
+              <a:solidFill>
+                <a:srgbClr val="000000"/>
+              </a:solidFill>
+              <a:latin typeface="Angsana New" panose="02020603050405020304" pitchFamily="18" charset="-34"/>
+              <a:cs typeface="Angsana New" panose="02020603050405020304" pitchFamily="18" charset="-34"/>
+            </a:endParaRPr>
+          </a:p>
+          <a:p>
             <a:endParaRPr lang="th-TH" sz="2800" dirty="0" smtClean="0">
               <a:solidFill>
                 <a:srgbClr val="000000"/>
@@ -20984,26 +20176,15 @@
             </a:endParaRPr>
           </a:p>
           <a:p>
-            <a:r>
-              <a:rPr lang="th-TH" sz="2800" dirty="0" smtClean="0">
-                <a:solidFill>
-                  <a:srgbClr val="000000"/>
-                </a:solidFill>
-                <a:latin typeface="Angsana New" panose="02020603050405020304" pitchFamily="18" charset="-34"/>
-                <a:cs typeface="Angsana New" panose="02020603050405020304" pitchFamily="18" charset="-34"/>
-              </a:rPr>
-              <a:t>	ศึกษาขั้นตอนการพัฒนาเกมบนระบบปฏิบัติการแอน</a:t>
-            </a:r>
-            <a:r>
-              <a:rPr lang="th-TH" sz="2800" dirty="0" err="1" smtClean="0">
-                <a:solidFill>
-                  <a:srgbClr val="000000"/>
-                </a:solidFill>
-                <a:latin typeface="Angsana New" panose="02020603050405020304" pitchFamily="18" charset="-34"/>
-                <a:cs typeface="Angsana New" panose="02020603050405020304" pitchFamily="18" charset="-34"/>
-              </a:rPr>
-              <a:t>ดรอยด์</a:t>
-            </a:r>
+            <a:endParaRPr lang="th-TH" sz="2800" dirty="0">
+              <a:solidFill>
+                <a:srgbClr val="000000"/>
+              </a:solidFill>
+              <a:latin typeface="Angsana New" panose="02020603050405020304" pitchFamily="18" charset="-34"/>
+              <a:cs typeface="Angsana New" panose="02020603050405020304" pitchFamily="18" charset="-34"/>
+            </a:endParaRPr>
+          </a:p>
+          <a:p>
             <a:endParaRPr lang="th-TH" sz="2800" dirty="0" smtClean="0">
               <a:solidFill>
                 <a:srgbClr val="000000"/>
@@ -21013,18 +20194,39 @@
             </a:endParaRPr>
           </a:p>
           <a:p>
-            <a:r>
-              <a:rPr lang="th-TH" sz="2800" dirty="0" smtClean="0">
-                <a:solidFill>
-                  <a:srgbClr val="000000"/>
-                </a:solidFill>
-                <a:latin typeface="Angsana New" panose="02020603050405020304" pitchFamily="18" charset="-34"/>
-                <a:cs typeface="Angsana New" panose="02020603050405020304" pitchFamily="18" charset="-34"/>
-              </a:rPr>
-              <a:t>	ศึกษาประเภทของสัตว์ป่าไปใช้ในการออกแบบฉากและตัวละครในเกม</a:t>
-            </a:r>
+            <a:endParaRPr lang="th-TH" sz="2800" dirty="0">
+              <a:solidFill>
+                <a:srgbClr val="000000"/>
+              </a:solidFill>
+              <a:latin typeface="Angsana New" panose="02020603050405020304" pitchFamily="18" charset="-34"/>
+              <a:cs typeface="Angsana New" panose="02020603050405020304" pitchFamily="18" charset="-34"/>
+            </a:endParaRPr>
           </a:p>
           <a:p>
+            <a:endParaRPr lang="th-TH" sz="2800" dirty="0" smtClean="0">
+              <a:solidFill>
+                <a:srgbClr val="000000"/>
+              </a:solidFill>
+              <a:latin typeface="Angsana New" panose="02020603050405020304" pitchFamily="18" charset="-34"/>
+              <a:cs typeface="Angsana New" panose="02020603050405020304" pitchFamily="18" charset="-34"/>
+            </a:endParaRPr>
+          </a:p>
+          <a:p>
+            <a:pPr marL="0" indent="0">
+              <a:buNone/>
+            </a:pPr>
+            <a:endParaRPr lang="th-TH" sz="2800" dirty="0" smtClean="0">
+              <a:solidFill>
+                <a:srgbClr val="000000"/>
+              </a:solidFill>
+              <a:latin typeface="Angsana New" panose="02020603050405020304" pitchFamily="18" charset="-34"/>
+              <a:cs typeface="Angsana New" panose="02020603050405020304" pitchFamily="18" charset="-34"/>
+            </a:endParaRPr>
+          </a:p>
+          <a:p>
+            <a:pPr marL="0" indent="0">
+              <a:buNone/>
+            </a:pPr>
             <a:endParaRPr lang="th-TH" sz="2800" dirty="0">
               <a:solidFill>
                 <a:srgbClr val="000000"/>
@@ -21108,19 +20310,274 @@
           </a:prstGeom>
         </p:spPr>
       </p:pic>
+      <p:pic>
+        <p:nvPicPr>
+          <p:cNvPr id="2050" name="Picture 2" descr="D:\IT\4\term2\Project_animal\ppt\รูปใช้สอบก้าวหน้า\ออกแบบหน้าจอ1.png"/>
+          <p:cNvPicPr>
+            <a:picLocks noChangeAspect="1" noChangeArrowheads="1"/>
+          </p:cNvPicPr>
+          <p:nvPr/>
+        </p:nvPicPr>
+        <p:blipFill>
+          <a:blip r:embed="rId3">
+            <a:extLst>
+              <a:ext uri="{28A0092B-C50C-407E-A947-70E740481C1C}">
+                <a14:useLocalDpi xmlns:a14="http://schemas.microsoft.com/office/drawing/2010/main" val="0"/>
+              </a:ext>
+            </a:extLst>
+          </a:blip>
+          <a:srcRect/>
+          <a:stretch>
+            <a:fillRect/>
+          </a:stretch>
+        </p:blipFill>
+        <p:spPr bwMode="auto">
+          <a:xfrm>
+            <a:off x="407250" y="1612767"/>
+            <a:ext cx="3488175" cy="2386123"/>
+          </a:xfrm>
+          <a:prstGeom prst="rect">
+            <a:avLst/>
+          </a:prstGeom>
+          <a:noFill/>
+          <a:extLst>
+            <a:ext uri="{909E8E84-426E-40DD-AFC4-6F175D3DCCD1}">
+              <a14:hiddenFill xmlns:a14="http://schemas.microsoft.com/office/drawing/2010/main">
+                <a:solidFill>
+                  <a:srgbClr val="FFFFFF"/>
+                </a:solidFill>
+              </a14:hiddenFill>
+            </a:ext>
+          </a:extLst>
+        </p:spPr>
+      </p:pic>
+      <p:pic>
+        <p:nvPicPr>
+          <p:cNvPr id="2051" name="Picture 3" descr="D:\IT\4\term2\Project_animal\ppt\รูปใช้สอบก้าวหน้า\ออกแบบหน้าจอ2.png"/>
+          <p:cNvPicPr>
+            <a:picLocks noChangeAspect="1" noChangeArrowheads="1"/>
+          </p:cNvPicPr>
+          <p:nvPr/>
+        </p:nvPicPr>
+        <p:blipFill>
+          <a:blip r:embed="rId4">
+            <a:extLst>
+              <a:ext uri="{28A0092B-C50C-407E-A947-70E740481C1C}">
+                <a14:useLocalDpi xmlns:a14="http://schemas.microsoft.com/office/drawing/2010/main" val="0"/>
+              </a:ext>
+            </a:extLst>
+          </a:blip>
+          <a:srcRect/>
+          <a:stretch>
+            <a:fillRect/>
+          </a:stretch>
+        </p:blipFill>
+        <p:spPr bwMode="auto">
+          <a:xfrm>
+            <a:off x="3928011" y="1612767"/>
+            <a:ext cx="4109859" cy="2292992"/>
+          </a:xfrm>
+          <a:prstGeom prst="rect">
+            <a:avLst/>
+          </a:prstGeom>
+          <a:noFill/>
+          <a:extLst>
+            <a:ext uri="{909E8E84-426E-40DD-AFC4-6F175D3DCCD1}">
+              <a14:hiddenFill xmlns:a14="http://schemas.microsoft.com/office/drawing/2010/main">
+                <a:solidFill>
+                  <a:srgbClr val="FFFFFF"/>
+                </a:solidFill>
+              </a14:hiddenFill>
+            </a:ext>
+          </a:extLst>
+        </p:spPr>
+      </p:pic>
+      <p:pic>
+        <p:nvPicPr>
+          <p:cNvPr id="2052" name="Picture 4" descr="D:\IT\4\term2\Project_animal\ppt\รูปใช้สอบก้าวหน้า\ออกแบบหน้าจอ3.png"/>
+          <p:cNvPicPr>
+            <a:picLocks noChangeAspect="1" noChangeArrowheads="1"/>
+          </p:cNvPicPr>
+          <p:nvPr/>
+        </p:nvPicPr>
+        <p:blipFill>
+          <a:blip r:embed="rId5">
+            <a:extLst>
+              <a:ext uri="{28A0092B-C50C-407E-A947-70E740481C1C}">
+                <a14:useLocalDpi xmlns:a14="http://schemas.microsoft.com/office/drawing/2010/main" val="0"/>
+              </a:ext>
+            </a:extLst>
+          </a:blip>
+          <a:srcRect/>
+          <a:stretch>
+            <a:fillRect/>
+          </a:stretch>
+        </p:blipFill>
+        <p:spPr bwMode="auto">
+          <a:xfrm>
+            <a:off x="8037870" y="1869710"/>
+            <a:ext cx="3566211" cy="2033923"/>
+          </a:xfrm>
+          <a:prstGeom prst="rect">
+            <a:avLst/>
+          </a:prstGeom>
+          <a:noFill/>
+          <a:extLst>
+            <a:ext uri="{909E8E84-426E-40DD-AFC4-6F175D3DCCD1}">
+              <a14:hiddenFill xmlns:a14="http://schemas.microsoft.com/office/drawing/2010/main">
+                <a:solidFill>
+                  <a:srgbClr val="FFFFFF"/>
+                </a:solidFill>
+              </a14:hiddenFill>
+            </a:ext>
+          </a:extLst>
+        </p:spPr>
+      </p:pic>
+      <p:pic>
+        <p:nvPicPr>
+          <p:cNvPr id="2053" name="Picture 5" descr="D:\IT\4\term2\Project_animal\ppt\รูปใช้สอบก้าวหน้า\ออกแบบหน้าจอ4.png"/>
+          <p:cNvPicPr>
+            <a:picLocks noChangeAspect="1" noChangeArrowheads="1"/>
+          </p:cNvPicPr>
+          <p:nvPr/>
+        </p:nvPicPr>
+        <p:blipFill>
+          <a:blip r:embed="rId6" cstate="print">
+            <a:extLst>
+              <a:ext uri="{28A0092B-C50C-407E-A947-70E740481C1C}">
+                <a14:useLocalDpi xmlns:a14="http://schemas.microsoft.com/office/drawing/2010/main" val="0"/>
+              </a:ext>
+            </a:extLst>
+          </a:blip>
+          <a:srcRect/>
+          <a:stretch>
+            <a:fillRect/>
+          </a:stretch>
+        </p:blipFill>
+        <p:spPr bwMode="auto">
+          <a:xfrm>
+            <a:off x="604685" y="4147264"/>
+            <a:ext cx="3467722" cy="2267034"/>
+          </a:xfrm>
+          <a:prstGeom prst="rect">
+            <a:avLst/>
+          </a:prstGeom>
+          <a:noFill/>
+          <a:extLst>
+            <a:ext uri="{909E8E84-426E-40DD-AFC4-6F175D3DCCD1}">
+              <a14:hiddenFill xmlns:a14="http://schemas.microsoft.com/office/drawing/2010/main">
+                <a:solidFill>
+                  <a:srgbClr val="FFFFFF"/>
+                </a:solidFill>
+              </a14:hiddenFill>
+            </a:ext>
+          </a:extLst>
+        </p:spPr>
+      </p:pic>
+      <p:pic>
+        <p:nvPicPr>
+          <p:cNvPr id="2054" name="Picture 6" descr="D:\IT\4\term2\Project_animal\ppt\รูปใช้สอบก้าวหน้า\ออกแบบหน้าจอ5.png"/>
+          <p:cNvPicPr>
+            <a:picLocks noChangeAspect="1" noChangeArrowheads="1"/>
+          </p:cNvPicPr>
+          <p:nvPr/>
+        </p:nvPicPr>
+        <p:blipFill>
+          <a:blip r:embed="rId7" cstate="print">
+            <a:extLst>
+              <a:ext uri="{28A0092B-C50C-407E-A947-70E740481C1C}">
+                <a14:useLocalDpi xmlns:a14="http://schemas.microsoft.com/office/drawing/2010/main" val="0"/>
+              </a:ext>
+            </a:extLst>
+          </a:blip>
+          <a:srcRect/>
+          <a:stretch>
+            <a:fillRect/>
+          </a:stretch>
+        </p:blipFill>
+        <p:spPr bwMode="auto">
+          <a:xfrm>
+            <a:off x="4514425" y="4167643"/>
+            <a:ext cx="3024286" cy="2099023"/>
+          </a:xfrm>
+          <a:prstGeom prst="rect">
+            <a:avLst/>
+          </a:prstGeom>
+          <a:noFill/>
+          <a:extLst>
+            <a:ext uri="{909E8E84-426E-40DD-AFC4-6F175D3DCCD1}">
+              <a14:hiddenFill xmlns:a14="http://schemas.microsoft.com/office/drawing/2010/main">
+                <a:solidFill>
+                  <a:srgbClr val="FFFFFF"/>
+                </a:solidFill>
+              </a14:hiddenFill>
+            </a:ext>
+          </a:extLst>
+        </p:spPr>
+      </p:pic>
+      <p:pic>
+        <p:nvPicPr>
+          <p:cNvPr id="2055" name="Picture 7" descr="D:\IT\4\term2\Project_animal\ppt\รูปใช้สอบก้าวหน้า\ออกแบบหน้าจอ6.png"/>
+          <p:cNvPicPr>
+            <a:picLocks noChangeAspect="1" noChangeArrowheads="1"/>
+          </p:cNvPicPr>
+          <p:nvPr/>
+        </p:nvPicPr>
+        <p:blipFill>
+          <a:blip r:embed="rId8" cstate="print">
+            <a:extLst>
+              <a:ext uri="{28A0092B-C50C-407E-A947-70E740481C1C}">
+                <a14:useLocalDpi xmlns:a14="http://schemas.microsoft.com/office/drawing/2010/main" val="0"/>
+              </a:ext>
+            </a:extLst>
+          </a:blip>
+          <a:srcRect/>
+          <a:stretch>
+            <a:fillRect/>
+          </a:stretch>
+        </p:blipFill>
+        <p:spPr bwMode="auto">
+          <a:xfrm>
+            <a:off x="8188551" y="4141029"/>
+            <a:ext cx="3264848" cy="2251724"/>
+          </a:xfrm>
+          <a:prstGeom prst="rect">
+            <a:avLst/>
+          </a:prstGeom>
+          <a:noFill/>
+          <a:extLst>
+            <a:ext uri="{909E8E84-426E-40DD-AFC4-6F175D3DCCD1}">
+              <a14:hiddenFill xmlns:a14="http://schemas.microsoft.com/office/drawing/2010/main">
+                <a:solidFill>
+                  <a:srgbClr val="FFFFFF"/>
+                </a:solidFill>
+              </a14:hiddenFill>
+            </a:ext>
+          </a:extLst>
+        </p:spPr>
+      </p:pic>
     </p:spTree>
     <p:extLst>
       <p:ext uri="{BB962C8B-B14F-4D97-AF65-F5344CB8AC3E}">
-        <p14:creationId xmlns:p14="http://schemas.microsoft.com/office/powerpoint/2010/main" val="2800657684"/>
+        <p14:creationId xmlns:p14="http://schemas.microsoft.com/office/powerpoint/2010/main" val="1061670476"/>
       </p:ext>
     </p:extLst>
   </p:cSld>
   <p:clrMapOvr>
     <a:masterClrMapping/>
   </p:clrMapOvr>
-  <p:transition spd="slow">
-    <p:fade/>
-  </p:transition>
+  <mc:AlternateContent xmlns:mc="http://schemas.openxmlformats.org/markup-compatibility/2006">
+    <mc:Choice xmlns:p14="http://schemas.microsoft.com/office/powerpoint/2010/main" Requires="p14">
+      <p:transition spd="med" p14:dur="700">
+        <p:fade/>
+      </p:transition>
+    </mc:Choice>
+    <mc:Fallback>
+      <p:transition spd="med">
+        <p:fade/>
+      </p:transition>
+    </mc:Fallback>
+  </mc:AlternateContent>
   <p:timing>
     <p:tnLst>
       <p:par>
@@ -21142,7 +20599,7 @@
                             </p:stCondLst>
                             <p:childTnLst>
                               <p:par>
-                                <p:cTn id="5" presetID="53" presetClass="entr" presetSubtype="16" fill="hold" grpId="0" nodeType="clickEffect">
+                                <p:cTn id="5" presetID="10" presetClass="entr" presetSubtype="0" fill="hold" grpId="0" nodeType="clickEffect">
                                   <p:stCondLst>
                                     <p:cond delay="0"/>
                                   </p:stCondLst>
@@ -21169,15 +20626,68 @@
                                         <p:strVal val="visible"/>
                                       </p:to>
                                     </p:set>
-                                    <p:anim calcmode="lin" valueType="num">
+                                    <p:animEffect transition="in" filter="fade">
                                       <p:cBhvr>
-                                        <p:cTn id="7" dur="500" fill="hold"/>
+                                        <p:cTn id="7" dur="500"/>
                                         <p:tgtEl>
                                           <p:spTgt spid="3">
                                             <p:txEl>
                                               <p:pRg st="0" end="0"/>
                                             </p:txEl>
                                           </p:spTgt>
+                                        </p:tgtEl>
+                                      </p:cBhvr>
+                                    </p:animEffect>
+                                  </p:childTnLst>
+                                </p:cTn>
+                              </p:par>
+                            </p:childTnLst>
+                          </p:cTn>
+                        </p:par>
+                      </p:childTnLst>
+                    </p:cTn>
+                  </p:par>
+                  <p:par>
+                    <p:cTn id="8" fill="hold">
+                      <p:stCondLst>
+                        <p:cond delay="indefinite"/>
+                      </p:stCondLst>
+                      <p:childTnLst>
+                        <p:par>
+                          <p:cTn id="9" fill="hold">
+                            <p:stCondLst>
+                              <p:cond delay="0"/>
+                            </p:stCondLst>
+                            <p:childTnLst>
+                              <p:par>
+                                <p:cTn id="10" presetID="53" presetClass="entr" presetSubtype="16" fill="hold" nodeType="clickEffect">
+                                  <p:stCondLst>
+                                    <p:cond delay="0"/>
+                                  </p:stCondLst>
+                                  <p:childTnLst>
+                                    <p:set>
+                                      <p:cBhvr>
+                                        <p:cTn id="11" dur="1" fill="hold">
+                                          <p:stCondLst>
+                                            <p:cond delay="0"/>
+                                          </p:stCondLst>
+                                        </p:cTn>
+                                        <p:tgtEl>
+                                          <p:spTgt spid="2050"/>
+                                        </p:tgtEl>
+                                        <p:attrNameLst>
+                                          <p:attrName>style.visibility</p:attrName>
+                                        </p:attrNameLst>
+                                      </p:cBhvr>
+                                      <p:to>
+                                        <p:strVal val="visible"/>
+                                      </p:to>
+                                    </p:set>
+                                    <p:anim calcmode="lin" valueType="num">
+                                      <p:cBhvr>
+                                        <p:cTn id="12" dur="1500" fill="hold"/>
+                                        <p:tgtEl>
+                                          <p:spTgt spid="2050"/>
                                         </p:tgtEl>
                                         <p:attrNameLst>
                                           <p:attrName>ppt_w</p:attrName>
@@ -21198,13 +20708,9 @@
                                     </p:anim>
                                     <p:anim calcmode="lin" valueType="num">
                                       <p:cBhvr>
-                                        <p:cTn id="8" dur="500" fill="hold"/>
+                                        <p:cTn id="13" dur="1500" fill="hold"/>
                                         <p:tgtEl>
-                                          <p:spTgt spid="3">
-                                            <p:txEl>
-                                              <p:pRg st="0" end="0"/>
-                                            </p:txEl>
-                                          </p:spTgt>
+                                          <p:spTgt spid="2050"/>
                                         </p:tgtEl>
                                         <p:attrNameLst>
                                           <p:attrName>ppt_h</p:attrName>
@@ -21225,13 +20731,9 @@
                                     </p:anim>
                                     <p:animEffect transition="in" filter="fade">
                                       <p:cBhvr>
-                                        <p:cTn id="9" dur="500"/>
+                                        <p:cTn id="14" dur="1500"/>
                                         <p:tgtEl>
-                                          <p:spTgt spid="3">
-                                            <p:txEl>
-                                              <p:pRg st="0" end="0"/>
-                                            </p:txEl>
-                                          </p:spTgt>
+                                          <p:spTgt spid="2050"/>
                                         </p:tgtEl>
                                       </p:cBhvr>
                                     </p:animEffect>
@@ -21245,36 +20747,32 @@
                     </p:cTn>
                   </p:par>
                   <p:par>
-                    <p:cTn id="10" fill="hold">
+                    <p:cTn id="15" fill="hold">
                       <p:stCondLst>
                         <p:cond delay="indefinite"/>
                       </p:stCondLst>
                       <p:childTnLst>
                         <p:par>
-                          <p:cTn id="11" fill="hold">
+                          <p:cTn id="16" fill="hold">
                             <p:stCondLst>
                               <p:cond delay="0"/>
                             </p:stCondLst>
                             <p:childTnLst>
                               <p:par>
-                                <p:cTn id="12" presetID="53" presetClass="entr" presetSubtype="16" fill="hold" grpId="0" nodeType="clickEffect">
+                                <p:cTn id="17" presetID="53" presetClass="entr" presetSubtype="16" fill="hold" nodeType="clickEffect">
                                   <p:stCondLst>
                                     <p:cond delay="0"/>
                                   </p:stCondLst>
                                   <p:childTnLst>
                                     <p:set>
                                       <p:cBhvr>
-                                        <p:cTn id="13" dur="1" fill="hold">
+                                        <p:cTn id="18" dur="1" fill="hold">
                                           <p:stCondLst>
                                             <p:cond delay="0"/>
                                           </p:stCondLst>
                                         </p:cTn>
                                         <p:tgtEl>
-                                          <p:spTgt spid="3">
-                                            <p:txEl>
-                                              <p:pRg st="1" end="1"/>
-                                            </p:txEl>
-                                          </p:spTgt>
+                                          <p:spTgt spid="2051"/>
                                         </p:tgtEl>
                                         <p:attrNameLst>
                                           <p:attrName>style.visibility</p:attrName>
@@ -21286,13 +20784,9 @@
                                     </p:set>
                                     <p:anim calcmode="lin" valueType="num">
                                       <p:cBhvr>
-                                        <p:cTn id="14" dur="500" fill="hold"/>
+                                        <p:cTn id="19" dur="1500" fill="hold"/>
                                         <p:tgtEl>
-                                          <p:spTgt spid="3">
-                                            <p:txEl>
-                                              <p:pRg st="1" end="1"/>
-                                            </p:txEl>
-                                          </p:spTgt>
+                                          <p:spTgt spid="2051"/>
                                         </p:tgtEl>
                                         <p:attrNameLst>
                                           <p:attrName>ppt_w</p:attrName>
@@ -21313,13 +20807,9 @@
                                     </p:anim>
                                     <p:anim calcmode="lin" valueType="num">
                                       <p:cBhvr>
-                                        <p:cTn id="15" dur="500" fill="hold"/>
+                                        <p:cTn id="20" dur="1500" fill="hold"/>
                                         <p:tgtEl>
-                                          <p:spTgt spid="3">
-                                            <p:txEl>
-                                              <p:pRg st="1" end="1"/>
-                                            </p:txEl>
-                                          </p:spTgt>
+                                          <p:spTgt spid="2051"/>
                                         </p:tgtEl>
                                         <p:attrNameLst>
                                           <p:attrName>ppt_h</p:attrName>
@@ -21340,13 +20830,9 @@
                                     </p:anim>
                                     <p:animEffect transition="in" filter="fade">
                                       <p:cBhvr>
-                                        <p:cTn id="16" dur="500"/>
+                                        <p:cTn id="21" dur="1500"/>
                                         <p:tgtEl>
-                                          <p:spTgt spid="3">
-                                            <p:txEl>
-                                              <p:pRg st="1" end="1"/>
-                                            </p:txEl>
-                                          </p:spTgt>
+                                          <p:spTgt spid="2051"/>
                                         </p:tgtEl>
                                       </p:cBhvr>
                                     </p:animEffect>
@@ -21360,36 +20846,32 @@
                     </p:cTn>
                   </p:par>
                   <p:par>
-                    <p:cTn id="17" fill="hold">
+                    <p:cTn id="22" fill="hold">
                       <p:stCondLst>
                         <p:cond delay="indefinite"/>
                       </p:stCondLst>
                       <p:childTnLst>
                         <p:par>
-                          <p:cTn id="18" fill="hold">
+                          <p:cTn id="23" fill="hold">
                             <p:stCondLst>
                               <p:cond delay="0"/>
                             </p:stCondLst>
                             <p:childTnLst>
                               <p:par>
-                                <p:cTn id="19" presetID="53" presetClass="entr" presetSubtype="16" fill="hold" grpId="0" nodeType="clickEffect">
+                                <p:cTn id="24" presetID="53" presetClass="entr" presetSubtype="16" fill="hold" nodeType="clickEffect">
                                   <p:stCondLst>
                                     <p:cond delay="0"/>
                                   </p:stCondLst>
                                   <p:childTnLst>
                                     <p:set>
                                       <p:cBhvr>
-                                        <p:cTn id="20" dur="1" fill="hold">
+                                        <p:cTn id="25" dur="1" fill="hold">
                                           <p:stCondLst>
                                             <p:cond delay="0"/>
                                           </p:stCondLst>
                                         </p:cTn>
                                         <p:tgtEl>
-                                          <p:spTgt spid="3">
-                                            <p:txEl>
-                                              <p:pRg st="2" end="2"/>
-                                            </p:txEl>
-                                          </p:spTgt>
+                                          <p:spTgt spid="2052"/>
                                         </p:tgtEl>
                                         <p:attrNameLst>
                                           <p:attrName>style.visibility</p:attrName>
@@ -21401,13 +20883,9 @@
                                     </p:set>
                                     <p:anim calcmode="lin" valueType="num">
                                       <p:cBhvr>
-                                        <p:cTn id="21" dur="500" fill="hold"/>
+                                        <p:cTn id="26" dur="1500" fill="hold"/>
                                         <p:tgtEl>
-                                          <p:spTgt spid="3">
-                                            <p:txEl>
-                                              <p:pRg st="2" end="2"/>
-                                            </p:txEl>
-                                          </p:spTgt>
+                                          <p:spTgt spid="2052"/>
                                         </p:tgtEl>
                                         <p:attrNameLst>
                                           <p:attrName>ppt_w</p:attrName>
@@ -21428,13 +20906,9 @@
                                     </p:anim>
                                     <p:anim calcmode="lin" valueType="num">
                                       <p:cBhvr>
-                                        <p:cTn id="22" dur="500" fill="hold"/>
+                                        <p:cTn id="27" dur="1500" fill="hold"/>
                                         <p:tgtEl>
-                                          <p:spTgt spid="3">
-                                            <p:txEl>
-                                              <p:pRg st="2" end="2"/>
-                                            </p:txEl>
-                                          </p:spTgt>
+                                          <p:spTgt spid="2052"/>
                                         </p:tgtEl>
                                         <p:attrNameLst>
                                           <p:attrName>ppt_h</p:attrName>
@@ -21455,13 +20929,9 @@
                                     </p:anim>
                                     <p:animEffect transition="in" filter="fade">
                                       <p:cBhvr>
-                                        <p:cTn id="23" dur="500"/>
+                                        <p:cTn id="28" dur="1500"/>
                                         <p:tgtEl>
-                                          <p:spTgt spid="3">
-                                            <p:txEl>
-                                              <p:pRg st="2" end="2"/>
-                                            </p:txEl>
-                                          </p:spTgt>
+                                          <p:spTgt spid="2052"/>
                                         </p:tgtEl>
                                       </p:cBhvr>
                                     </p:animEffect>
@@ -21475,36 +20945,32 @@
                     </p:cTn>
                   </p:par>
                   <p:par>
-                    <p:cTn id="24" fill="hold">
+                    <p:cTn id="29" fill="hold">
                       <p:stCondLst>
                         <p:cond delay="indefinite"/>
                       </p:stCondLst>
                       <p:childTnLst>
                         <p:par>
-                          <p:cTn id="25" fill="hold">
+                          <p:cTn id="30" fill="hold">
                             <p:stCondLst>
                               <p:cond delay="0"/>
                             </p:stCondLst>
                             <p:childTnLst>
                               <p:par>
-                                <p:cTn id="26" presetID="53" presetClass="entr" presetSubtype="16" fill="hold" grpId="0" nodeType="clickEffect">
+                                <p:cTn id="31" presetID="53" presetClass="entr" presetSubtype="16" fill="hold" nodeType="clickEffect">
                                   <p:stCondLst>
                                     <p:cond delay="0"/>
                                   </p:stCondLst>
                                   <p:childTnLst>
                                     <p:set>
                                       <p:cBhvr>
-                                        <p:cTn id="27" dur="1" fill="hold">
+                                        <p:cTn id="32" dur="1" fill="hold">
                                           <p:stCondLst>
                                             <p:cond delay="0"/>
                                           </p:stCondLst>
                                         </p:cTn>
                                         <p:tgtEl>
-                                          <p:spTgt spid="3">
-                                            <p:txEl>
-                                              <p:pRg st="3" end="3"/>
-                                            </p:txEl>
-                                          </p:spTgt>
+                                          <p:spTgt spid="2053"/>
                                         </p:tgtEl>
                                         <p:attrNameLst>
                                           <p:attrName>style.visibility</p:attrName>
@@ -21516,13 +20982,9 @@
                                     </p:set>
                                     <p:anim calcmode="lin" valueType="num">
                                       <p:cBhvr>
-                                        <p:cTn id="28" dur="500" fill="hold"/>
+                                        <p:cTn id="33" dur="1500" fill="hold"/>
                                         <p:tgtEl>
-                                          <p:spTgt spid="3">
-                                            <p:txEl>
-                                              <p:pRg st="3" end="3"/>
-                                            </p:txEl>
-                                          </p:spTgt>
+                                          <p:spTgt spid="2053"/>
                                         </p:tgtEl>
                                         <p:attrNameLst>
                                           <p:attrName>ppt_w</p:attrName>
@@ -21543,13 +21005,9 @@
                                     </p:anim>
                                     <p:anim calcmode="lin" valueType="num">
                                       <p:cBhvr>
-                                        <p:cTn id="29" dur="500" fill="hold"/>
+                                        <p:cTn id="34" dur="1500" fill="hold"/>
                                         <p:tgtEl>
-                                          <p:spTgt spid="3">
-                                            <p:txEl>
-                                              <p:pRg st="3" end="3"/>
-                                            </p:txEl>
-                                          </p:spTgt>
+                                          <p:spTgt spid="2053"/>
                                         </p:tgtEl>
                                         <p:attrNameLst>
                                           <p:attrName>ppt_h</p:attrName>
@@ -21570,13 +21028,9 @@
                                     </p:anim>
                                     <p:animEffect transition="in" filter="fade">
                                       <p:cBhvr>
-                                        <p:cTn id="30" dur="500"/>
+                                        <p:cTn id="35" dur="1500"/>
                                         <p:tgtEl>
-                                          <p:spTgt spid="3">
-                                            <p:txEl>
-                                              <p:pRg st="3" end="3"/>
-                                            </p:txEl>
-                                          </p:spTgt>
+                                          <p:spTgt spid="2053"/>
                                         </p:tgtEl>
                                       </p:cBhvr>
                                     </p:animEffect>
@@ -21590,36 +21044,32 @@
                     </p:cTn>
                   </p:par>
                   <p:par>
-                    <p:cTn id="31" fill="hold">
+                    <p:cTn id="36" fill="hold">
                       <p:stCondLst>
                         <p:cond delay="indefinite"/>
                       </p:stCondLst>
                       <p:childTnLst>
                         <p:par>
-                          <p:cTn id="32" fill="hold">
+                          <p:cTn id="37" fill="hold">
                             <p:stCondLst>
                               <p:cond delay="0"/>
                             </p:stCondLst>
                             <p:childTnLst>
                               <p:par>
-                                <p:cTn id="33" presetID="53" presetClass="entr" presetSubtype="16" fill="hold" grpId="0" nodeType="clickEffect">
+                                <p:cTn id="38" presetID="53" presetClass="entr" presetSubtype="16" fill="hold" nodeType="clickEffect">
                                   <p:stCondLst>
                                     <p:cond delay="0"/>
                                   </p:stCondLst>
                                   <p:childTnLst>
                                     <p:set>
                                       <p:cBhvr>
-                                        <p:cTn id="34" dur="1" fill="hold">
+                                        <p:cTn id="39" dur="1" fill="hold">
                                           <p:stCondLst>
                                             <p:cond delay="0"/>
                                           </p:stCondLst>
                                         </p:cTn>
                                         <p:tgtEl>
-                                          <p:spTgt spid="3">
-                                            <p:txEl>
-                                              <p:pRg st="4" end="4"/>
-                                            </p:txEl>
-                                          </p:spTgt>
+                                          <p:spTgt spid="2054"/>
                                         </p:tgtEl>
                                         <p:attrNameLst>
                                           <p:attrName>style.visibility</p:attrName>
@@ -21631,13 +21081,9 @@
                                     </p:set>
                                     <p:anim calcmode="lin" valueType="num">
                                       <p:cBhvr>
-                                        <p:cTn id="35" dur="500" fill="hold"/>
+                                        <p:cTn id="40" dur="1500" fill="hold"/>
                                         <p:tgtEl>
-                                          <p:spTgt spid="3">
-                                            <p:txEl>
-                                              <p:pRg st="4" end="4"/>
-                                            </p:txEl>
-                                          </p:spTgt>
+                                          <p:spTgt spid="2054"/>
                                         </p:tgtEl>
                                         <p:attrNameLst>
                                           <p:attrName>ppt_w</p:attrName>
@@ -21658,13 +21104,9 @@
                                     </p:anim>
                                     <p:anim calcmode="lin" valueType="num">
                                       <p:cBhvr>
-                                        <p:cTn id="36" dur="500" fill="hold"/>
+                                        <p:cTn id="41" dur="1500" fill="hold"/>
                                         <p:tgtEl>
-                                          <p:spTgt spid="3">
-                                            <p:txEl>
-                                              <p:pRg st="4" end="4"/>
-                                            </p:txEl>
-                                          </p:spTgt>
+                                          <p:spTgt spid="2054"/>
                                         </p:tgtEl>
                                         <p:attrNameLst>
                                           <p:attrName>ppt_h</p:attrName>
@@ -21685,13 +21127,108 @@
                                     </p:anim>
                                     <p:animEffect transition="in" filter="fade">
                                       <p:cBhvr>
-                                        <p:cTn id="37" dur="500"/>
+                                        <p:cTn id="42" dur="1500"/>
                                         <p:tgtEl>
-                                          <p:spTgt spid="3">
-                                            <p:txEl>
-                                              <p:pRg st="4" end="4"/>
-                                            </p:txEl>
-                                          </p:spTgt>
+                                          <p:spTgt spid="2054"/>
+                                        </p:tgtEl>
+                                      </p:cBhvr>
+                                    </p:animEffect>
+                                  </p:childTnLst>
+                                </p:cTn>
+                              </p:par>
+                            </p:childTnLst>
+                          </p:cTn>
+                        </p:par>
+                      </p:childTnLst>
+                    </p:cTn>
+                  </p:par>
+                  <p:par>
+                    <p:cTn id="43" fill="hold">
+                      <p:stCondLst>
+                        <p:cond delay="indefinite"/>
+                      </p:stCondLst>
+                      <p:childTnLst>
+                        <p:par>
+                          <p:cTn id="44" fill="hold">
+                            <p:stCondLst>
+                              <p:cond delay="0"/>
+                            </p:stCondLst>
+                            <p:childTnLst>
+                              <p:par>
+                                <p:cTn id="45" presetID="53" presetClass="entr" presetSubtype="16" fill="hold" nodeType="clickEffect">
+                                  <p:stCondLst>
+                                    <p:cond delay="0"/>
+                                  </p:stCondLst>
+                                  <p:childTnLst>
+                                    <p:set>
+                                      <p:cBhvr>
+                                        <p:cTn id="46" dur="1" fill="hold">
+                                          <p:stCondLst>
+                                            <p:cond delay="0"/>
+                                          </p:stCondLst>
+                                        </p:cTn>
+                                        <p:tgtEl>
+                                          <p:spTgt spid="2055"/>
+                                        </p:tgtEl>
+                                        <p:attrNameLst>
+                                          <p:attrName>style.visibility</p:attrName>
+                                        </p:attrNameLst>
+                                      </p:cBhvr>
+                                      <p:to>
+                                        <p:strVal val="visible"/>
+                                      </p:to>
+                                    </p:set>
+                                    <p:anim calcmode="lin" valueType="num">
+                                      <p:cBhvr>
+                                        <p:cTn id="47" dur="1500" fill="hold"/>
+                                        <p:tgtEl>
+                                          <p:spTgt spid="2055"/>
+                                        </p:tgtEl>
+                                        <p:attrNameLst>
+                                          <p:attrName>ppt_w</p:attrName>
+                                        </p:attrNameLst>
+                                      </p:cBhvr>
+                                      <p:tavLst>
+                                        <p:tav tm="0">
+                                          <p:val>
+                                            <p:fltVal val="0"/>
+                                          </p:val>
+                                        </p:tav>
+                                        <p:tav tm="100000">
+                                          <p:val>
+                                            <p:strVal val="#ppt_w"/>
+                                          </p:val>
+                                        </p:tav>
+                                      </p:tavLst>
+                                    </p:anim>
+                                    <p:anim calcmode="lin" valueType="num">
+                                      <p:cBhvr>
+                                        <p:cTn id="48" dur="1500" fill="hold"/>
+                                        <p:tgtEl>
+                                          <p:spTgt spid="2055"/>
+                                        </p:tgtEl>
+                                        <p:attrNameLst>
+                                          <p:attrName>ppt_h</p:attrName>
+                                        </p:attrNameLst>
+                                      </p:cBhvr>
+                                      <p:tavLst>
+                                        <p:tav tm="0">
+                                          <p:val>
+                                            <p:fltVal val="0"/>
+                                          </p:val>
+                                        </p:tav>
+                                        <p:tav tm="100000">
+                                          <p:val>
+                                            <p:strVal val="#ppt_h"/>
+                                          </p:val>
+                                        </p:tav>
+                                      </p:tavLst>
+                                    </p:anim>
+                                    <p:animEffect transition="in" filter="fade">
+                                      <p:cBhvr>
+                                        <p:cTn id="49" dur="1500"/>
+                                        <p:tgtEl>
+                                          <p:spTgt spid="2055"/>
                                         </p:tgtEl>
                                       </p:cBhvr>
                                     </p:animEffect>
@@ -21728,6 +21265,1386 @@
     <p:bldLst>
       <p:bldP spid="3" grpId="0" build="p"/>
     </p:bldLst>
+  </p:timing>
+</p:sld>
+</file>
+
+<file path=ppt/slides/slide7.xml><?xml version="1.0" encoding="utf-8"?>
+<p:sld xmlns:a="http://schemas.openxmlformats.org/drawingml/2006/main" xmlns:r="http://schemas.openxmlformats.org/officeDocument/2006/relationships" xmlns:p="http://schemas.openxmlformats.org/presentationml/2006/main">
+  <p:cSld>
+    <p:spTree>
+      <p:nvGrpSpPr>
+        <p:cNvPr id="1" name=""/>
+        <p:cNvGrpSpPr/>
+        <p:nvPr/>
+      </p:nvGrpSpPr>
+      <p:grpSpPr>
+        <a:xfrm>
+          <a:off x="0" y="0"/>
+          <a:ext cx="0" cy="0"/>
+          <a:chOff x="0" y="0"/>
+          <a:chExt cx="0" cy="0"/>
+        </a:xfrm>
+      </p:grpSpPr>
+      <p:sp>
+        <p:nvSpPr>
+          <p:cNvPr id="2" name="ชื่อเรื่อง 1"/>
+          <p:cNvSpPr>
+            <a:spLocks noGrp="1"/>
+          </p:cNvSpPr>
+          <p:nvPr>
+            <p:ph type="title"/>
+          </p:nvPr>
+        </p:nvSpPr>
+        <p:spPr>
+          <a:xfrm>
+            <a:off x="716117" y="352023"/>
+            <a:ext cx="8596668" cy="716924"/>
+          </a:xfrm>
+        </p:spPr>
+        <p:txBody>
+          <a:bodyPr/>
+          <a:lstStyle/>
+          <a:p>
+            <a:pPr algn="ctr"/>
+            <a:r>
+              <a:rPr lang="th-TH" b="1" dirty="0">
+                <a:solidFill>
+                  <a:srgbClr val="000000"/>
+                </a:solidFill>
+                <a:latin typeface="Angsana New" panose="02020603050405020304" pitchFamily="18" charset="-34"/>
+                <a:cs typeface="Angsana New" panose="02020603050405020304" pitchFamily="18" charset="-34"/>
+              </a:rPr>
+              <a:t>สิ่งที่ทำ</a:t>
+            </a:r>
+            <a:r>
+              <a:rPr lang="th-TH" b="1" dirty="0" smtClean="0">
+                <a:solidFill>
+                  <a:srgbClr val="000000"/>
+                </a:solidFill>
+                <a:latin typeface="Angsana New" panose="02020603050405020304" pitchFamily="18" charset="-34"/>
+                <a:cs typeface="Angsana New" panose="02020603050405020304" pitchFamily="18" charset="-34"/>
+              </a:rPr>
+              <a:t>แล้ว (ต่อ)</a:t>
+            </a:r>
+            <a:endParaRPr lang="en-US" dirty="0"/>
+          </a:p>
+        </p:txBody>
+      </p:sp>
+      <p:sp>
+        <p:nvSpPr>
+          <p:cNvPr id="3" name="ตัวแทนเนื้อหา 2"/>
+          <p:cNvSpPr>
+            <a:spLocks noGrp="1"/>
+          </p:cNvSpPr>
+          <p:nvPr>
+            <p:ph idx="1"/>
+          </p:nvPr>
+        </p:nvSpPr>
+        <p:spPr>
+          <a:xfrm>
+            <a:off x="724037" y="841698"/>
+            <a:ext cx="8580828" cy="693173"/>
+          </a:xfrm>
+        </p:spPr>
+        <p:txBody>
+          <a:bodyPr>
+            <a:normAutofit/>
+          </a:bodyPr>
+          <a:lstStyle/>
+          <a:p>
+            <a:r>
+              <a:rPr lang="th-TH" sz="2800" b="1" dirty="0" smtClean="0">
+                <a:solidFill>
+                  <a:srgbClr val="000000"/>
+                </a:solidFill>
+                <a:latin typeface="Angsana New" panose="02020603050405020304" pitchFamily="18" charset="-34"/>
+                <a:cs typeface="Angsana New" panose="02020603050405020304" pitchFamily="18" charset="-34"/>
+              </a:rPr>
+              <a:t>ออกแบบด่านทั้ง 5 ด่าน</a:t>
+            </a:r>
+          </a:p>
+          <a:p>
+            <a:endParaRPr lang="th-TH" dirty="0">
+              <a:solidFill>
+                <a:srgbClr val="000000"/>
+              </a:solidFill>
+              <a:latin typeface="Angsana New" panose="02020603050405020304" pitchFamily="18" charset="-34"/>
+              <a:cs typeface="Angsana New" panose="02020603050405020304" pitchFamily="18" charset="-34"/>
+            </a:endParaRPr>
+          </a:p>
+          <a:p>
+            <a:endParaRPr lang="en-US" dirty="0"/>
+          </a:p>
+        </p:txBody>
+      </p:sp>
+      <p:pic>
+        <p:nvPicPr>
+          <p:cNvPr id="3074" name="Picture 2" descr="D:\IT\4\term2\Project_animal\ppt\รูปใช้สอบก้าวหน้า\ด่าน1.png"/>
+          <p:cNvPicPr>
+            <a:picLocks noChangeAspect="1" noChangeArrowheads="1"/>
+          </p:cNvPicPr>
+          <p:nvPr/>
+        </p:nvPicPr>
+        <p:blipFill>
+          <a:blip r:embed="rId2">
+            <a:extLst>
+              <a:ext uri="{28A0092B-C50C-407E-A947-70E740481C1C}">
+                <a14:useLocalDpi xmlns:a14="http://schemas.microsoft.com/office/drawing/2010/main" val="0"/>
+              </a:ext>
+            </a:extLst>
+          </a:blip>
+          <a:srcRect/>
+          <a:stretch>
+            <a:fillRect/>
+          </a:stretch>
+        </p:blipFill>
+        <p:spPr bwMode="auto">
+          <a:xfrm>
+            <a:off x="1042492" y="1379951"/>
+            <a:ext cx="4534057" cy="2426569"/>
+          </a:xfrm>
+          <a:prstGeom prst="rect">
+            <a:avLst/>
+          </a:prstGeom>
+          <a:noFill/>
+          <a:extLst>
+            <a:ext uri="{909E8E84-426E-40DD-AFC4-6F175D3DCCD1}">
+              <a14:hiddenFill xmlns:a14="http://schemas.microsoft.com/office/drawing/2010/main">
+                <a:solidFill>
+                  <a:srgbClr val="FFFFFF"/>
+                </a:solidFill>
+              </a14:hiddenFill>
+            </a:ext>
+          </a:extLst>
+        </p:spPr>
+      </p:pic>
+      <p:pic>
+        <p:nvPicPr>
+          <p:cNvPr id="3075" name="Picture 3" descr="D:\IT\4\term2\Project_animal\ppt\รูปใช้สอบก้าวหน้า\ด่าน2.png"/>
+          <p:cNvPicPr>
+            <a:picLocks noChangeAspect="1" noChangeArrowheads="1"/>
+          </p:cNvPicPr>
+          <p:nvPr/>
+        </p:nvPicPr>
+        <p:blipFill>
+          <a:blip r:embed="rId3" cstate="print">
+            <a:extLst>
+              <a:ext uri="{28A0092B-C50C-407E-A947-70E740481C1C}">
+                <a14:useLocalDpi xmlns:a14="http://schemas.microsoft.com/office/drawing/2010/main" val="0"/>
+              </a:ext>
+            </a:extLst>
+          </a:blip>
+          <a:srcRect/>
+          <a:stretch>
+            <a:fillRect/>
+          </a:stretch>
+        </p:blipFill>
+        <p:spPr bwMode="auto">
+          <a:xfrm>
+            <a:off x="5615186" y="1253635"/>
+            <a:ext cx="4270600" cy="2520912"/>
+          </a:xfrm>
+          <a:prstGeom prst="rect">
+            <a:avLst/>
+          </a:prstGeom>
+          <a:noFill/>
+          <a:extLst>
+            <a:ext uri="{909E8E84-426E-40DD-AFC4-6F175D3DCCD1}">
+              <a14:hiddenFill xmlns:a14="http://schemas.microsoft.com/office/drawing/2010/main">
+                <a:solidFill>
+                  <a:srgbClr val="FFFFFF"/>
+                </a:solidFill>
+              </a14:hiddenFill>
+            </a:ext>
+          </a:extLst>
+        </p:spPr>
+      </p:pic>
+      <p:pic>
+        <p:nvPicPr>
+          <p:cNvPr id="3076" name="Picture 4" descr="D:\IT\4\term2\Project_animal\ppt\รูปใช้สอบก้าวหน้า\ด่าน3.png"/>
+          <p:cNvPicPr>
+            <a:picLocks noChangeAspect="1" noChangeArrowheads="1"/>
+          </p:cNvPicPr>
+          <p:nvPr/>
+        </p:nvPicPr>
+        <p:blipFill>
+          <a:blip r:embed="rId4">
+            <a:extLst>
+              <a:ext uri="{28A0092B-C50C-407E-A947-70E740481C1C}">
+                <a14:useLocalDpi xmlns:a14="http://schemas.microsoft.com/office/drawing/2010/main" val="0"/>
+              </a:ext>
+            </a:extLst>
+          </a:blip>
+          <a:srcRect/>
+          <a:stretch>
+            <a:fillRect/>
+          </a:stretch>
+        </p:blipFill>
+        <p:spPr bwMode="auto">
+          <a:xfrm>
+            <a:off x="89457" y="3796779"/>
+            <a:ext cx="4105957" cy="2557087"/>
+          </a:xfrm>
+          <a:prstGeom prst="rect">
+            <a:avLst/>
+          </a:prstGeom>
+          <a:noFill/>
+          <a:extLst>
+            <a:ext uri="{909E8E84-426E-40DD-AFC4-6F175D3DCCD1}">
+              <a14:hiddenFill xmlns:a14="http://schemas.microsoft.com/office/drawing/2010/main">
+                <a:solidFill>
+                  <a:srgbClr val="FFFFFF"/>
+                </a:solidFill>
+              </a14:hiddenFill>
+            </a:ext>
+          </a:extLst>
+        </p:spPr>
+      </p:pic>
+      <p:pic>
+        <p:nvPicPr>
+          <p:cNvPr id="3077" name="Picture 5" descr="D:\IT\4\term2\Project_animal\ppt\รูปใช้สอบก้าวหน้า\ด่าน4.png"/>
+          <p:cNvPicPr>
+            <a:picLocks noChangeAspect="1" noChangeArrowheads="1"/>
+          </p:cNvPicPr>
+          <p:nvPr/>
+        </p:nvPicPr>
+        <p:blipFill>
+          <a:blip r:embed="rId5">
+            <a:extLst>
+              <a:ext uri="{28A0092B-C50C-407E-A947-70E740481C1C}">
+                <a14:useLocalDpi xmlns:a14="http://schemas.microsoft.com/office/drawing/2010/main" val="0"/>
+              </a:ext>
+            </a:extLst>
+          </a:blip>
+          <a:srcRect/>
+          <a:stretch>
+            <a:fillRect/>
+          </a:stretch>
+        </p:blipFill>
+        <p:spPr bwMode="auto">
+          <a:xfrm>
+            <a:off x="4121241" y="3864700"/>
+            <a:ext cx="4069723" cy="2424772"/>
+          </a:xfrm>
+          <a:prstGeom prst="rect">
+            <a:avLst/>
+          </a:prstGeom>
+          <a:noFill/>
+          <a:extLst>
+            <a:ext uri="{909E8E84-426E-40DD-AFC4-6F175D3DCCD1}">
+              <a14:hiddenFill xmlns:a14="http://schemas.microsoft.com/office/drawing/2010/main">
+                <a:solidFill>
+                  <a:srgbClr val="FFFFFF"/>
+                </a:solidFill>
+              </a14:hiddenFill>
+            </a:ext>
+          </a:extLst>
+        </p:spPr>
+      </p:pic>
+      <p:pic>
+        <p:nvPicPr>
+          <p:cNvPr id="3078" name="Picture 6" descr="D:\IT\4\term2\Project_animal\ppt\รูปใช้สอบก้าวหน้า\ด่าน5.png"/>
+          <p:cNvPicPr>
+            <a:picLocks noChangeAspect="1" noChangeArrowheads="1"/>
+          </p:cNvPicPr>
+          <p:nvPr/>
+        </p:nvPicPr>
+        <p:blipFill>
+          <a:blip r:embed="rId6" cstate="print">
+            <a:extLst>
+              <a:ext uri="{28A0092B-C50C-407E-A947-70E740481C1C}">
+                <a14:useLocalDpi xmlns:a14="http://schemas.microsoft.com/office/drawing/2010/main" val="0"/>
+              </a:ext>
+            </a:extLst>
+          </a:blip>
+          <a:srcRect/>
+          <a:stretch>
+            <a:fillRect/>
+          </a:stretch>
+        </p:blipFill>
+        <p:spPr bwMode="auto">
+          <a:xfrm>
+            <a:off x="8209250" y="3801426"/>
+            <a:ext cx="3828202" cy="2488046"/>
+          </a:xfrm>
+          <a:prstGeom prst="rect">
+            <a:avLst/>
+          </a:prstGeom>
+          <a:noFill/>
+          <a:extLst>
+            <a:ext uri="{909E8E84-426E-40DD-AFC4-6F175D3DCCD1}">
+              <a14:hiddenFill xmlns:a14="http://schemas.microsoft.com/office/drawing/2010/main">
+                <a:solidFill>
+                  <a:srgbClr val="FFFFFF"/>
+                </a:solidFill>
+              </a14:hiddenFill>
+            </a:ext>
+          </a:extLst>
+        </p:spPr>
+      </p:pic>
+      <p:sp>
+        <p:nvSpPr>
+          <p:cNvPr id="9" name="สี่เหลี่ยมผืนผ้า 8"/>
+          <p:cNvSpPr/>
+          <p:nvPr/>
+        </p:nvSpPr>
+        <p:spPr>
+          <a:xfrm>
+            <a:off x="4645681" y="6338411"/>
+            <a:ext cx="2989921" cy="369332"/>
+          </a:xfrm>
+          <a:prstGeom prst="rect">
+            <a:avLst/>
+          </a:prstGeom>
+          <a:noFill/>
+        </p:spPr>
+        <p:txBody>
+          <a:bodyPr wrap="none" lIns="91440" tIns="45720" rIns="91440" bIns="45720">
+            <a:spAutoFit/>
+          </a:bodyPr>
+          <a:lstStyle/>
+          <a:p>
+            <a:pPr algn="ctr"/>
+            <a:r>
+              <a:rPr lang="th-TH" sz="1800" cap="none" spc="0" dirty="0" smtClean="0">
+                <a:ln w="0">
+                  <a:noFill/>
+                </a:ln>
+                <a:solidFill>
+                  <a:srgbClr val="000000"/>
+                </a:solidFill>
+                <a:latin typeface="CordiaUPC" panose="020B0304020202020204" pitchFamily="34" charset="-34"/>
+                <a:cs typeface="CordiaUPC" panose="020B0304020202020204" pitchFamily="34" charset="-34"/>
+              </a:rPr>
+              <a:t>คณะวิทยาศาสตร์ สาขาเทคโนโลยีสารสนเทศ</a:t>
+            </a:r>
+            <a:endParaRPr lang="th-TH" sz="1800" cap="none" spc="0" dirty="0">
+              <a:ln w="0">
+                <a:noFill/>
+              </a:ln>
+              <a:solidFill>
+                <a:srgbClr val="000000"/>
+              </a:solidFill>
+              <a:latin typeface="CordiaUPC" panose="020B0304020202020204" pitchFamily="34" charset="-34"/>
+              <a:cs typeface="CordiaUPC" panose="020B0304020202020204" pitchFamily="34" charset="-34"/>
+            </a:endParaRPr>
+          </a:p>
+        </p:txBody>
+      </p:sp>
+      <p:pic>
+        <p:nvPicPr>
+          <p:cNvPr id="10" name="รูปภาพ 9"/>
+          <p:cNvPicPr>
+            <a:picLocks noChangeAspect="1"/>
+          </p:cNvPicPr>
+          <p:nvPr/>
+        </p:nvPicPr>
+        <p:blipFill>
+          <a:blip r:embed="rId7"/>
+          <a:stretch>
+            <a:fillRect/>
+          </a:stretch>
+        </p:blipFill>
+        <p:spPr>
+          <a:xfrm flipH="1">
+            <a:off x="4329468" y="6269593"/>
+            <a:ext cx="369914" cy="438150"/>
+          </a:xfrm>
+          <a:prstGeom prst="rect">
+            <a:avLst/>
+          </a:prstGeom>
+        </p:spPr>
+      </p:pic>
+    </p:spTree>
+    <p:extLst>
+      <p:ext uri="{BB962C8B-B14F-4D97-AF65-F5344CB8AC3E}">
+        <p14:creationId xmlns:p14="http://schemas.microsoft.com/office/powerpoint/2010/main" val="1977037842"/>
+      </p:ext>
+    </p:extLst>
+  </p:cSld>
+  <p:clrMapOvr>
+    <a:masterClrMapping/>
+  </p:clrMapOvr>
+  <p:transition spd="slow">
+    <p:push dir="u"/>
+  </p:transition>
+  <p:timing>
+    <p:tnLst>
+      <p:par>
+        <p:cTn id="1" dur="indefinite" restart="never" nodeType="tmRoot">
+          <p:childTnLst>
+            <p:seq concurrent="1" nextAc="seek">
+              <p:cTn id="2" dur="indefinite" nodeType="mainSeq">
+                <p:childTnLst>
+                  <p:par>
+                    <p:cTn id="3" fill="hold">
+                      <p:stCondLst>
+                        <p:cond delay="indefinite"/>
+                      </p:stCondLst>
+                      <p:childTnLst>
+                        <p:par>
+                          <p:cTn id="4" fill="hold">
+                            <p:stCondLst>
+                              <p:cond delay="0"/>
+                            </p:stCondLst>
+                            <p:childTnLst>
+                              <p:par>
+                                <p:cTn id="5" presetID="53" presetClass="entr" presetSubtype="16" fill="hold" nodeType="clickEffect">
+                                  <p:stCondLst>
+                                    <p:cond delay="0"/>
+                                  </p:stCondLst>
+                                  <p:childTnLst>
+                                    <p:set>
+                                      <p:cBhvr>
+                                        <p:cTn id="6" dur="1" fill="hold">
+                                          <p:stCondLst>
+                                            <p:cond delay="0"/>
+                                          </p:stCondLst>
+                                        </p:cTn>
+                                        <p:tgtEl>
+                                          <p:spTgt spid="3074"/>
+                                        </p:tgtEl>
+                                        <p:attrNameLst>
+                                          <p:attrName>style.visibility</p:attrName>
+                                        </p:attrNameLst>
+                                      </p:cBhvr>
+                                      <p:to>
+                                        <p:strVal val="visible"/>
+                                      </p:to>
+                                    </p:set>
+                                    <p:anim calcmode="lin" valueType="num">
+                                      <p:cBhvr>
+                                        <p:cTn id="7" dur="500" fill="hold"/>
+                                        <p:tgtEl>
+                                          <p:spTgt spid="3074"/>
+                                        </p:tgtEl>
+                                        <p:attrNameLst>
+                                          <p:attrName>ppt_w</p:attrName>
+                                        </p:attrNameLst>
+                                      </p:cBhvr>
+                                      <p:tavLst>
+                                        <p:tav tm="0">
+                                          <p:val>
+                                            <p:fltVal val="0"/>
+                                          </p:val>
+                                        </p:tav>
+                                        <p:tav tm="100000">
+                                          <p:val>
+                                            <p:strVal val="#ppt_w"/>
+                                          </p:val>
+                                        </p:tav>
+                                      </p:tavLst>
+                                    </p:anim>
+                                    <p:anim calcmode="lin" valueType="num">
+                                      <p:cBhvr>
+                                        <p:cTn id="8" dur="500" fill="hold"/>
+                                        <p:tgtEl>
+                                          <p:spTgt spid="3074"/>
+                                        </p:tgtEl>
+                                        <p:attrNameLst>
+                                          <p:attrName>ppt_h</p:attrName>
+                                        </p:attrNameLst>
+                                      </p:cBhvr>
+                                      <p:tavLst>
+                                        <p:tav tm="0">
+                                          <p:val>
+                                            <p:fltVal val="0"/>
+                                          </p:val>
+                                        </p:tav>
+                                        <p:tav tm="100000">
+                                          <p:val>
+                                            <p:strVal val="#ppt_h"/>
+                                          </p:val>
+                                        </p:tav>
+                                      </p:tavLst>
+                                    </p:anim>
+                                    <p:animEffect transition="in" filter="fade">
+                                      <p:cBhvr>
+                                        <p:cTn id="9" dur="500"/>
+                                        <p:tgtEl>
+                                          <p:spTgt spid="3074"/>
+                                        </p:tgtEl>
+                                      </p:cBhvr>
+                                    </p:animEffect>
+                                  </p:childTnLst>
+                                </p:cTn>
+                              </p:par>
+                            </p:childTnLst>
+                          </p:cTn>
+                        </p:par>
+                      </p:childTnLst>
+                    </p:cTn>
+                  </p:par>
+                  <p:par>
+                    <p:cTn id="10" fill="hold">
+                      <p:stCondLst>
+                        <p:cond delay="indefinite"/>
+                      </p:stCondLst>
+                      <p:childTnLst>
+                        <p:par>
+                          <p:cTn id="11" fill="hold">
+                            <p:stCondLst>
+                              <p:cond delay="0"/>
+                            </p:stCondLst>
+                            <p:childTnLst>
+                              <p:par>
+                                <p:cTn id="12" presetID="53" presetClass="entr" presetSubtype="16" fill="hold" nodeType="clickEffect">
+                                  <p:stCondLst>
+                                    <p:cond delay="0"/>
+                                  </p:stCondLst>
+                                  <p:childTnLst>
+                                    <p:set>
+                                      <p:cBhvr>
+                                        <p:cTn id="13" dur="1" fill="hold">
+                                          <p:stCondLst>
+                                            <p:cond delay="0"/>
+                                          </p:stCondLst>
+                                        </p:cTn>
+                                        <p:tgtEl>
+                                          <p:spTgt spid="3075"/>
+                                        </p:tgtEl>
+                                        <p:attrNameLst>
+                                          <p:attrName>style.visibility</p:attrName>
+                                        </p:attrNameLst>
+                                      </p:cBhvr>
+                                      <p:to>
+                                        <p:strVal val="visible"/>
+                                      </p:to>
+                                    </p:set>
+                                    <p:anim calcmode="lin" valueType="num">
+                                      <p:cBhvr>
+                                        <p:cTn id="14" dur="500" fill="hold"/>
+                                        <p:tgtEl>
+                                          <p:spTgt spid="3075"/>
+                                        </p:tgtEl>
+                                        <p:attrNameLst>
+                                          <p:attrName>ppt_w</p:attrName>
+                                        </p:attrNameLst>
+                                      </p:cBhvr>
+                                      <p:tavLst>
+                                        <p:tav tm="0">
+                                          <p:val>
+                                            <p:fltVal val="0"/>
+                                          </p:val>
+                                        </p:tav>
+                                        <p:tav tm="100000">
+                                          <p:val>
+                                            <p:strVal val="#ppt_w"/>
+                                          </p:val>
+                                        </p:tav>
+                                      </p:tavLst>
+                                    </p:anim>
+                                    <p:anim calcmode="lin" valueType="num">
+                                      <p:cBhvr>
+                                        <p:cTn id="15" dur="500" fill="hold"/>
+                                        <p:tgtEl>
+                                          <p:spTgt spid="3075"/>
+                                        </p:tgtEl>
+                                        <p:attrNameLst>
+                                          <p:attrName>ppt_h</p:attrName>
+                                        </p:attrNameLst>
+                                      </p:cBhvr>
+                                      <p:tavLst>
+                                        <p:tav tm="0">
+                                          <p:val>
+                                            <p:fltVal val="0"/>
+                                          </p:val>
+                                        </p:tav>
+                                        <p:tav tm="100000">
+                                          <p:val>
+                                            <p:strVal val="#ppt_h"/>
+                                          </p:val>
+                                        </p:tav>
+                                      </p:tavLst>
+                                    </p:anim>
+                                    <p:animEffect transition="in" filter="fade">
+                                      <p:cBhvr>
+                                        <p:cTn id="16" dur="500"/>
+                                        <p:tgtEl>
+                                          <p:spTgt spid="3075"/>
+                                        </p:tgtEl>
+                                      </p:cBhvr>
+                                    </p:animEffect>
+                                  </p:childTnLst>
+                                </p:cTn>
+                              </p:par>
+                            </p:childTnLst>
+                          </p:cTn>
+                        </p:par>
+                      </p:childTnLst>
+                    </p:cTn>
+                  </p:par>
+                  <p:par>
+                    <p:cTn id="17" fill="hold">
+                      <p:stCondLst>
+                        <p:cond delay="indefinite"/>
+                      </p:stCondLst>
+                      <p:childTnLst>
+                        <p:par>
+                          <p:cTn id="18" fill="hold">
+                            <p:stCondLst>
+                              <p:cond delay="0"/>
+                            </p:stCondLst>
+                            <p:childTnLst>
+                              <p:par>
+                                <p:cTn id="19" presetID="42" presetClass="entr" presetSubtype="0" fill="hold" nodeType="clickEffect">
+                                  <p:stCondLst>
+                                    <p:cond delay="0"/>
+                                  </p:stCondLst>
+                                  <p:childTnLst>
+                                    <p:set>
+                                      <p:cBhvr>
+                                        <p:cTn id="20" dur="1" fill="hold">
+                                          <p:stCondLst>
+                                            <p:cond delay="0"/>
+                                          </p:stCondLst>
+                                        </p:cTn>
+                                        <p:tgtEl>
+                                          <p:spTgt spid="3076"/>
+                                        </p:tgtEl>
+                                        <p:attrNameLst>
+                                          <p:attrName>style.visibility</p:attrName>
+                                        </p:attrNameLst>
+                                      </p:cBhvr>
+                                      <p:to>
+                                        <p:strVal val="visible"/>
+                                      </p:to>
+                                    </p:set>
+                                    <p:animEffect transition="in" filter="fade">
+                                      <p:cBhvr>
+                                        <p:cTn id="21" dur="1000"/>
+                                        <p:tgtEl>
+                                          <p:spTgt spid="3076"/>
+                                        </p:tgtEl>
+                                      </p:cBhvr>
+                                    </p:animEffect>
+                                    <p:anim calcmode="lin" valueType="num">
+                                      <p:cBhvr>
+                                        <p:cTn id="22" dur="1000" fill="hold"/>
+                                        <p:tgtEl>
+                                          <p:spTgt spid="3076"/>
+                                        </p:tgtEl>
+                                        <p:attrNameLst>
+                                          <p:attrName>ppt_x</p:attrName>
+                                        </p:attrNameLst>
+                                      </p:cBhvr>
+                                      <p:tavLst>
+                                        <p:tav tm="0">
+                                          <p:val>
+                                            <p:strVal val="#ppt_x"/>
+                                          </p:val>
+                                        </p:tav>
+                                        <p:tav tm="100000">
+                                          <p:val>
+                                            <p:strVal val="#ppt_x"/>
+                                          </p:val>
+                                        </p:tav>
+                                      </p:tavLst>
+                                    </p:anim>
+                                    <p:anim calcmode="lin" valueType="num">
+                                      <p:cBhvr>
+                                        <p:cTn id="23" dur="1000" fill="hold"/>
+                                        <p:tgtEl>
+                                          <p:spTgt spid="3076"/>
+                                        </p:tgtEl>
+                                        <p:attrNameLst>
+                                          <p:attrName>ppt_y</p:attrName>
+                                        </p:attrNameLst>
+                                      </p:cBhvr>
+                                      <p:tavLst>
+                                        <p:tav tm="0">
+                                          <p:val>
+                                            <p:strVal val="#ppt_y+.1"/>
+                                          </p:val>
+                                        </p:tav>
+                                        <p:tav tm="100000">
+                                          <p:val>
+                                            <p:strVal val="#ppt_y"/>
+                                          </p:val>
+                                        </p:tav>
+                                      </p:tavLst>
+                                    </p:anim>
+                                  </p:childTnLst>
+                                </p:cTn>
+                              </p:par>
+                            </p:childTnLst>
+                          </p:cTn>
+                        </p:par>
+                      </p:childTnLst>
+                    </p:cTn>
+                  </p:par>
+                  <p:par>
+                    <p:cTn id="24" fill="hold">
+                      <p:stCondLst>
+                        <p:cond delay="indefinite"/>
+                      </p:stCondLst>
+                      <p:childTnLst>
+                        <p:par>
+                          <p:cTn id="25" fill="hold">
+                            <p:stCondLst>
+                              <p:cond delay="0"/>
+                            </p:stCondLst>
+                            <p:childTnLst>
+                              <p:par>
+                                <p:cTn id="26" presetID="42" presetClass="entr" presetSubtype="0" fill="hold" nodeType="clickEffect">
+                                  <p:stCondLst>
+                                    <p:cond delay="0"/>
+                                  </p:stCondLst>
+                                  <p:childTnLst>
+                                    <p:set>
+                                      <p:cBhvr>
+                                        <p:cTn id="27" dur="1" fill="hold">
+                                          <p:stCondLst>
+                                            <p:cond delay="0"/>
+                                          </p:stCondLst>
+                                        </p:cTn>
+                                        <p:tgtEl>
+                                          <p:spTgt spid="3077"/>
+                                        </p:tgtEl>
+                                        <p:attrNameLst>
+                                          <p:attrName>style.visibility</p:attrName>
+                                        </p:attrNameLst>
+                                      </p:cBhvr>
+                                      <p:to>
+                                        <p:strVal val="visible"/>
+                                      </p:to>
+                                    </p:set>
+                                    <p:animEffect transition="in" filter="fade">
+                                      <p:cBhvr>
+                                        <p:cTn id="28" dur="1000"/>
+                                        <p:tgtEl>
+                                          <p:spTgt spid="3077"/>
+                                        </p:tgtEl>
+                                      </p:cBhvr>
+                                    </p:animEffect>
+                                    <p:anim calcmode="lin" valueType="num">
+                                      <p:cBhvr>
+                                        <p:cTn id="29" dur="1000" fill="hold"/>
+                                        <p:tgtEl>
+                                          <p:spTgt spid="3077"/>
+                                        </p:tgtEl>
+                                        <p:attrNameLst>
+                                          <p:attrName>ppt_x</p:attrName>
+                                        </p:attrNameLst>
+                                      </p:cBhvr>
+                                      <p:tavLst>
+                                        <p:tav tm="0">
+                                          <p:val>
+                                            <p:strVal val="#ppt_x"/>
+                                          </p:val>
+                                        </p:tav>
+                                        <p:tav tm="100000">
+                                          <p:val>
+                                            <p:strVal val="#ppt_x"/>
+                                          </p:val>
+                                        </p:tav>
+                                      </p:tavLst>
+                                    </p:anim>
+                                    <p:anim calcmode="lin" valueType="num">
+                                      <p:cBhvr>
+                                        <p:cTn id="30" dur="1000" fill="hold"/>
+                                        <p:tgtEl>
+                                          <p:spTgt spid="3077"/>
+                                        </p:tgtEl>
+                                        <p:attrNameLst>
+                                          <p:attrName>ppt_y</p:attrName>
+                                        </p:attrNameLst>
+                                      </p:cBhvr>
+                                      <p:tavLst>
+                                        <p:tav tm="0">
+                                          <p:val>
+                                            <p:strVal val="#ppt_y+.1"/>
+                                          </p:val>
+                                        </p:tav>
+                                        <p:tav tm="100000">
+                                          <p:val>
+                                            <p:strVal val="#ppt_y"/>
+                                          </p:val>
+                                        </p:tav>
+                                      </p:tavLst>
+                                    </p:anim>
+                                  </p:childTnLst>
+                                </p:cTn>
+                              </p:par>
+                            </p:childTnLst>
+                          </p:cTn>
+                        </p:par>
+                      </p:childTnLst>
+                    </p:cTn>
+                  </p:par>
+                  <p:par>
+                    <p:cTn id="31" fill="hold">
+                      <p:stCondLst>
+                        <p:cond delay="indefinite"/>
+                      </p:stCondLst>
+                      <p:childTnLst>
+                        <p:par>
+                          <p:cTn id="32" fill="hold">
+                            <p:stCondLst>
+                              <p:cond delay="0"/>
+                            </p:stCondLst>
+                            <p:childTnLst>
+                              <p:par>
+                                <p:cTn id="33" presetID="42" presetClass="entr" presetSubtype="0" fill="hold" nodeType="clickEffect">
+                                  <p:stCondLst>
+                                    <p:cond delay="0"/>
+                                  </p:stCondLst>
+                                  <p:childTnLst>
+                                    <p:set>
+                                      <p:cBhvr>
+                                        <p:cTn id="34" dur="1" fill="hold">
+                                          <p:stCondLst>
+                                            <p:cond delay="0"/>
+                                          </p:stCondLst>
+                                        </p:cTn>
+                                        <p:tgtEl>
+                                          <p:spTgt spid="3078"/>
+                                        </p:tgtEl>
+                                        <p:attrNameLst>
+                                          <p:attrName>style.visibility</p:attrName>
+                                        </p:attrNameLst>
+                                      </p:cBhvr>
+                                      <p:to>
+                                        <p:strVal val="visible"/>
+                                      </p:to>
+                                    </p:set>
+                                    <p:animEffect transition="in" filter="fade">
+                                      <p:cBhvr>
+                                        <p:cTn id="35" dur="1000"/>
+                                        <p:tgtEl>
+                                          <p:spTgt spid="3078"/>
+                                        </p:tgtEl>
+                                      </p:cBhvr>
+                                    </p:animEffect>
+                                    <p:anim calcmode="lin" valueType="num">
+                                      <p:cBhvr>
+                                        <p:cTn id="36" dur="1000" fill="hold"/>
+                                        <p:tgtEl>
+                                          <p:spTgt spid="3078"/>
+                                        </p:tgtEl>
+                                        <p:attrNameLst>
+                                          <p:attrName>ppt_x</p:attrName>
+                                        </p:attrNameLst>
+                                      </p:cBhvr>
+                                      <p:tavLst>
+                                        <p:tav tm="0">
+                                          <p:val>
+                                            <p:strVal val="#ppt_x"/>
+                                          </p:val>
+                                        </p:tav>
+                                        <p:tav tm="100000">
+                                          <p:val>
+                                            <p:strVal val="#ppt_x"/>
+                                          </p:val>
+                                        </p:tav>
+                                      </p:tavLst>
+                                    </p:anim>
+                                    <p:anim calcmode="lin" valueType="num">
+                                      <p:cBhvr>
+                                        <p:cTn id="37" dur="1000" fill="hold"/>
+                                        <p:tgtEl>
+                                          <p:spTgt spid="3078"/>
+                                        </p:tgtEl>
+                                        <p:attrNameLst>
+                                          <p:attrName>ppt_y</p:attrName>
+                                        </p:attrNameLst>
+                                      </p:cBhvr>
+                                      <p:tavLst>
+                                        <p:tav tm="0">
+                                          <p:val>
+                                            <p:strVal val="#ppt_y+.1"/>
+                                          </p:val>
+                                        </p:tav>
+                                        <p:tav tm="100000">
+                                          <p:val>
+                                            <p:strVal val="#ppt_y"/>
+                                          </p:val>
+                                        </p:tav>
+                                      </p:tavLst>
+                                    </p:anim>
+                                  </p:childTnLst>
+                                </p:cTn>
+                              </p:par>
+                            </p:childTnLst>
+                          </p:cTn>
+                        </p:par>
+                      </p:childTnLst>
+                    </p:cTn>
+                  </p:par>
+                </p:childTnLst>
+              </p:cTn>
+              <p:prevCondLst>
+                <p:cond evt="onPrev" delay="0">
+                  <p:tgtEl>
+                    <p:sldTgt/>
+                  </p:tgtEl>
+                </p:cond>
+              </p:prevCondLst>
+              <p:nextCondLst>
+                <p:cond evt="onNext" delay="0">
+                  <p:tgtEl>
+                    <p:sldTgt/>
+                  </p:tgtEl>
+                </p:cond>
+              </p:nextCondLst>
+            </p:seq>
+          </p:childTnLst>
+        </p:cTn>
+      </p:par>
+    </p:tnLst>
+  </p:timing>
+</p:sld>
+</file>
+
+<file path=ppt/slides/slide8.xml><?xml version="1.0" encoding="utf-8"?>
+<p:sld xmlns:a="http://schemas.openxmlformats.org/drawingml/2006/main" xmlns:r="http://schemas.openxmlformats.org/officeDocument/2006/relationships" xmlns:p="http://schemas.openxmlformats.org/presentationml/2006/main">
+  <p:cSld>
+    <p:spTree>
+      <p:nvGrpSpPr>
+        <p:cNvPr id="1" name=""/>
+        <p:cNvGrpSpPr/>
+        <p:nvPr/>
+      </p:nvGrpSpPr>
+      <p:grpSpPr>
+        <a:xfrm>
+          <a:off x="0" y="0"/>
+          <a:ext cx="0" cy="0"/>
+          <a:chOff x="0" y="0"/>
+          <a:chExt cx="0" cy="0"/>
+        </a:xfrm>
+      </p:grpSpPr>
+      <p:sp>
+        <p:nvSpPr>
+          <p:cNvPr id="2" name="ชื่อเรื่อง 1"/>
+          <p:cNvSpPr>
+            <a:spLocks noGrp="1"/>
+          </p:cNvSpPr>
+          <p:nvPr>
+            <p:ph type="title"/>
+          </p:nvPr>
+        </p:nvSpPr>
+        <p:spPr/>
+        <p:txBody>
+          <a:bodyPr/>
+          <a:lstStyle/>
+          <a:p>
+            <a:pPr algn="ctr"/>
+            <a:r>
+              <a:rPr lang="th-TH" b="1" dirty="0" smtClean="0">
+                <a:solidFill>
+                  <a:srgbClr val="000000"/>
+                </a:solidFill>
+                <a:latin typeface="Angsana New" pitchFamily="18" charset="-34"/>
+                <a:cs typeface="Angsana New" pitchFamily="18" charset="-34"/>
+              </a:rPr>
+              <a:t>สิ่งที่ทำแล้ว (ต่อ)</a:t>
+            </a:r>
+            <a:endParaRPr lang="en-US" b="1" dirty="0">
+              <a:solidFill>
+                <a:srgbClr val="000000"/>
+              </a:solidFill>
+              <a:latin typeface="Angsana New" pitchFamily="18" charset="-34"/>
+              <a:cs typeface="Angsana New" pitchFamily="18" charset="-34"/>
+            </a:endParaRPr>
+          </a:p>
+        </p:txBody>
+      </p:sp>
+      <p:sp>
+        <p:nvSpPr>
+          <p:cNvPr id="3" name="ตัวแทนเนื้อหา 2"/>
+          <p:cNvSpPr>
+            <a:spLocks noGrp="1"/>
+          </p:cNvSpPr>
+          <p:nvPr>
+            <p:ph idx="1"/>
+          </p:nvPr>
+        </p:nvSpPr>
+        <p:spPr/>
+        <p:txBody>
+          <a:bodyPr>
+            <a:normAutofit/>
+          </a:bodyPr>
+          <a:lstStyle/>
+          <a:p>
+            <a:r>
+              <a:rPr lang="th-TH" sz="2800" dirty="0" smtClean="0">
+                <a:solidFill>
+                  <a:srgbClr val="000000"/>
+                </a:solidFill>
+                <a:latin typeface="Angsana New" pitchFamily="18" charset="-34"/>
+                <a:cs typeface="Angsana New" pitchFamily="18" charset="-34"/>
+              </a:rPr>
+              <a:t>ออกแบบลักษณะ ท่าทางของสัตว์ป่า 3 ตัว</a:t>
+            </a:r>
+            <a:endParaRPr lang="en-US" sz="2800" dirty="0">
+              <a:solidFill>
+                <a:srgbClr val="000000"/>
+              </a:solidFill>
+              <a:latin typeface="Angsana New" pitchFamily="18" charset="-34"/>
+              <a:cs typeface="Angsana New" pitchFamily="18" charset="-34"/>
+            </a:endParaRPr>
+          </a:p>
+        </p:txBody>
+      </p:sp>
+      <p:sp>
+        <p:nvSpPr>
+          <p:cNvPr id="5" name="สี่เหลี่ยมผืนผ้า 4"/>
+          <p:cNvSpPr/>
+          <p:nvPr/>
+        </p:nvSpPr>
+        <p:spPr>
+          <a:xfrm>
+            <a:off x="4645681" y="6338411"/>
+            <a:ext cx="2989921" cy="369332"/>
+          </a:xfrm>
+          <a:prstGeom prst="rect">
+            <a:avLst/>
+          </a:prstGeom>
+          <a:noFill/>
+        </p:spPr>
+        <p:txBody>
+          <a:bodyPr wrap="none" lIns="91440" tIns="45720" rIns="91440" bIns="45720">
+            <a:spAutoFit/>
+          </a:bodyPr>
+          <a:lstStyle/>
+          <a:p>
+            <a:pPr algn="ctr"/>
+            <a:r>
+              <a:rPr lang="th-TH" sz="1800" cap="none" spc="0" dirty="0" smtClean="0">
+                <a:ln w="0">
+                  <a:noFill/>
+                </a:ln>
+                <a:solidFill>
+                  <a:srgbClr val="000000"/>
+                </a:solidFill>
+                <a:latin typeface="CordiaUPC" panose="020B0304020202020204" pitchFamily="34" charset="-34"/>
+                <a:cs typeface="CordiaUPC" panose="020B0304020202020204" pitchFamily="34" charset="-34"/>
+              </a:rPr>
+              <a:t>คณะวิทยาศาสตร์ สาขาเทคโนโลยีสารสนเทศ</a:t>
+            </a:r>
+            <a:endParaRPr lang="th-TH" sz="1800" cap="none" spc="0" dirty="0">
+              <a:ln w="0">
+                <a:noFill/>
+              </a:ln>
+              <a:solidFill>
+                <a:srgbClr val="000000"/>
+              </a:solidFill>
+              <a:latin typeface="CordiaUPC" panose="020B0304020202020204" pitchFamily="34" charset="-34"/>
+              <a:cs typeface="CordiaUPC" panose="020B0304020202020204" pitchFamily="34" charset="-34"/>
+            </a:endParaRPr>
+          </a:p>
+        </p:txBody>
+      </p:sp>
+      <p:pic>
+        <p:nvPicPr>
+          <p:cNvPr id="6" name="รูปภาพ 5"/>
+          <p:cNvPicPr>
+            <a:picLocks noChangeAspect="1"/>
+          </p:cNvPicPr>
+          <p:nvPr/>
+        </p:nvPicPr>
+        <p:blipFill>
+          <a:blip r:embed="rId2"/>
+          <a:stretch>
+            <a:fillRect/>
+          </a:stretch>
+        </p:blipFill>
+        <p:spPr>
+          <a:xfrm flipH="1">
+            <a:off x="4329468" y="6269593"/>
+            <a:ext cx="369914" cy="438150"/>
+          </a:xfrm>
+          <a:prstGeom prst="rect">
+            <a:avLst/>
+          </a:prstGeom>
+        </p:spPr>
+      </p:pic>
+    </p:spTree>
+    <p:extLst>
+      <p:ext uri="{BB962C8B-B14F-4D97-AF65-F5344CB8AC3E}">
+        <p14:creationId xmlns:p14="http://schemas.microsoft.com/office/powerpoint/2010/main" val="3001504849"/>
+      </p:ext>
+    </p:extLst>
+  </p:cSld>
+  <p:clrMapOvr>
+    <a:masterClrMapping/>
+  </p:clrMapOvr>
+  <mc:AlternateContent xmlns:mc="http://schemas.openxmlformats.org/markup-compatibility/2006">
+    <mc:Choice xmlns:p14="http://schemas.microsoft.com/office/powerpoint/2010/main" Requires="p14">
+      <p:transition spd="slow" p14:dur="1100">
+        <p14:switch dir="r"/>
+      </p:transition>
+    </mc:Choice>
+    <mc:Fallback>
+      <p:transition spd="slow">
+        <p:fade/>
+      </p:transition>
+    </mc:Fallback>
+  </mc:AlternateContent>
+  <p:timing>
+    <p:tnLst>
+      <p:par>
+        <p:cTn id="1" dur="indefinite" restart="never" nodeType="tmRoot"/>
+      </p:par>
+    </p:tnLst>
+  </p:timing>
+</p:sld>
+</file>
+
+<file path=ppt/slides/slide9.xml><?xml version="1.0" encoding="utf-8"?>
+<p:sld xmlns:a="http://schemas.openxmlformats.org/drawingml/2006/main" xmlns:r="http://schemas.openxmlformats.org/officeDocument/2006/relationships" xmlns:p="http://schemas.openxmlformats.org/presentationml/2006/main">
+  <p:cSld>
+    <p:spTree>
+      <p:nvGrpSpPr>
+        <p:cNvPr id="1" name=""/>
+        <p:cNvGrpSpPr/>
+        <p:nvPr/>
+      </p:nvGrpSpPr>
+      <p:grpSpPr>
+        <a:xfrm>
+          <a:off x="0" y="0"/>
+          <a:ext cx="0" cy="0"/>
+          <a:chOff x="0" y="0"/>
+          <a:chExt cx="0" cy="0"/>
+        </a:xfrm>
+      </p:grpSpPr>
+      <p:sp>
+        <p:nvSpPr>
+          <p:cNvPr id="2" name="ชื่อเรื่อง 1"/>
+          <p:cNvSpPr>
+            <a:spLocks noGrp="1"/>
+          </p:cNvSpPr>
+          <p:nvPr>
+            <p:ph type="title"/>
+          </p:nvPr>
+        </p:nvSpPr>
+        <p:spPr/>
+        <p:txBody>
+          <a:bodyPr/>
+          <a:lstStyle/>
+          <a:p>
+            <a:pPr algn="ctr"/>
+            <a:r>
+              <a:rPr lang="th-TH" b="1" dirty="0">
+                <a:solidFill>
+                  <a:srgbClr val="000000"/>
+                </a:solidFill>
+                <a:latin typeface="Angsana New" pitchFamily="18" charset="-34"/>
+                <a:cs typeface="Angsana New" pitchFamily="18" charset="-34"/>
+              </a:rPr>
+              <a:t>สิ่ง</a:t>
+            </a:r>
+            <a:r>
+              <a:rPr lang="th-TH" b="1" dirty="0" smtClean="0">
+                <a:solidFill>
+                  <a:srgbClr val="000000"/>
+                </a:solidFill>
+                <a:latin typeface="Angsana New" pitchFamily="18" charset="-34"/>
+                <a:cs typeface="Angsana New" pitchFamily="18" charset="-34"/>
+              </a:rPr>
+              <a:t>ที่กำลังทำ</a:t>
+            </a:r>
+            <a:endParaRPr lang="en-US" b="1" dirty="0">
+              <a:solidFill>
+                <a:srgbClr val="000000"/>
+              </a:solidFill>
+              <a:latin typeface="Angsana New" pitchFamily="18" charset="-34"/>
+              <a:cs typeface="Angsana New" pitchFamily="18" charset="-34"/>
+            </a:endParaRPr>
+          </a:p>
+        </p:txBody>
+      </p:sp>
+      <p:sp>
+        <p:nvSpPr>
+          <p:cNvPr id="3" name="ตัวแทนเนื้อหา 2"/>
+          <p:cNvSpPr>
+            <a:spLocks noGrp="1"/>
+          </p:cNvSpPr>
+          <p:nvPr>
+            <p:ph idx="1"/>
+          </p:nvPr>
+        </p:nvSpPr>
+        <p:spPr/>
+        <p:txBody>
+          <a:bodyPr/>
+          <a:lstStyle/>
+          <a:p>
+            <a:pPr lvl="1"/>
+            <a:r>
+              <a:rPr lang="th-TH" sz="2800" dirty="0">
+                <a:solidFill>
+                  <a:srgbClr val="000000"/>
+                </a:solidFill>
+                <a:latin typeface="Angsana New" pitchFamily="18" charset="-34"/>
+                <a:cs typeface="Angsana New" pitchFamily="18" charset="-34"/>
+              </a:rPr>
+              <a:t>ออกแบบลักษณะ ท่าทางของสัตว์ป่า 3 </a:t>
+            </a:r>
+            <a:r>
+              <a:rPr lang="th-TH" sz="2800" dirty="0" smtClean="0">
+                <a:solidFill>
+                  <a:srgbClr val="000000"/>
+                </a:solidFill>
+                <a:latin typeface="Angsana New" pitchFamily="18" charset="-34"/>
+                <a:cs typeface="Angsana New" pitchFamily="18" charset="-34"/>
+              </a:rPr>
+              <a:t>ตัว</a:t>
+            </a:r>
+            <a:r>
+              <a:rPr lang="en-US" sz="2800" dirty="0" smtClean="0">
+                <a:solidFill>
+                  <a:srgbClr val="000000"/>
+                </a:solidFill>
+                <a:latin typeface="Angsana New" pitchFamily="18" charset="-34"/>
+                <a:cs typeface="Angsana New" pitchFamily="18" charset="-34"/>
+              </a:rPr>
+              <a:t> AI</a:t>
+            </a:r>
+            <a:endParaRPr lang="th-TH" sz="2800" dirty="0" smtClean="0">
+              <a:solidFill>
+                <a:srgbClr val="000000"/>
+              </a:solidFill>
+              <a:latin typeface="Angsana New" pitchFamily="18" charset="-34"/>
+              <a:cs typeface="Angsana New" pitchFamily="18" charset="-34"/>
+            </a:endParaRPr>
+          </a:p>
+          <a:p>
+            <a:pPr lvl="1"/>
+            <a:r>
+              <a:rPr lang="th-TH" sz="2800" dirty="0" smtClean="0">
+                <a:solidFill>
+                  <a:srgbClr val="000000"/>
+                </a:solidFill>
+                <a:latin typeface="Angsana New" pitchFamily="18" charset="-34"/>
+                <a:cs typeface="Angsana New" pitchFamily="18" charset="-34"/>
+              </a:rPr>
+              <a:t>พัฒนาเกมในแต่ละด่าน</a:t>
+            </a:r>
+            <a:endParaRPr lang="en-US" sz="2800" dirty="0" smtClean="0">
+              <a:solidFill>
+                <a:srgbClr val="000000"/>
+              </a:solidFill>
+              <a:latin typeface="Angsana New" pitchFamily="18" charset="-34"/>
+              <a:cs typeface="Angsana New" pitchFamily="18" charset="-34"/>
+            </a:endParaRPr>
+          </a:p>
+          <a:p>
+            <a:pPr lvl="1"/>
+            <a:r>
+              <a:rPr lang="en-US" sz="3600" dirty="0">
+                <a:solidFill>
+                  <a:srgbClr val="000000"/>
+                </a:solidFill>
+                <a:latin typeface="Angsana New" pitchFamily="18" charset="-34"/>
+                <a:cs typeface="Angsana New" pitchFamily="18" charset="-34"/>
+              </a:rPr>
+              <a:t>Go to unity</a:t>
+            </a:r>
+          </a:p>
+          <a:p>
+            <a:endParaRPr lang="en-US" sz="2400" dirty="0" smtClean="0"/>
+          </a:p>
+          <a:p>
+            <a:endParaRPr lang="th-TH" sz="2400" dirty="0"/>
+          </a:p>
+          <a:p>
+            <a:endParaRPr lang="en-US" sz="2400" dirty="0"/>
+          </a:p>
+        </p:txBody>
+      </p:sp>
+      <p:sp>
+        <p:nvSpPr>
+          <p:cNvPr id="4" name="สี่เหลี่ยมผืนผ้า 3"/>
+          <p:cNvSpPr/>
+          <p:nvPr/>
+        </p:nvSpPr>
+        <p:spPr>
+          <a:xfrm>
+            <a:off x="4645681" y="6338411"/>
+            <a:ext cx="2989921" cy="369332"/>
+          </a:xfrm>
+          <a:prstGeom prst="rect">
+            <a:avLst/>
+          </a:prstGeom>
+          <a:noFill/>
+        </p:spPr>
+        <p:txBody>
+          <a:bodyPr wrap="none" lIns="91440" tIns="45720" rIns="91440" bIns="45720">
+            <a:spAutoFit/>
+          </a:bodyPr>
+          <a:lstStyle/>
+          <a:p>
+            <a:pPr algn="ctr"/>
+            <a:r>
+              <a:rPr lang="th-TH" sz="1800" cap="none" spc="0" dirty="0" smtClean="0">
+                <a:ln w="0">
+                  <a:noFill/>
+                </a:ln>
+                <a:solidFill>
+                  <a:srgbClr val="000000"/>
+                </a:solidFill>
+                <a:latin typeface="CordiaUPC" panose="020B0304020202020204" pitchFamily="34" charset="-34"/>
+                <a:cs typeface="CordiaUPC" panose="020B0304020202020204" pitchFamily="34" charset="-34"/>
+              </a:rPr>
+              <a:t>คณะวิทยาศาสตร์ สาขาเทคโนโลยีสารสนเทศ</a:t>
+            </a:r>
+            <a:endParaRPr lang="th-TH" sz="1800" cap="none" spc="0" dirty="0">
+              <a:ln w="0">
+                <a:noFill/>
+              </a:ln>
+              <a:solidFill>
+                <a:srgbClr val="000000"/>
+              </a:solidFill>
+              <a:latin typeface="CordiaUPC" panose="020B0304020202020204" pitchFamily="34" charset="-34"/>
+              <a:cs typeface="CordiaUPC" panose="020B0304020202020204" pitchFamily="34" charset="-34"/>
+            </a:endParaRPr>
+          </a:p>
+        </p:txBody>
+      </p:sp>
+      <p:pic>
+        <p:nvPicPr>
+          <p:cNvPr id="5" name="รูปภาพ 4"/>
+          <p:cNvPicPr>
+            <a:picLocks noChangeAspect="1"/>
+          </p:cNvPicPr>
+          <p:nvPr/>
+        </p:nvPicPr>
+        <p:blipFill>
+          <a:blip r:embed="rId2"/>
+          <a:stretch>
+            <a:fillRect/>
+          </a:stretch>
+        </p:blipFill>
+        <p:spPr>
+          <a:xfrm flipH="1">
+            <a:off x="4329468" y="6269593"/>
+            <a:ext cx="369914" cy="438150"/>
+          </a:xfrm>
+          <a:prstGeom prst="rect">
+            <a:avLst/>
+          </a:prstGeom>
+        </p:spPr>
+      </p:pic>
+    </p:spTree>
+    <p:extLst>
+      <p:ext uri="{BB962C8B-B14F-4D97-AF65-F5344CB8AC3E}">
+        <p14:creationId xmlns:p14="http://schemas.microsoft.com/office/powerpoint/2010/main" val="2910260893"/>
+      </p:ext>
+    </p:extLst>
+  </p:cSld>
+  <p:clrMapOvr>
+    <a:masterClrMapping/>
+  </p:clrMapOvr>
+  <p:transition spd="slow">
+    <p:push dir="r"/>
+  </p:transition>
+  <p:timing>
+    <p:tnLst>
+      <p:par>
+        <p:cTn id="1" dur="indefinite" restart="never" nodeType="tmRoot"/>
+      </p:par>
+    </p:tnLst>
   </p:timing>
 </p:sld>
 </file>

--- a/ppt/สอบความก้าวหน้ครั้งที่1.pptx
+++ b/ppt/สอบความก้าวหน้ครั้งที่1.pptx
@@ -7451,6 +7451,9 @@
                     <p:cTn id="3" fill="hold">
                       <p:stCondLst>
                         <p:cond delay="indefinite"/>
+                        <p:cond evt="onBegin" delay="0">
+                          <p:tn val="2"/>
+                        </p:cond>
                       </p:stCondLst>
                       <p:childTnLst>
                         <p:par>
@@ -7460,7 +7463,7 @@
                             </p:stCondLst>
                             <p:childTnLst>
                               <p:par>
-                                <p:cTn id="5" presetID="16" presetClass="emph" presetSubtype="0" fill="hold" nodeType="clickEffect">
+                                <p:cTn id="5" presetID="16" presetClass="emph" presetSubtype="0" fill="hold" nodeType="withEffect">
                                   <p:stCondLst>
                                     <p:cond delay="0"/>
                                   </p:stCondLst>
@@ -7470,9 +7473,13 @@
                                   <p:childTnLst>
                                     <p:set>
                                       <p:cBhvr override="childStyle">
-                                        <p:cTn id="6" dur="500" fill="hold"/>
+                                        <p:cTn id="6" dur="750" fill="hold"/>
                                         <p:tgtEl>
-                                          <p:spTgt spid="3"/>
+                                          <p:spTgt spid="3">
+                                            <p:txEl>
+                                              <p:pRg st="0" end="0"/>
+                                            </p:txEl>
+                                          </p:spTgt>
                                         </p:tgtEl>
                                         <p:attrNameLst>
                                           <p:attrName>style.color</p:attrName>
@@ -7486,9 +7493,13 @@
                                     </p:set>
                                     <p:set>
                                       <p:cBhvr>
-                                        <p:cTn id="7" dur="500" fill="hold"/>
+                                        <p:cTn id="7" dur="750" fill="hold"/>
                                         <p:tgtEl>
-                                          <p:spTgt spid="3"/>
+                                          <p:spTgt spid="3">
+                                            <p:txEl>
+                                              <p:pRg st="0" end="0"/>
+                                            </p:txEl>
+                                          </p:spTgt>
                                         </p:tgtEl>
                                         <p:attrNameLst>
                                           <p:attrName>fillcolor</p:attrName>
@@ -7502,9 +7513,293 @@
                                     </p:set>
                                     <p:set>
                                       <p:cBhvr>
-                                        <p:cTn id="8" dur="500" fill="hold"/>
+                                        <p:cTn id="8" dur="750" fill="hold"/>
                                         <p:tgtEl>
-                                          <p:spTgt spid="3"/>
+                                          <p:spTgt spid="3">
+                                            <p:txEl>
+                                              <p:pRg st="0" end="0"/>
+                                            </p:txEl>
+                                          </p:spTgt>
+                                        </p:tgtEl>
+                                        <p:attrNameLst>
+                                          <p:attrName>fill.type</p:attrName>
+                                        </p:attrNameLst>
+                                      </p:cBhvr>
+                                      <p:to>
+                                        <p:strVal val="solid"/>
+                                      </p:to>
+                                    </p:set>
+                                  </p:childTnLst>
+                                </p:cTn>
+                              </p:par>
+                              <p:par>
+                                <p:cTn id="9" presetID="16" presetClass="emph" presetSubtype="0" fill="hold" nodeType="withEffect">
+                                  <p:stCondLst>
+                                    <p:cond delay="0"/>
+                                  </p:stCondLst>
+                                  <p:iterate type="lt">
+                                    <p:tmPct val="4000"/>
+                                  </p:iterate>
+                                  <p:childTnLst>
+                                    <p:set>
+                                      <p:cBhvr override="childStyle">
+                                        <p:cTn id="10" dur="750" fill="hold"/>
+                                        <p:tgtEl>
+                                          <p:spTgt spid="3">
+                                            <p:txEl>
+                                              <p:pRg st="1" end="1"/>
+                                            </p:txEl>
+                                          </p:spTgt>
+                                        </p:tgtEl>
+                                        <p:attrNameLst>
+                                          <p:attrName>style.color</p:attrName>
+                                        </p:attrNameLst>
+                                      </p:cBhvr>
+                                      <p:to>
+                                        <p:clrVal>
+                                          <a:srgbClr val="004EEA"/>
+                                        </p:clrVal>
+                                      </p:to>
+                                    </p:set>
+                                    <p:set>
+                                      <p:cBhvr>
+                                        <p:cTn id="11" dur="750" fill="hold"/>
+                                        <p:tgtEl>
+                                          <p:spTgt spid="3">
+                                            <p:txEl>
+                                              <p:pRg st="1" end="1"/>
+                                            </p:txEl>
+                                          </p:spTgt>
+                                        </p:tgtEl>
+                                        <p:attrNameLst>
+                                          <p:attrName>fillcolor</p:attrName>
+                                        </p:attrNameLst>
+                                      </p:cBhvr>
+                                      <p:to>
+                                        <p:clrVal>
+                                          <a:srgbClr val="004EEA"/>
+                                        </p:clrVal>
+                                      </p:to>
+                                    </p:set>
+                                    <p:set>
+                                      <p:cBhvr>
+                                        <p:cTn id="12" dur="750" fill="hold"/>
+                                        <p:tgtEl>
+                                          <p:spTgt spid="3">
+                                            <p:txEl>
+                                              <p:pRg st="1" end="1"/>
+                                            </p:txEl>
+                                          </p:spTgt>
+                                        </p:tgtEl>
+                                        <p:attrNameLst>
+                                          <p:attrName>fill.type</p:attrName>
+                                        </p:attrNameLst>
+                                      </p:cBhvr>
+                                      <p:to>
+                                        <p:strVal val="solid"/>
+                                      </p:to>
+                                    </p:set>
+                                  </p:childTnLst>
+                                </p:cTn>
+                              </p:par>
+                              <p:par>
+                                <p:cTn id="13" presetID="16" presetClass="emph" presetSubtype="0" fill="hold" nodeType="withEffect">
+                                  <p:stCondLst>
+                                    <p:cond delay="0"/>
+                                  </p:stCondLst>
+                                  <p:iterate type="lt">
+                                    <p:tmPct val="4000"/>
+                                  </p:iterate>
+                                  <p:childTnLst>
+                                    <p:set>
+                                      <p:cBhvr override="childStyle">
+                                        <p:cTn id="14" dur="750" fill="hold"/>
+                                        <p:tgtEl>
+                                          <p:spTgt spid="3">
+                                            <p:txEl>
+                                              <p:pRg st="2" end="2"/>
+                                            </p:txEl>
+                                          </p:spTgt>
+                                        </p:tgtEl>
+                                        <p:attrNameLst>
+                                          <p:attrName>style.color</p:attrName>
+                                        </p:attrNameLst>
+                                      </p:cBhvr>
+                                      <p:to>
+                                        <p:clrVal>
+                                          <a:srgbClr val="004EEA"/>
+                                        </p:clrVal>
+                                      </p:to>
+                                    </p:set>
+                                    <p:set>
+                                      <p:cBhvr>
+                                        <p:cTn id="15" dur="750" fill="hold"/>
+                                        <p:tgtEl>
+                                          <p:spTgt spid="3">
+                                            <p:txEl>
+                                              <p:pRg st="2" end="2"/>
+                                            </p:txEl>
+                                          </p:spTgt>
+                                        </p:tgtEl>
+                                        <p:attrNameLst>
+                                          <p:attrName>fillcolor</p:attrName>
+                                        </p:attrNameLst>
+                                      </p:cBhvr>
+                                      <p:to>
+                                        <p:clrVal>
+                                          <a:srgbClr val="004EEA"/>
+                                        </p:clrVal>
+                                      </p:to>
+                                    </p:set>
+                                    <p:set>
+                                      <p:cBhvr>
+                                        <p:cTn id="16" dur="750" fill="hold"/>
+                                        <p:tgtEl>
+                                          <p:spTgt spid="3">
+                                            <p:txEl>
+                                              <p:pRg st="2" end="2"/>
+                                            </p:txEl>
+                                          </p:spTgt>
+                                        </p:tgtEl>
+                                        <p:attrNameLst>
+                                          <p:attrName>fill.type</p:attrName>
+                                        </p:attrNameLst>
+                                      </p:cBhvr>
+                                      <p:to>
+                                        <p:strVal val="solid"/>
+                                      </p:to>
+                                    </p:set>
+                                  </p:childTnLst>
+                                </p:cTn>
+                              </p:par>
+                              <p:par>
+                                <p:cTn id="17" presetID="16" presetClass="emph" presetSubtype="0" fill="hold" nodeType="withEffect">
+                                  <p:stCondLst>
+                                    <p:cond delay="0"/>
+                                  </p:stCondLst>
+                                  <p:iterate type="lt">
+                                    <p:tmPct val="4000"/>
+                                  </p:iterate>
+                                  <p:childTnLst>
+                                    <p:set>
+                                      <p:cBhvr override="childStyle">
+                                        <p:cTn id="18" dur="750" fill="hold"/>
+                                        <p:tgtEl>
+                                          <p:spTgt spid="3">
+                                            <p:txEl>
+                                              <p:pRg st="4" end="4"/>
+                                            </p:txEl>
+                                          </p:spTgt>
+                                        </p:tgtEl>
+                                        <p:attrNameLst>
+                                          <p:attrName>style.color</p:attrName>
+                                        </p:attrNameLst>
+                                      </p:cBhvr>
+                                      <p:to>
+                                        <p:clrVal>
+                                          <a:srgbClr val="004EEA"/>
+                                        </p:clrVal>
+                                      </p:to>
+                                    </p:set>
+                                    <p:set>
+                                      <p:cBhvr>
+                                        <p:cTn id="19" dur="750" fill="hold"/>
+                                        <p:tgtEl>
+                                          <p:spTgt spid="3">
+                                            <p:txEl>
+                                              <p:pRg st="4" end="4"/>
+                                            </p:txEl>
+                                          </p:spTgt>
+                                        </p:tgtEl>
+                                        <p:attrNameLst>
+                                          <p:attrName>fillcolor</p:attrName>
+                                        </p:attrNameLst>
+                                      </p:cBhvr>
+                                      <p:to>
+                                        <p:clrVal>
+                                          <a:srgbClr val="004EEA"/>
+                                        </p:clrVal>
+                                      </p:to>
+                                    </p:set>
+                                    <p:set>
+                                      <p:cBhvr>
+                                        <p:cTn id="20" dur="750" fill="hold"/>
+                                        <p:tgtEl>
+                                          <p:spTgt spid="3">
+                                            <p:txEl>
+                                              <p:pRg st="4" end="4"/>
+                                            </p:txEl>
+                                          </p:spTgt>
+                                        </p:tgtEl>
+                                        <p:attrNameLst>
+                                          <p:attrName>fill.type</p:attrName>
+                                        </p:attrNameLst>
+                                      </p:cBhvr>
+                                      <p:to>
+                                        <p:strVal val="solid"/>
+                                      </p:to>
+                                    </p:set>
+                                  </p:childTnLst>
+                                </p:cTn>
+                              </p:par>
+                              <p:par>
+                                <p:cTn id="21" presetID="16" presetClass="emph" presetSubtype="0" fill="hold" nodeType="withEffect">
+                                  <p:stCondLst>
+                                    <p:cond delay="0"/>
+                                  </p:stCondLst>
+                                  <p:iterate type="lt">
+                                    <p:tmPct val="4000"/>
+                                  </p:iterate>
+                                  <p:childTnLst>
+                                    <p:set>
+                                      <p:cBhvr override="childStyle">
+                                        <p:cTn id="22" dur="750" fill="hold"/>
+                                        <p:tgtEl>
+                                          <p:spTgt spid="3">
+                                            <p:txEl>
+                                              <p:pRg st="5" end="5"/>
+                                            </p:txEl>
+                                          </p:spTgt>
+                                        </p:tgtEl>
+                                        <p:attrNameLst>
+                                          <p:attrName>style.color</p:attrName>
+                                        </p:attrNameLst>
+                                      </p:cBhvr>
+                                      <p:to>
+                                        <p:clrVal>
+                                          <a:srgbClr val="004EEA"/>
+                                        </p:clrVal>
+                                      </p:to>
+                                    </p:set>
+                                    <p:set>
+                                      <p:cBhvr>
+                                        <p:cTn id="23" dur="750" fill="hold"/>
+                                        <p:tgtEl>
+                                          <p:spTgt spid="3">
+                                            <p:txEl>
+                                              <p:pRg st="5" end="5"/>
+                                            </p:txEl>
+                                          </p:spTgt>
+                                        </p:tgtEl>
+                                        <p:attrNameLst>
+                                          <p:attrName>fillcolor</p:attrName>
+                                        </p:attrNameLst>
+                                      </p:cBhvr>
+                                      <p:to>
+                                        <p:clrVal>
+                                          <a:srgbClr val="004EEA"/>
+                                        </p:clrVal>
+                                      </p:to>
+                                    </p:set>
+                                    <p:set>
+                                      <p:cBhvr>
+                                        <p:cTn id="24" dur="750" fill="hold"/>
+                                        <p:tgtEl>
+                                          <p:spTgt spid="3">
+                                            <p:txEl>
+                                              <p:pRg st="5" end="5"/>
+                                            </p:txEl>
+                                          </p:spTgt>
                                         </p:tgtEl>
                                         <p:attrNameLst>
                                           <p:attrName>fill.type</p:attrName>
@@ -7524,19 +7819,19 @@
                     </p:cTn>
                   </p:par>
                   <p:par>
-                    <p:cTn id="9" fill="hold">
+                    <p:cTn id="25" fill="hold">
                       <p:stCondLst>
                         <p:cond delay="indefinite"/>
                       </p:stCondLst>
                       <p:childTnLst>
                         <p:par>
-                          <p:cTn id="10" fill="hold">
+                          <p:cTn id="26" fill="hold">
                             <p:stCondLst>
                               <p:cond delay="0"/>
                             </p:stCondLst>
                             <p:childTnLst>
                               <p:par>
-                                <p:cTn id="11" presetID="16" presetClass="emph" presetSubtype="0" fill="hold" nodeType="clickEffect">
+                                <p:cTn id="27" presetID="16" presetClass="emph" presetSubtype="0" fill="hold" nodeType="clickEffect">
                                   <p:stCondLst>
                                     <p:cond delay="0"/>
                                   </p:stCondLst>
@@ -7546,7 +7841,95 @@
                                   <p:childTnLst>
                                     <p:set>
                                       <p:cBhvr override="childStyle">
-                                        <p:cTn id="12" dur="1000" fill="hold"/>
+                                        <p:cTn id="28" dur="750" fill="hold"/>
+                                        <p:tgtEl>
+                                          <p:spTgt spid="3">
+                                            <p:txEl>
+                                              <p:pRg st="6" end="6"/>
+                                            </p:txEl>
+                                          </p:spTgt>
+                                        </p:tgtEl>
+                                        <p:attrNameLst>
+                                          <p:attrName>style.color</p:attrName>
+                                        </p:attrNameLst>
+                                      </p:cBhvr>
+                                      <p:to>
+                                        <p:clrVal>
+                                          <a:srgbClr val="7030A0"/>
+                                        </p:clrVal>
+                                      </p:to>
+                                    </p:set>
+                                    <p:set>
+                                      <p:cBhvr>
+                                        <p:cTn id="29" dur="750" fill="hold"/>
+                                        <p:tgtEl>
+                                          <p:spTgt spid="3">
+                                            <p:txEl>
+                                              <p:pRg st="6" end="6"/>
+                                            </p:txEl>
+                                          </p:spTgt>
+                                        </p:tgtEl>
+                                        <p:attrNameLst>
+                                          <p:attrName>fillcolor</p:attrName>
+                                        </p:attrNameLst>
+                                      </p:cBhvr>
+                                      <p:to>
+                                        <p:clrVal>
+                                          <a:srgbClr val="7030A0"/>
+                                        </p:clrVal>
+                                      </p:to>
+                                    </p:set>
+                                    <p:set>
+                                      <p:cBhvr>
+                                        <p:cTn id="30" dur="750" fill="hold"/>
+                                        <p:tgtEl>
+                                          <p:spTgt spid="3">
+                                            <p:txEl>
+                                              <p:pRg st="6" end="6"/>
+                                            </p:txEl>
+                                          </p:spTgt>
+                                        </p:tgtEl>
+                                        <p:attrNameLst>
+                                          <p:attrName>fill.type</p:attrName>
+                                        </p:attrNameLst>
+                                      </p:cBhvr>
+                                      <p:to>
+                                        <p:strVal val="solid"/>
+                                      </p:to>
+                                    </p:set>
+                                  </p:childTnLst>
+                                </p:cTn>
+                              </p:par>
+                            </p:childTnLst>
+                          </p:cTn>
+                        </p:par>
+                      </p:childTnLst>
+                    </p:cTn>
+                  </p:par>
+                  <p:par>
+                    <p:cTn id="31" fill="hold">
+                      <p:stCondLst>
+                        <p:cond delay="indefinite"/>
+                      </p:stCondLst>
+                      <p:childTnLst>
+                        <p:par>
+                          <p:cTn id="32" fill="hold">
+                            <p:stCondLst>
+                              <p:cond delay="0"/>
+                            </p:stCondLst>
+                            <p:childTnLst>
+                              <p:par>
+                                <p:cTn id="33" presetID="16" presetClass="emph" presetSubtype="0" fill="hold" nodeType="clickEffect">
+                                  <p:stCondLst>
+                                    <p:cond delay="0"/>
+                                  </p:stCondLst>
+                                  <p:iterate type="lt">
+                                    <p:tmPct val="4000"/>
+                                  </p:iterate>
+                                  <p:childTnLst>
+                                    <p:set>
+                                      <p:cBhvr override="childStyle">
+                                        <p:cTn id="34" dur="750" fill="hold"/>
                                         <p:tgtEl>
                                           <p:spTgt spid="3">
                                             <p:txEl>
@@ -7566,7 +7949,7 @@
                                     </p:set>
                                     <p:set>
                                       <p:cBhvr>
-                                        <p:cTn id="13" dur="1000" fill="hold"/>
+                                        <p:cTn id="35" dur="750" fill="hold"/>
                                         <p:tgtEl>
                                           <p:spTgt spid="3">
                                             <p:txEl>
@@ -7586,7 +7969,7 @@
                                     </p:set>
                                     <p:set>
                                       <p:cBhvr>
-                                        <p:cTn id="14" dur="1000" fill="hold"/>
+                                        <p:cTn id="36" dur="750" fill="hold"/>
                                         <p:tgtEl>
                                           <p:spTgt spid="3">
                                             <p:txEl>
@@ -7605,8 +7988,26 @@
                                   </p:childTnLst>
                                 </p:cTn>
                               </p:par>
+                            </p:childTnLst>
+                          </p:cTn>
+                        </p:par>
+                      </p:childTnLst>
+                    </p:cTn>
+                  </p:par>
+                  <p:par>
+                    <p:cTn id="37" fill="hold">
+                      <p:stCondLst>
+                        <p:cond delay="indefinite"/>
+                      </p:stCondLst>
+                      <p:childTnLst>
+                        <p:par>
+                          <p:cTn id="38" fill="hold">
+                            <p:stCondLst>
+                              <p:cond delay="0"/>
+                            </p:stCondLst>
+                            <p:childTnLst>
                               <p:par>
-                                <p:cTn id="15" presetID="16" presetClass="emph" presetSubtype="0" fill="hold" nodeType="withEffect">
+                                <p:cTn id="39" presetID="16" presetClass="emph" presetSubtype="0" fill="hold" nodeType="clickEffect">
                                   <p:stCondLst>
                                     <p:cond delay="0"/>
                                   </p:stCondLst>
@@ -7616,7 +8017,7 @@
                                   <p:childTnLst>
                                     <p:set>
                                       <p:cBhvr override="childStyle">
-                                        <p:cTn id="16" dur="1000" fill="hold"/>
+                                        <p:cTn id="40" dur="750" fill="hold"/>
                                         <p:tgtEl>
                                           <p:spTgt spid="3">
                                             <p:txEl>
@@ -7636,7 +8037,7 @@
                                     </p:set>
                                     <p:set>
                                       <p:cBhvr>
-                                        <p:cTn id="17" dur="1000" fill="hold"/>
+                                        <p:cTn id="41" dur="750" fill="hold"/>
                                         <p:tgtEl>
                                           <p:spTgt spid="3">
                                             <p:txEl>
@@ -7656,7 +8057,7 @@
                                     </p:set>
                                     <p:set>
                                       <p:cBhvr>
-                                        <p:cTn id="18" dur="1000" fill="hold"/>
+                                        <p:cTn id="42" dur="750" fill="hold"/>
                                         <p:tgtEl>
                                           <p:spTgt spid="3">
                                             <p:txEl>

--- a/ppt/สอบความก้าวหน้ครั้งที่1.pptx
+++ b/ppt/สอบความก้าวหน้ครั้งที่1.pptx
@@ -120,7 +120,7 @@
   </p:defaultTextStyle>
   <p:extLst>
     <p:ext uri="{EFAFB233-063F-42B5-8137-9DF3F51BA10A}">
-      <p15:sldGuideLst xmlns:p15="http://schemas.microsoft.com/office/powerpoint/2012/main" xmlns=""/>
+      <p15:sldGuideLst xmlns="" xmlns:p15="http://schemas.microsoft.com/office/powerpoint/2012/main"/>
     </p:ext>
   </p:extLst>
 </p:presentation>
@@ -848,7 +848,7 @@
           <a:p>
             <a:fld id="{A16629F6-7702-4C0B-8812-7CDEBCF6D9C9}" type="datetimeFigureOut">
               <a:rPr lang="th-TH" smtClean="0"/>
-              <a:t>03/02/59</a:t>
+              <a:t>04/02/59</a:t>
             </a:fld>
             <a:endParaRPr lang="th-TH"/>
           </a:p>
@@ -1099,7 +1099,7 @@
           <a:p>
             <a:fld id="{A16629F6-7702-4C0B-8812-7CDEBCF6D9C9}" type="datetimeFigureOut">
               <a:rPr lang="th-TH" smtClean="0"/>
-              <a:t>03/02/59</a:t>
+              <a:t>04/02/59</a:t>
             </a:fld>
             <a:endParaRPr lang="th-TH"/>
           </a:p>
@@ -1413,7 +1413,7 @@
           <a:p>
             <a:fld id="{A16629F6-7702-4C0B-8812-7CDEBCF6D9C9}" type="datetimeFigureOut">
               <a:rPr lang="th-TH" smtClean="0"/>
-              <a:t>03/02/59</a:t>
+              <a:t>04/02/59</a:t>
             </a:fld>
             <a:endParaRPr lang="th-TH"/>
           </a:p>
@@ -1754,7 +1754,7 @@
           <a:p>
             <a:fld id="{A16629F6-7702-4C0B-8812-7CDEBCF6D9C9}" type="datetimeFigureOut">
               <a:rPr lang="th-TH" smtClean="0"/>
-              <a:t>03/02/59</a:t>
+              <a:t>04/02/59</a:t>
             </a:fld>
             <a:endParaRPr lang="th-TH"/>
           </a:p>
@@ -2068,7 +2068,7 @@
           <a:p>
             <a:fld id="{A16629F6-7702-4C0B-8812-7CDEBCF6D9C9}" type="datetimeFigureOut">
               <a:rPr lang="th-TH" smtClean="0"/>
-              <a:t>03/02/59</a:t>
+              <a:t>04/02/59</a:t>
             </a:fld>
             <a:endParaRPr lang="th-TH"/>
           </a:p>
@@ -2461,7 +2461,7 @@
           <a:p>
             <a:fld id="{A16629F6-7702-4C0B-8812-7CDEBCF6D9C9}" type="datetimeFigureOut">
               <a:rPr lang="th-TH" smtClean="0"/>
-              <a:t>03/02/59</a:t>
+              <a:t>04/02/59</a:t>
             </a:fld>
             <a:endParaRPr lang="th-TH"/>
           </a:p>
@@ -2631,7 +2631,7 @@
           <a:p>
             <a:fld id="{A16629F6-7702-4C0B-8812-7CDEBCF6D9C9}" type="datetimeFigureOut">
               <a:rPr lang="th-TH" smtClean="0"/>
-              <a:t>03/02/59</a:t>
+              <a:t>04/02/59</a:t>
             </a:fld>
             <a:endParaRPr lang="th-TH"/>
           </a:p>
@@ -2811,7 +2811,7 @@
           <a:p>
             <a:fld id="{A16629F6-7702-4C0B-8812-7CDEBCF6D9C9}" type="datetimeFigureOut">
               <a:rPr lang="th-TH" smtClean="0"/>
-              <a:t>03/02/59</a:t>
+              <a:t>04/02/59</a:t>
             </a:fld>
             <a:endParaRPr lang="th-TH"/>
           </a:p>
@@ -2987,7 +2987,7 @@
           <a:p>
             <a:fld id="{A16629F6-7702-4C0B-8812-7CDEBCF6D9C9}" type="datetimeFigureOut">
               <a:rPr lang="th-TH" smtClean="0"/>
-              <a:t>03/02/59</a:t>
+              <a:t>04/02/59</a:t>
             </a:fld>
             <a:endParaRPr lang="th-TH"/>
           </a:p>
@@ -3234,7 +3234,7 @@
           <a:p>
             <a:fld id="{A16629F6-7702-4C0B-8812-7CDEBCF6D9C9}" type="datetimeFigureOut">
               <a:rPr lang="th-TH" smtClean="0"/>
-              <a:t>03/02/59</a:t>
+              <a:t>04/02/59</a:t>
             </a:fld>
             <a:endParaRPr lang="th-TH"/>
           </a:p>
@@ -3466,7 +3466,7 @@
           <a:p>
             <a:fld id="{A16629F6-7702-4C0B-8812-7CDEBCF6D9C9}" type="datetimeFigureOut">
               <a:rPr lang="th-TH" smtClean="0"/>
-              <a:t>03/02/59</a:t>
+              <a:t>04/02/59</a:t>
             </a:fld>
             <a:endParaRPr lang="th-TH"/>
           </a:p>
@@ -3840,7 +3840,7 @@
           <a:p>
             <a:fld id="{A16629F6-7702-4C0B-8812-7CDEBCF6D9C9}" type="datetimeFigureOut">
               <a:rPr lang="th-TH" smtClean="0"/>
-              <a:t>03/02/59</a:t>
+              <a:t>04/02/59</a:t>
             </a:fld>
             <a:endParaRPr lang="th-TH"/>
           </a:p>
@@ -3963,7 +3963,7 @@
           <a:p>
             <a:fld id="{A16629F6-7702-4C0B-8812-7CDEBCF6D9C9}" type="datetimeFigureOut">
               <a:rPr lang="th-TH" smtClean="0"/>
-              <a:t>03/02/59</a:t>
+              <a:t>04/02/59</a:t>
             </a:fld>
             <a:endParaRPr lang="th-TH"/>
           </a:p>
@@ -4058,7 +4058,7 @@
           <a:p>
             <a:fld id="{A16629F6-7702-4C0B-8812-7CDEBCF6D9C9}" type="datetimeFigureOut">
               <a:rPr lang="th-TH" smtClean="0"/>
-              <a:t>03/02/59</a:t>
+              <a:t>04/02/59</a:t>
             </a:fld>
             <a:endParaRPr lang="th-TH"/>
           </a:p>
@@ -4313,7 +4313,7 @@
           <a:p>
             <a:fld id="{A16629F6-7702-4C0B-8812-7CDEBCF6D9C9}" type="datetimeFigureOut">
               <a:rPr lang="th-TH" smtClean="0"/>
-              <a:t>03/02/59</a:t>
+              <a:t>04/02/59</a:t>
             </a:fld>
             <a:endParaRPr lang="th-TH"/>
           </a:p>
@@ -4576,7 +4576,7 @@
           <a:p>
             <a:fld id="{A16629F6-7702-4C0B-8812-7CDEBCF6D9C9}" type="datetimeFigureOut">
               <a:rPr lang="th-TH" smtClean="0"/>
-              <a:t>03/02/59</a:t>
+              <a:t>04/02/59</a:t>
             </a:fld>
             <a:endParaRPr lang="th-TH"/>
           </a:p>
@@ -5319,7 +5319,7 @@
           <a:p>
             <a:fld id="{A16629F6-7702-4C0B-8812-7CDEBCF6D9C9}" type="datetimeFigureOut">
               <a:rPr lang="th-TH" smtClean="0"/>
-              <a:t>03/02/59</a:t>
+              <a:t>04/02/59</a:t>
             </a:fld>
             <a:endParaRPr lang="th-TH"/>
           </a:p>
@@ -6764,13 +6764,13 @@
   <p:clrMapOvr>
     <a:masterClrMapping/>
   </p:clrMapOvr>
-  <mc:AlternateContent xmlns:mc="http://schemas.openxmlformats.org/markup-compatibility/2006">
-    <mc:Choice xmlns:p14="http://schemas.microsoft.com/office/powerpoint/2010/main" Requires="p14">
+  <mc:AlternateContent xmlns:mc="http://schemas.openxmlformats.org/markup-compatibility/2006" xmlns:p14="http://schemas.microsoft.com/office/powerpoint/2010/main">
+    <mc:Choice Requires="p14">
       <p:transition spd="slow" p14:dur="1200">
         <p14:prism dir="d"/>
       </p:transition>
     </mc:Choice>
-    <mc:Fallback>
+    <mc:Fallback xmlns="">
       <p:transition spd="slow">
         <p:fade/>
       </p:transition>
@@ -7427,13 +7427,13 @@
   <p:clrMapOvr>
     <a:masterClrMapping/>
   </p:clrMapOvr>
-  <mc:AlternateContent xmlns:mc="http://schemas.openxmlformats.org/markup-compatibility/2006">
-    <mc:Choice xmlns:p14="http://schemas.microsoft.com/office/powerpoint/2010/main" Requires="p14">
+  <mc:AlternateContent xmlns:mc="http://schemas.openxmlformats.org/markup-compatibility/2006" xmlns:p14="http://schemas.microsoft.com/office/powerpoint/2010/main">
+    <mc:Choice Requires="p14">
       <p:transition spd="slow" p14:dur="800">
         <p:circle/>
       </p:transition>
     </mc:Choice>
-    <mc:Fallback>
+    <mc:Fallback xmlns="">
       <p:transition spd="slow">
         <p:circle/>
       </p:transition>
@@ -8303,13 +8303,13 @@
   <p:clrMapOvr>
     <a:masterClrMapping/>
   </p:clrMapOvr>
-  <mc:AlternateContent xmlns:mc="http://schemas.openxmlformats.org/markup-compatibility/2006">
-    <mc:Choice xmlns:p14="http://schemas.microsoft.com/office/powerpoint/2010/main" Requires="p14">
+  <mc:AlternateContent xmlns:mc="http://schemas.openxmlformats.org/markup-compatibility/2006" xmlns:p14="http://schemas.microsoft.com/office/powerpoint/2010/main">
+    <mc:Choice Requires="p14">
       <p:transition spd="slow" p14:dur="1200">
         <p:zoom dir="in"/>
       </p:transition>
     </mc:Choice>
-    <mc:Fallback>
+    <mc:Fallback xmlns="">
       <p:transition spd="slow">
         <p:zoom dir="in"/>
       </p:transition>
@@ -18560,13 +18560,13 @@
   <p:clrMapOvr>
     <a:masterClrMapping/>
   </p:clrMapOvr>
-  <mc:AlternateContent xmlns:mc="http://schemas.openxmlformats.org/markup-compatibility/2006">
-    <mc:Choice xmlns:p14="http://schemas.microsoft.com/office/powerpoint/2010/main" Requires="p14">
+  <mc:AlternateContent xmlns:mc="http://schemas.openxmlformats.org/markup-compatibility/2006" xmlns:p14="http://schemas.microsoft.com/office/powerpoint/2010/main">
+    <mc:Choice Requires="p14">
       <p:transition spd="slow" p14:dur="3400">
         <p14:reveal/>
       </p:transition>
     </mc:Choice>
-    <mc:Fallback>
+    <mc:Fallback xmlns="">
       <p:transition spd="slow">
         <p:fade/>
       </p:transition>
@@ -18881,13 +18881,13 @@
   <p:clrMapOvr>
     <a:masterClrMapping/>
   </p:clrMapOvr>
-  <mc:AlternateContent xmlns:mc="http://schemas.openxmlformats.org/markup-compatibility/2006">
-    <mc:Choice xmlns:p14="http://schemas.microsoft.com/office/powerpoint/2010/main" Requires="p14">
+  <mc:AlternateContent xmlns:mc="http://schemas.openxmlformats.org/markup-compatibility/2006" xmlns:p14="http://schemas.microsoft.com/office/powerpoint/2010/main">
+    <mc:Choice Requires="p14">
       <p:transition spd="slow" p14:dur="2500">
         <p:checker/>
       </p:transition>
     </mc:Choice>
-    <mc:Fallback>
+    <mc:Fallback xmlns="">
       <p:transition spd="slow">
         <p:checker/>
       </p:transition>
@@ -19381,13 +19381,13 @@
   <p:clrMapOvr>
     <a:masterClrMapping/>
   </p:clrMapOvr>
-  <mc:AlternateContent xmlns:mc="http://schemas.openxmlformats.org/markup-compatibility/2006">
-    <mc:Choice xmlns:p14="http://schemas.microsoft.com/office/powerpoint/2010/main" Requires="p14">
+  <mc:AlternateContent xmlns:mc="http://schemas.openxmlformats.org/markup-compatibility/2006" xmlns:p14="http://schemas.microsoft.com/office/powerpoint/2010/main">
+    <mc:Choice Requires="p14">
       <p:transition spd="slow" p14:dur="2000">
         <p14:prism isContent="1"/>
       </p:transition>
     </mc:Choice>
-    <mc:Fallback>
+    <mc:Fallback xmlns="">
       <p:transition spd="slow">
         <p:fade/>
       </p:transition>
@@ -19547,13 +19547,13 @@
   <p:clrMapOvr>
     <a:masterClrMapping/>
   </p:clrMapOvr>
-  <mc:AlternateContent xmlns:mc="http://schemas.openxmlformats.org/markup-compatibility/2006">
-    <mc:Choice xmlns:p14="http://schemas.microsoft.com/office/powerpoint/2010/main" Requires="p14">
+  <mc:AlternateContent xmlns:mc="http://schemas.openxmlformats.org/markup-compatibility/2006" xmlns:p14="http://schemas.microsoft.com/office/powerpoint/2010/main">
+    <mc:Choice Requires="p14">
       <p:transition spd="slow" p14:dur="1600">
         <p14:prism dir="d" isContent="1"/>
       </p:transition>
     </mc:Choice>
-    <mc:Fallback>
+    <mc:Fallback xmlns="">
       <p:transition spd="slow">
         <p:fade/>
       </p:transition>
@@ -19914,13 +19914,13 @@
   <p:clrMapOvr>
     <a:masterClrMapping/>
   </p:clrMapOvr>
-  <mc:AlternateContent xmlns:mc="http://schemas.openxmlformats.org/markup-compatibility/2006">
-    <mc:Choice xmlns:p14="http://schemas.microsoft.com/office/powerpoint/2010/main" Requires="p14">
+  <mc:AlternateContent xmlns:mc="http://schemas.openxmlformats.org/markup-compatibility/2006" xmlns:p14="http://schemas.microsoft.com/office/powerpoint/2010/main">
+    <mc:Choice Requires="p14">
       <p:transition spd="slow" p14:dur="1600">
         <p14:prism dir="r" isContent="1"/>
       </p:transition>
     </mc:Choice>
-    <mc:Fallback>
+    <mc:Fallback xmlns="">
       <p:transition spd="slow">
         <p:fade/>
       </p:transition>
@@ -20450,13 +20450,13 @@
   <p:clrMapOvr>
     <a:masterClrMapping/>
   </p:clrMapOvr>
-  <mc:AlternateContent xmlns:mc="http://schemas.openxmlformats.org/markup-compatibility/2006">
-    <mc:Choice xmlns:p14="http://schemas.microsoft.com/office/powerpoint/2010/main" Requires="p14">
+  <mc:AlternateContent xmlns:mc="http://schemas.openxmlformats.org/markup-compatibility/2006" xmlns:p14="http://schemas.microsoft.com/office/powerpoint/2010/main">
+    <mc:Choice Requires="p14">
       <p:transition spd="slow" p14:dur="2000">
         <p14:prism dir="u" isContent="1"/>
       </p:transition>
     </mc:Choice>
-    <mc:Fallback>
+    <mc:Fallback xmlns="">
       <p:transition spd="slow">
         <p:fade/>
       </p:transition>
@@ -20775,49 +20775,8 @@
         </p:blipFill>
         <p:spPr bwMode="auto">
           <a:xfrm>
-            <a:off x="3928011" y="1612767"/>
-            <a:ext cx="4109859" cy="2292992"/>
-          </a:xfrm>
-          <a:prstGeom prst="rect">
-            <a:avLst/>
-          </a:prstGeom>
-          <a:noFill/>
-          <a:extLst>
-            <a:ext uri="{909E8E84-426E-40DD-AFC4-6F175D3DCCD1}">
-              <a14:hiddenFill xmlns:a14="http://schemas.microsoft.com/office/drawing/2010/main">
-                <a:solidFill>
-                  <a:srgbClr val="FFFFFF"/>
-                </a:solidFill>
-              </a14:hiddenFill>
-            </a:ext>
-          </a:extLst>
-        </p:spPr>
-      </p:pic>
-      <p:pic>
-        <p:nvPicPr>
-          <p:cNvPr id="2052" name="Picture 4" descr="D:\IT\4\term2\Project_animal\ppt\รูปใช้สอบก้าวหน้า\ออกแบบหน้าจอ3.png"/>
-          <p:cNvPicPr>
-            <a:picLocks noChangeAspect="1" noChangeArrowheads="1"/>
-          </p:cNvPicPr>
-          <p:nvPr/>
-        </p:nvPicPr>
-        <p:blipFill>
-          <a:blip r:embed="rId5">
-            <a:extLst>
-              <a:ext uri="{28A0092B-C50C-407E-A947-70E740481C1C}">
-                <a14:useLocalDpi xmlns:a14="http://schemas.microsoft.com/office/drawing/2010/main" val="0"/>
-              </a:ext>
-            </a:extLst>
-          </a:blip>
-          <a:srcRect/>
-          <a:stretch>
-            <a:fillRect/>
-          </a:stretch>
-        </p:blipFill>
-        <p:spPr bwMode="auto">
-          <a:xfrm>
-            <a:off x="8037870" y="1869710"/>
-            <a:ext cx="3566211" cy="2033923"/>
+            <a:off x="3670433" y="1871926"/>
+            <a:ext cx="3927697" cy="2191359"/>
           </a:xfrm>
           <a:prstGeom prst="rect">
             <a:avLst/>
@@ -20843,7 +20802,7 @@
           <p:nvPr/>
         </p:nvPicPr>
         <p:blipFill>
-          <a:blip r:embed="rId6" cstate="print">
+          <a:blip r:embed="rId5" cstate="print">
             <a:extLst>
               <a:ext uri="{28A0092B-C50C-407E-A947-70E740481C1C}">
                 <a14:useLocalDpi xmlns:a14="http://schemas.microsoft.com/office/drawing/2010/main" val="0"/>
@@ -20857,8 +20816,8 @@
         </p:blipFill>
         <p:spPr bwMode="auto">
           <a:xfrm>
-            <a:off x="604685" y="4147264"/>
-            <a:ext cx="3467722" cy="2267034"/>
+            <a:off x="7546614" y="1716912"/>
+            <a:ext cx="3490580" cy="2281978"/>
           </a:xfrm>
           <a:prstGeom prst="rect">
             <a:avLst/>
@@ -20884,7 +20843,7 @@
           <p:nvPr/>
         </p:nvPicPr>
         <p:blipFill>
-          <a:blip r:embed="rId7" cstate="print">
+          <a:blip r:embed="rId6" cstate="print">
             <a:extLst>
               <a:ext uri="{28A0092B-C50C-407E-A947-70E740481C1C}">
                 <a14:useLocalDpi xmlns:a14="http://schemas.microsoft.com/office/drawing/2010/main" val="0"/>
@@ -20898,8 +20857,8 @@
         </p:blipFill>
         <p:spPr bwMode="auto">
           <a:xfrm>
-            <a:off x="4514425" y="4167643"/>
-            <a:ext cx="3024286" cy="2099023"/>
+            <a:off x="2138457" y="4063286"/>
+            <a:ext cx="3356313" cy="2329468"/>
           </a:xfrm>
           <a:prstGeom prst="rect">
             <a:avLst/>
@@ -20925,7 +20884,7 @@
           <p:nvPr/>
         </p:nvPicPr>
         <p:blipFill>
-          <a:blip r:embed="rId8" cstate="print">
+          <a:blip r:embed="rId7" cstate="print">
             <a:extLst>
               <a:ext uri="{28A0092B-C50C-407E-A947-70E740481C1C}">
                 <a14:useLocalDpi xmlns:a14="http://schemas.microsoft.com/office/drawing/2010/main" val="0"/>
@@ -20939,8 +20898,8 @@
         </p:blipFill>
         <p:spPr bwMode="auto">
           <a:xfrm>
-            <a:off x="8188551" y="4141029"/>
-            <a:ext cx="3264848" cy="2251724"/>
+            <a:off x="5673846" y="4055895"/>
+            <a:ext cx="3339709" cy="2303355"/>
           </a:xfrm>
           <a:prstGeom prst="rect">
             <a:avLst/>
@@ -20967,13 +20926,13 @@
   <p:clrMapOvr>
     <a:masterClrMapping/>
   </p:clrMapOvr>
-  <mc:AlternateContent xmlns:mc="http://schemas.openxmlformats.org/markup-compatibility/2006">
-    <mc:Choice xmlns:p14="http://schemas.microsoft.com/office/powerpoint/2010/main" Requires="p14">
+  <mc:AlternateContent xmlns:mc="http://schemas.openxmlformats.org/markup-compatibility/2006" xmlns:p14="http://schemas.microsoft.com/office/powerpoint/2010/main">
+    <mc:Choice Requires="p14">
       <p:transition spd="med" p14:dur="700">
         <p:fade/>
       </p:transition>
     </mc:Choice>
-    <mc:Fallback>
+    <mc:Fallback xmlns="">
       <p:transition spd="med">
         <p:fade/>
       </p:transition>
@@ -21272,7 +21231,7 @@
                                           </p:stCondLst>
                                         </p:cTn>
                                         <p:tgtEl>
-                                          <p:spTgt spid="2052"/>
+                                          <p:spTgt spid="2053"/>
                                         </p:tgtEl>
                                         <p:attrNameLst>
                                           <p:attrName>style.visibility</p:attrName>
@@ -21286,7 +21245,7 @@
                                       <p:cBhvr>
                                         <p:cTn id="26" dur="1500" fill="hold"/>
                                         <p:tgtEl>
-                                          <p:spTgt spid="2052"/>
+                                          <p:spTgt spid="2053"/>
                                         </p:tgtEl>
                                         <p:attrNameLst>
                                           <p:attrName>ppt_w</p:attrName>
@@ -21309,7 +21268,7 @@
                                       <p:cBhvr>
                                         <p:cTn id="27" dur="1500" fill="hold"/>
                                         <p:tgtEl>
-                                          <p:spTgt spid="2052"/>
+                                          <p:spTgt spid="2053"/>
                                         </p:tgtEl>
                                         <p:attrNameLst>
                                           <p:attrName>ppt_h</p:attrName>
@@ -21332,7 +21291,7 @@
                                       <p:cBhvr>
                                         <p:cTn id="28" dur="1500"/>
                                         <p:tgtEl>
-                                          <p:spTgt spid="2052"/>
+                                          <p:spTgt spid="2053"/>
                                         </p:tgtEl>
                                       </p:cBhvr>
                                     </p:animEffect>
@@ -21371,7 +21330,7 @@
                                           </p:stCondLst>
                                         </p:cTn>
                                         <p:tgtEl>
-                                          <p:spTgt spid="2053"/>
+                                          <p:spTgt spid="2054"/>
                                         </p:tgtEl>
                                         <p:attrNameLst>
                                           <p:attrName>style.visibility</p:attrName>
@@ -21385,7 +21344,7 @@
                                       <p:cBhvr>
                                         <p:cTn id="33" dur="1500" fill="hold"/>
                                         <p:tgtEl>
-                                          <p:spTgt spid="2053"/>
+                                          <p:spTgt spid="2054"/>
                                         </p:tgtEl>
                                         <p:attrNameLst>
                                           <p:attrName>ppt_w</p:attrName>
@@ -21408,7 +21367,7 @@
                                       <p:cBhvr>
                                         <p:cTn id="34" dur="1500" fill="hold"/>
                                         <p:tgtEl>
-                                          <p:spTgt spid="2053"/>
+                                          <p:spTgt spid="2054"/>
                                         </p:tgtEl>
                                         <p:attrNameLst>
                                           <p:attrName>ppt_h</p:attrName>
@@ -21431,7 +21390,7 @@
                                       <p:cBhvr>
                                         <p:cTn id="35" dur="1500"/>
                                         <p:tgtEl>
-                                          <p:spTgt spid="2053"/>
+                                          <p:spTgt spid="2054"/>
                                         </p:tgtEl>
                                       </p:cBhvr>
                                     </p:animEffect>
@@ -21470,7 +21429,7 @@
                                           </p:stCondLst>
                                         </p:cTn>
                                         <p:tgtEl>
-                                          <p:spTgt spid="2054"/>
+                                          <p:spTgt spid="2055"/>
                                         </p:tgtEl>
                                         <p:attrNameLst>
                                           <p:attrName>style.visibility</p:attrName>
@@ -21484,7 +21443,7 @@
                                       <p:cBhvr>
                                         <p:cTn id="40" dur="1500" fill="hold"/>
                                         <p:tgtEl>
-                                          <p:spTgt spid="2054"/>
+                                          <p:spTgt spid="2055"/>
                                         </p:tgtEl>
                                         <p:attrNameLst>
                                           <p:attrName>ppt_w</p:attrName>
@@ -21507,7 +21466,7 @@
                                       <p:cBhvr>
                                         <p:cTn id="41" dur="1500" fill="hold"/>
                                         <p:tgtEl>
-                                          <p:spTgt spid="2054"/>
+                                          <p:spTgt spid="2055"/>
                                         </p:tgtEl>
                                         <p:attrNameLst>
                                           <p:attrName>ppt_h</p:attrName>
@@ -21529,105 +21488,6 @@
                                     <p:animEffect transition="in" filter="fade">
                                       <p:cBhvr>
                                         <p:cTn id="42" dur="1500"/>
-                                        <p:tgtEl>
-                                          <p:spTgt spid="2054"/>
-                                        </p:tgtEl>
-                                      </p:cBhvr>
-                                    </p:animEffect>
-                                  </p:childTnLst>
-                                </p:cTn>
-                              </p:par>
-                            </p:childTnLst>
-                          </p:cTn>
-                        </p:par>
-                      </p:childTnLst>
-                    </p:cTn>
-                  </p:par>
-                  <p:par>
-                    <p:cTn id="43" fill="hold">
-                      <p:stCondLst>
-                        <p:cond delay="indefinite"/>
-                      </p:stCondLst>
-                      <p:childTnLst>
-                        <p:par>
-                          <p:cTn id="44" fill="hold">
-                            <p:stCondLst>
-                              <p:cond delay="0"/>
-                            </p:stCondLst>
-                            <p:childTnLst>
-                              <p:par>
-                                <p:cTn id="45" presetID="53" presetClass="entr" presetSubtype="16" fill="hold" nodeType="clickEffect">
-                                  <p:stCondLst>
-                                    <p:cond delay="0"/>
-                                  </p:stCondLst>
-                                  <p:childTnLst>
-                                    <p:set>
-                                      <p:cBhvr>
-                                        <p:cTn id="46" dur="1" fill="hold">
-                                          <p:stCondLst>
-                                            <p:cond delay="0"/>
-                                          </p:stCondLst>
-                                        </p:cTn>
-                                        <p:tgtEl>
-                                          <p:spTgt spid="2055"/>
-                                        </p:tgtEl>
-                                        <p:attrNameLst>
-                                          <p:attrName>style.visibility</p:attrName>
-                                        </p:attrNameLst>
-                                      </p:cBhvr>
-                                      <p:to>
-                                        <p:strVal val="visible"/>
-                                      </p:to>
-                                    </p:set>
-                                    <p:anim calcmode="lin" valueType="num">
-                                      <p:cBhvr>
-                                        <p:cTn id="47" dur="1500" fill="hold"/>
-                                        <p:tgtEl>
-                                          <p:spTgt spid="2055"/>
-                                        </p:tgtEl>
-                                        <p:attrNameLst>
-                                          <p:attrName>ppt_w</p:attrName>
-                                        </p:attrNameLst>
-                                      </p:cBhvr>
-                                      <p:tavLst>
-                                        <p:tav tm="0">
-                                          <p:val>
-                                            <p:fltVal val="0"/>
-                                          </p:val>
-                                        </p:tav>
-                                        <p:tav tm="100000">
-                                          <p:val>
-                                            <p:strVal val="#ppt_w"/>
-                                          </p:val>
-                                        </p:tav>
-                                      </p:tavLst>
-                                    </p:anim>
-                                    <p:anim calcmode="lin" valueType="num">
-                                      <p:cBhvr>
-                                        <p:cTn id="48" dur="1500" fill="hold"/>
-                                        <p:tgtEl>
-                                          <p:spTgt spid="2055"/>
-                                        </p:tgtEl>
-                                        <p:attrNameLst>
-                                          <p:attrName>ppt_h</p:attrName>
-                                        </p:attrNameLst>
-                                      </p:cBhvr>
-                                      <p:tavLst>
-                                        <p:tav tm="0">
-                                          <p:val>
-                                            <p:fltVal val="0"/>
-                                          </p:val>
-                                        </p:tav>
-                                        <p:tav tm="100000">
-                                          <p:val>
-                                            <p:strVal val="#ppt_h"/>
-                                          </p:val>
-                                        </p:tav>
-                                      </p:tavLst>
-                                    </p:anim>
-                                    <p:animEffect transition="in" filter="fade">
-                                      <p:cBhvr>
-                                        <p:cTn id="49" dur="1500"/>
                                         <p:tgtEl>
                                           <p:spTgt spid="2055"/>
                                         </p:tgtEl>
@@ -22771,13 +22631,13 @@
   <p:clrMapOvr>
     <a:masterClrMapping/>
   </p:clrMapOvr>
-  <mc:AlternateContent xmlns:mc="http://schemas.openxmlformats.org/markup-compatibility/2006">
-    <mc:Choice xmlns:p14="http://schemas.microsoft.com/office/powerpoint/2010/main" Requires="p14">
+  <mc:AlternateContent xmlns:mc="http://schemas.openxmlformats.org/markup-compatibility/2006" xmlns:p14="http://schemas.microsoft.com/office/powerpoint/2010/main">
+    <mc:Choice Requires="p14">
       <p:transition spd="slow" p14:dur="1100">
         <p14:switch dir="r"/>
       </p:transition>
     </mc:Choice>
-    <mc:Fallback>
+    <mc:Fallback xmlns="">
       <p:transition spd="slow">
         <p:fade/>
       </p:transition>
@@ -23301,7 +23161,7 @@
   <a:extraClrSchemeLst/>
   <a:extLst>
     <a:ext uri="{05A4C25C-085E-4340-85A3-A5531E510DB2}">
-      <thm15:themeFamily xmlns:thm15="http://schemas.microsoft.com/office/thememl/2012/main" xmlns="" name="Facet" id="{C0C680CD-088A-49FC-A102-D699147F32B2}" vid="{CFBC31BA-B70F-4F30-BCAA-4F3011E16C4D}"/>
+      <thm15:themeFamily xmlns="" xmlns:thm15="http://schemas.microsoft.com/office/thememl/2012/main" name="Facet" id="{C0C680CD-088A-49FC-A102-D699147F32B2}" vid="{CFBC31BA-B70F-4F30-BCAA-4F3011E16C4D}"/>
     </a:ext>
   </a:extLst>
 </a:theme>
